--- a/Oral_presentation.pptx
+++ b/Oral_presentation.pptx
@@ -2,7 +2,7 @@
 <file path=ppt/presentation.xml><?xml version="1.0" encoding="utf-8"?>
 <p:presentation xmlns:a="http://schemas.openxmlformats.org/drawingml/2006/main" xmlns:r="http://schemas.openxmlformats.org/officeDocument/2006/relationships" xmlns:p="http://schemas.openxmlformats.org/presentationml/2006/main" saveSubsetFonts="1">
   <p:sldMasterIdLst>
-    <p:sldMasterId id="2147483648" r:id="rId1"/>
+    <p:sldMasterId id="2147483696" r:id="rId1"/>
   </p:sldMasterIdLst>
   <p:notesMasterIdLst>
     <p:notesMasterId r:id="rId20"/>
@@ -135,13 +135,135 @@
 <file path=ppt/revisionInfo.xml><?xml version="1.0" encoding="utf-8"?>
 <p1510:revInfo xmlns:a="http://schemas.openxmlformats.org/drawingml/2006/main" xmlns:r="http://schemas.openxmlformats.org/officeDocument/2006/relationships" xmlns:p1510="http://schemas.microsoft.com/office/powerpoint/2015/10/main">
   <p1510:revLst>
-    <p1510:client id="{763C9622-BB30-46DA-B834-B5CBE33949E2}" v="53" dt="2023-05-12T16:23:56.909"/>
+    <p1510:client id="{3E7335C5-1B79-E65B-2E7B-06D657022A2D}" v="14" dt="2023-05-15T16:32:37.300"/>
+    <p1510:client id="{89198D6A-F2D8-4365-A83A-1D2868E7801E}" v="3" dt="2023-05-16T07:36:46.523"/>
+    <p1510:client id="{8E512138-7AE5-A894-3992-3B6C4D19A2B8}" v="22" dt="2023-05-15T14:08:55.770"/>
+    <p1510:client id="{94FEB4CD-B9A5-7C7C-09D9-249F0AAACB03}" v="2" dt="2023-05-14T18:18:35.398"/>
+    <p1510:client id="{BC2956F4-F9D3-4C85-A1E0-5F85EAEA37D0}" v="8" dt="2023-05-14T19:54:11.334"/>
   </p1510:revLst>
 </p1510:revInfo>
 </file>
 
 <file path=ppt/changesInfos/changesInfo1.xml><?xml version="1.0" encoding="utf-8"?>
 <pc:chgInfo xmlns:a="http://schemas.openxmlformats.org/drawingml/2006/main" xmlns:r="http://schemas.openxmlformats.org/officeDocument/2006/relationships" xmlns:ac="http://schemas.microsoft.com/office/drawing/2013/main/command" xmlns:pc="http://schemas.microsoft.com/office/powerpoint/2013/main/command">
+  <pc:docChgLst>
+    <pc:chgData name="Anais" userId="c510c42a-ef8c-4312-9c40-97e00ecaefad" providerId="ADAL" clId="{BC2956F4-F9D3-4C85-A1E0-5F85EAEA37D0}"/>
+    <pc:docChg chg="custSel modSld">
+      <pc:chgData name="Anais" userId="c510c42a-ef8c-4312-9c40-97e00ecaefad" providerId="ADAL" clId="{BC2956F4-F9D3-4C85-A1E0-5F85EAEA37D0}" dt="2023-05-14T23:41:48.677" v="540" actId="14100"/>
+      <pc:docMkLst>
+        <pc:docMk/>
+      </pc:docMkLst>
+      <pc:sldChg chg="addSp delSp modSp mod modNotesTx">
+        <pc:chgData name="Anais" userId="c510c42a-ef8c-4312-9c40-97e00ecaefad" providerId="ADAL" clId="{BC2956F4-F9D3-4C85-A1E0-5F85EAEA37D0}" dt="2023-05-14T20:05:11.907" v="529" actId="20577"/>
+        <pc:sldMkLst>
+          <pc:docMk/>
+          <pc:sldMk cId="2069209328" sldId="295"/>
+        </pc:sldMkLst>
+        <pc:spChg chg="add mod">
+          <ac:chgData name="Anais" userId="c510c42a-ef8c-4312-9c40-97e00ecaefad" providerId="ADAL" clId="{BC2956F4-F9D3-4C85-A1E0-5F85EAEA37D0}" dt="2023-05-14T19:56:09.132" v="252" actId="14100"/>
+          <ac:spMkLst>
+            <pc:docMk/>
+            <pc:sldMk cId="2069209328" sldId="295"/>
+            <ac:spMk id="8" creationId="{EF822112-73BF-4C78-EF1F-D69BFDD6A088}"/>
+          </ac:spMkLst>
+        </pc:spChg>
+        <pc:spChg chg="add mod">
+          <ac:chgData name="Anais" userId="c510c42a-ef8c-4312-9c40-97e00ecaefad" providerId="ADAL" clId="{BC2956F4-F9D3-4C85-A1E0-5F85EAEA37D0}" dt="2023-05-14T19:54:32.019" v="237" actId="14100"/>
+          <ac:spMkLst>
+            <pc:docMk/>
+            <pc:sldMk cId="2069209328" sldId="295"/>
+            <ac:spMk id="9" creationId="{BBBF6BD2-7F1F-0EEC-EB63-ED6E937D7BD8}"/>
+          </ac:spMkLst>
+        </pc:spChg>
+        <pc:picChg chg="mod ord">
+          <ac:chgData name="Anais" userId="c510c42a-ef8c-4312-9c40-97e00ecaefad" providerId="ADAL" clId="{BC2956F4-F9D3-4C85-A1E0-5F85EAEA37D0}" dt="2023-05-14T19:55:51.020" v="247" actId="167"/>
+          <ac:picMkLst>
+            <pc:docMk/>
+            <pc:sldMk cId="2069209328" sldId="295"/>
+            <ac:picMk id="3" creationId="{FE882823-C6C8-9F6F-8B99-930839E37C41}"/>
+          </ac:picMkLst>
+        </pc:picChg>
+        <pc:picChg chg="add del mod">
+          <ac:chgData name="Anais" userId="c510c42a-ef8c-4312-9c40-97e00ecaefad" providerId="ADAL" clId="{BC2956F4-F9D3-4C85-A1E0-5F85EAEA37D0}" dt="2023-05-14T19:53:20.229" v="217" actId="478"/>
+          <ac:picMkLst>
+            <pc:docMk/>
+            <pc:sldMk cId="2069209328" sldId="295"/>
+            <ac:picMk id="5" creationId="{9DA2F8DB-B4A1-8583-136C-47D02E79E30A}"/>
+          </ac:picMkLst>
+        </pc:picChg>
+        <pc:picChg chg="add del mod">
+          <ac:chgData name="Anais" userId="c510c42a-ef8c-4312-9c40-97e00ecaefad" providerId="ADAL" clId="{BC2956F4-F9D3-4C85-A1E0-5F85EAEA37D0}" dt="2023-05-14T19:55:27.975" v="238" actId="478"/>
+          <ac:picMkLst>
+            <pc:docMk/>
+            <pc:sldMk cId="2069209328" sldId="295"/>
+            <ac:picMk id="7" creationId="{D0690AA2-CC1F-C40F-B66E-568E0CA62B36}"/>
+          </ac:picMkLst>
+        </pc:picChg>
+        <pc:picChg chg="add mod ord">
+          <ac:chgData name="Anais" userId="c510c42a-ef8c-4312-9c40-97e00ecaefad" providerId="ADAL" clId="{BC2956F4-F9D3-4C85-A1E0-5F85EAEA37D0}" dt="2023-05-14T19:55:46.338" v="246" actId="167"/>
+          <ac:picMkLst>
+            <pc:docMk/>
+            <pc:sldMk cId="2069209328" sldId="295"/>
+            <ac:picMk id="11" creationId="{40308E53-8579-340A-7B2A-98447DF03651}"/>
+          </ac:picMkLst>
+        </pc:picChg>
+      </pc:sldChg>
+      <pc:sldChg chg="addSp delSp modSp mod">
+        <pc:chgData name="Anais" userId="c510c42a-ef8c-4312-9c40-97e00ecaefad" providerId="ADAL" clId="{BC2956F4-F9D3-4C85-A1E0-5F85EAEA37D0}" dt="2023-05-14T23:41:48.677" v="540" actId="14100"/>
+        <pc:sldMkLst>
+          <pc:docMk/>
+          <pc:sldMk cId="2202517599" sldId="297"/>
+        </pc:sldMkLst>
+        <pc:spChg chg="del">
+          <ac:chgData name="Anais" userId="c510c42a-ef8c-4312-9c40-97e00ecaefad" providerId="ADAL" clId="{BC2956F4-F9D3-4C85-A1E0-5F85EAEA37D0}" dt="2023-05-14T23:41:30.519" v="534" actId="478"/>
+          <ac:spMkLst>
+            <pc:docMk/>
+            <pc:sldMk cId="2202517599" sldId="297"/>
+            <ac:spMk id="4" creationId="{17417F23-6F3D-6911-A917-DD4B2C3D4146}"/>
+          </ac:spMkLst>
+        </pc:spChg>
+        <pc:spChg chg="del">
+          <ac:chgData name="Anais" userId="c510c42a-ef8c-4312-9c40-97e00ecaefad" providerId="ADAL" clId="{BC2956F4-F9D3-4C85-A1E0-5F85EAEA37D0}" dt="2023-05-14T23:41:17.181" v="530" actId="478"/>
+          <ac:spMkLst>
+            <pc:docMk/>
+            <pc:sldMk cId="2202517599" sldId="297"/>
+            <ac:spMk id="5" creationId="{58B4D034-FE87-741F-1B50-763DB3939746}"/>
+          </ac:spMkLst>
+        </pc:spChg>
+        <pc:picChg chg="add mod">
+          <ac:chgData name="Anais" userId="c510c42a-ef8c-4312-9c40-97e00ecaefad" providerId="ADAL" clId="{BC2956F4-F9D3-4C85-A1E0-5F85EAEA37D0}" dt="2023-05-14T23:41:48.677" v="540" actId="14100"/>
+          <ac:picMkLst>
+            <pc:docMk/>
+            <pc:sldMk cId="2202517599" sldId="297"/>
+            <ac:picMk id="3" creationId="{D301E334-B98E-044B-4D00-E9BAAC48FD67}"/>
+          </ac:picMkLst>
+        </pc:picChg>
+      </pc:sldChg>
+      <pc:sldChg chg="addSp modSp mod">
+        <pc:chgData name="Anais" userId="c510c42a-ef8c-4312-9c40-97e00ecaefad" providerId="ADAL" clId="{BC2956F4-F9D3-4C85-A1E0-5F85EAEA37D0}" dt="2023-05-14T17:29:37.432" v="207" actId="1076"/>
+        <pc:sldMkLst>
+          <pc:docMk/>
+          <pc:sldMk cId="1712891875" sldId="299"/>
+        </pc:sldMkLst>
+        <pc:spChg chg="add mod">
+          <ac:chgData name="Anais" userId="c510c42a-ef8c-4312-9c40-97e00ecaefad" providerId="ADAL" clId="{BC2956F4-F9D3-4C85-A1E0-5F85EAEA37D0}" dt="2023-05-14T17:29:31.082" v="206" actId="1076"/>
+          <ac:spMkLst>
+            <pc:docMk/>
+            <pc:sldMk cId="1712891875" sldId="299"/>
+            <ac:spMk id="2" creationId="{3FBAF58C-7762-E90B-822E-3DA22A4BAD44}"/>
+          </ac:spMkLst>
+        </pc:spChg>
+        <pc:spChg chg="mod">
+          <ac:chgData name="Anais" userId="c510c42a-ef8c-4312-9c40-97e00ecaefad" providerId="ADAL" clId="{BC2956F4-F9D3-4C85-A1E0-5F85EAEA37D0}" dt="2023-05-14T17:29:37.432" v="207" actId="1076"/>
+          <ac:spMkLst>
+            <pc:docMk/>
+            <pc:sldMk cId="1712891875" sldId="299"/>
+            <ac:spMk id="4" creationId="{56CD7883-93DB-F5F5-A965-874E54C65F4F}"/>
+          </ac:spMkLst>
+        </pc:spChg>
+      </pc:sldChg>
+    </pc:docChg>
+  </pc:docChgLst>
   <pc:docChgLst>
     <pc:chgData name="Anais Spire" userId="c510c42a-ef8c-4312-9c40-97e00ecaefad" providerId="ADAL" clId="{763C9622-BB30-46DA-B834-B5CBE33949E2}"/>
     <pc:docChg chg="undo custSel addSld modSld sldOrd">
@@ -774,6 +896,625 @@
           </ac:spMkLst>
         </pc:spChg>
       </pc:sldChg>
+    </pc:docChg>
+  </pc:docChgLst>
+  <pc:docChgLst>
+    <pc:chgData name="Tidjani Fousseni Salami Cisse" userId="S::tidjani.fousseni-salami-cisse@etu.unice.fr::4fdcd777-a691-40cc-81aa-da9c59cdf1f2" providerId="AD" clId="Web-{89198D6A-F2D8-4365-A83A-1D2868E7801E}"/>
+    <pc:docChg chg="modSld addMainMaster delMainMaster">
+      <pc:chgData name="Tidjani Fousseni Salami Cisse" userId="S::tidjani.fousseni-salami-cisse@etu.unice.fr::4fdcd777-a691-40cc-81aa-da9c59cdf1f2" providerId="AD" clId="Web-{89198D6A-F2D8-4365-A83A-1D2868E7801E}" dt="2023-05-16T07:36:46.523" v="34"/>
+      <pc:docMkLst>
+        <pc:docMk/>
+      </pc:docMkLst>
+      <pc:sldChg chg="mod modClrScheme chgLayout">
+        <pc:chgData name="Tidjani Fousseni Salami Cisse" userId="S::tidjani.fousseni-salami-cisse@etu.unice.fr::4fdcd777-a691-40cc-81aa-da9c59cdf1f2" providerId="AD" clId="Web-{89198D6A-F2D8-4365-A83A-1D2868E7801E}" dt="2023-05-16T07:36:46.523" v="34"/>
+        <pc:sldMkLst>
+          <pc:docMk/>
+          <pc:sldMk cId="692251897" sldId="256"/>
+        </pc:sldMkLst>
+      </pc:sldChg>
+      <pc:sldChg chg="mod modClrScheme chgLayout">
+        <pc:chgData name="Tidjani Fousseni Salami Cisse" userId="S::tidjani.fousseni-salami-cisse@etu.unice.fr::4fdcd777-a691-40cc-81aa-da9c59cdf1f2" providerId="AD" clId="Web-{89198D6A-F2D8-4365-A83A-1D2868E7801E}" dt="2023-05-16T07:36:46.523" v="34"/>
+        <pc:sldMkLst>
+          <pc:docMk/>
+          <pc:sldMk cId="3234391164" sldId="257"/>
+        </pc:sldMkLst>
+      </pc:sldChg>
+      <pc:sldChg chg="mod modClrScheme chgLayout">
+        <pc:chgData name="Tidjani Fousseni Salami Cisse" userId="S::tidjani.fousseni-salami-cisse@etu.unice.fr::4fdcd777-a691-40cc-81aa-da9c59cdf1f2" providerId="AD" clId="Web-{89198D6A-F2D8-4365-A83A-1D2868E7801E}" dt="2023-05-16T07:36:46.523" v="34"/>
+        <pc:sldMkLst>
+          <pc:docMk/>
+          <pc:sldMk cId="3184932847" sldId="258"/>
+        </pc:sldMkLst>
+      </pc:sldChg>
+      <pc:sldChg chg="mod modClrScheme chgLayout">
+        <pc:chgData name="Tidjani Fousseni Salami Cisse" userId="S::tidjani.fousseni-salami-cisse@etu.unice.fr::4fdcd777-a691-40cc-81aa-da9c59cdf1f2" providerId="AD" clId="Web-{89198D6A-F2D8-4365-A83A-1D2868E7801E}" dt="2023-05-16T07:36:46.523" v="34"/>
+        <pc:sldMkLst>
+          <pc:docMk/>
+          <pc:sldMk cId="1214149083" sldId="259"/>
+        </pc:sldMkLst>
+      </pc:sldChg>
+      <pc:sldChg chg="mod modClrScheme chgLayout">
+        <pc:chgData name="Tidjani Fousseni Salami Cisse" userId="S::tidjani.fousseni-salami-cisse@etu.unice.fr::4fdcd777-a691-40cc-81aa-da9c59cdf1f2" providerId="AD" clId="Web-{89198D6A-F2D8-4365-A83A-1D2868E7801E}" dt="2023-05-16T07:36:46.523" v="34"/>
+        <pc:sldMkLst>
+          <pc:docMk/>
+          <pc:sldMk cId="809971069" sldId="260"/>
+        </pc:sldMkLst>
+      </pc:sldChg>
+      <pc:sldChg chg="mod modClrScheme chgLayout">
+        <pc:chgData name="Tidjani Fousseni Salami Cisse" userId="S::tidjani.fousseni-salami-cisse@etu.unice.fr::4fdcd777-a691-40cc-81aa-da9c59cdf1f2" providerId="AD" clId="Web-{89198D6A-F2D8-4365-A83A-1D2868E7801E}" dt="2023-05-16T07:36:46.523" v="34"/>
+        <pc:sldMkLst>
+          <pc:docMk/>
+          <pc:sldMk cId="1714109195" sldId="261"/>
+        </pc:sldMkLst>
+      </pc:sldChg>
+      <pc:sldChg chg="modSp mod modClrScheme chgLayout">
+        <pc:chgData name="Tidjani Fousseni Salami Cisse" userId="S::tidjani.fousseni-salami-cisse@etu.unice.fr::4fdcd777-a691-40cc-81aa-da9c59cdf1f2" providerId="AD" clId="Web-{89198D6A-F2D8-4365-A83A-1D2868E7801E}" dt="2023-05-16T07:36:46.523" v="34"/>
+        <pc:sldMkLst>
+          <pc:docMk/>
+          <pc:sldMk cId="2890638877" sldId="292"/>
+        </pc:sldMkLst>
+        <pc:spChg chg="mod ord">
+          <ac:chgData name="Tidjani Fousseni Salami Cisse" userId="S::tidjani.fousseni-salami-cisse@etu.unice.fr::4fdcd777-a691-40cc-81aa-da9c59cdf1f2" providerId="AD" clId="Web-{89198D6A-F2D8-4365-A83A-1D2868E7801E}" dt="2023-05-16T07:36:46.523" v="34"/>
+          <ac:spMkLst>
+            <pc:docMk/>
+            <pc:sldMk cId="2890638877" sldId="292"/>
+            <ac:spMk id="2" creationId="{42491958-9B58-871C-5566-465DAA590E97}"/>
+          </ac:spMkLst>
+        </pc:spChg>
+      </pc:sldChg>
+      <pc:sldChg chg="mod modClrScheme chgLayout">
+        <pc:chgData name="Tidjani Fousseni Salami Cisse" userId="S::tidjani.fousseni-salami-cisse@etu.unice.fr::4fdcd777-a691-40cc-81aa-da9c59cdf1f2" providerId="AD" clId="Web-{89198D6A-F2D8-4365-A83A-1D2868E7801E}" dt="2023-05-16T07:36:46.523" v="34"/>
+        <pc:sldMkLst>
+          <pc:docMk/>
+          <pc:sldMk cId="1065793048" sldId="293"/>
+        </pc:sldMkLst>
+      </pc:sldChg>
+      <pc:sldChg chg="mod modClrScheme chgLayout">
+        <pc:chgData name="Tidjani Fousseni Salami Cisse" userId="S::tidjani.fousseni-salami-cisse@etu.unice.fr::4fdcd777-a691-40cc-81aa-da9c59cdf1f2" providerId="AD" clId="Web-{89198D6A-F2D8-4365-A83A-1D2868E7801E}" dt="2023-05-16T07:36:46.523" v="34"/>
+        <pc:sldMkLst>
+          <pc:docMk/>
+          <pc:sldMk cId="2998520866" sldId="294"/>
+        </pc:sldMkLst>
+      </pc:sldChg>
+      <pc:sldChg chg="mod modClrScheme chgLayout modNotes">
+        <pc:chgData name="Tidjani Fousseni Salami Cisse" userId="S::tidjani.fousseni-salami-cisse@etu.unice.fr::4fdcd777-a691-40cc-81aa-da9c59cdf1f2" providerId="AD" clId="Web-{89198D6A-F2D8-4365-A83A-1D2868E7801E}" dt="2023-05-16T07:36:46.523" v="34"/>
+        <pc:sldMkLst>
+          <pc:docMk/>
+          <pc:sldMk cId="2069209328" sldId="295"/>
+        </pc:sldMkLst>
+      </pc:sldChg>
+      <pc:sldChg chg="mod modClrScheme chgLayout">
+        <pc:chgData name="Tidjani Fousseni Salami Cisse" userId="S::tidjani.fousseni-salami-cisse@etu.unice.fr::4fdcd777-a691-40cc-81aa-da9c59cdf1f2" providerId="AD" clId="Web-{89198D6A-F2D8-4365-A83A-1D2868E7801E}" dt="2023-05-16T07:36:46.523" v="34"/>
+        <pc:sldMkLst>
+          <pc:docMk/>
+          <pc:sldMk cId="3683362649" sldId="296"/>
+        </pc:sldMkLst>
+      </pc:sldChg>
+      <pc:sldChg chg="mod modClrScheme chgLayout">
+        <pc:chgData name="Tidjani Fousseni Salami Cisse" userId="S::tidjani.fousseni-salami-cisse@etu.unice.fr::4fdcd777-a691-40cc-81aa-da9c59cdf1f2" providerId="AD" clId="Web-{89198D6A-F2D8-4365-A83A-1D2868E7801E}" dt="2023-05-16T07:36:46.523" v="34"/>
+        <pc:sldMkLst>
+          <pc:docMk/>
+          <pc:sldMk cId="2202517599" sldId="297"/>
+        </pc:sldMkLst>
+      </pc:sldChg>
+      <pc:sldChg chg="mod modClrScheme chgLayout">
+        <pc:chgData name="Tidjani Fousseni Salami Cisse" userId="S::tidjani.fousseni-salami-cisse@etu.unice.fr::4fdcd777-a691-40cc-81aa-da9c59cdf1f2" providerId="AD" clId="Web-{89198D6A-F2D8-4365-A83A-1D2868E7801E}" dt="2023-05-16T07:36:46.523" v="34"/>
+        <pc:sldMkLst>
+          <pc:docMk/>
+          <pc:sldMk cId="3537373870" sldId="298"/>
+        </pc:sldMkLst>
+      </pc:sldChg>
+      <pc:sldChg chg="mod modClrScheme chgLayout">
+        <pc:chgData name="Tidjani Fousseni Salami Cisse" userId="S::tidjani.fousseni-salami-cisse@etu.unice.fr::4fdcd777-a691-40cc-81aa-da9c59cdf1f2" providerId="AD" clId="Web-{89198D6A-F2D8-4365-A83A-1D2868E7801E}" dt="2023-05-16T07:36:46.523" v="34"/>
+        <pc:sldMkLst>
+          <pc:docMk/>
+          <pc:sldMk cId="1712891875" sldId="299"/>
+        </pc:sldMkLst>
+      </pc:sldChg>
+      <pc:sldChg chg="mod modClrScheme chgLayout">
+        <pc:chgData name="Tidjani Fousseni Salami Cisse" userId="S::tidjani.fousseni-salami-cisse@etu.unice.fr::4fdcd777-a691-40cc-81aa-da9c59cdf1f2" providerId="AD" clId="Web-{89198D6A-F2D8-4365-A83A-1D2868E7801E}" dt="2023-05-16T07:36:46.523" v="34"/>
+        <pc:sldMkLst>
+          <pc:docMk/>
+          <pc:sldMk cId="1741596295" sldId="300"/>
+        </pc:sldMkLst>
+      </pc:sldChg>
+      <pc:sldChg chg="mod modClrScheme chgLayout">
+        <pc:chgData name="Tidjani Fousseni Salami Cisse" userId="S::tidjani.fousseni-salami-cisse@etu.unice.fr::4fdcd777-a691-40cc-81aa-da9c59cdf1f2" providerId="AD" clId="Web-{89198D6A-F2D8-4365-A83A-1D2868E7801E}" dt="2023-05-16T07:36:46.523" v="34"/>
+        <pc:sldMkLst>
+          <pc:docMk/>
+          <pc:sldMk cId="3235140375" sldId="301"/>
+        </pc:sldMkLst>
+      </pc:sldChg>
+      <pc:sldChg chg="mod modClrScheme chgLayout">
+        <pc:chgData name="Tidjani Fousseni Salami Cisse" userId="S::tidjani.fousseni-salami-cisse@etu.unice.fr::4fdcd777-a691-40cc-81aa-da9c59cdf1f2" providerId="AD" clId="Web-{89198D6A-F2D8-4365-A83A-1D2868E7801E}" dt="2023-05-16T07:36:46.523" v="34"/>
+        <pc:sldMkLst>
+          <pc:docMk/>
+          <pc:sldMk cId="4096118724" sldId="302"/>
+        </pc:sldMkLst>
+      </pc:sldChg>
+      <pc:sldChg chg="mod modClrScheme chgLayout">
+        <pc:chgData name="Tidjani Fousseni Salami Cisse" userId="S::tidjani.fousseni-salami-cisse@etu.unice.fr::4fdcd777-a691-40cc-81aa-da9c59cdf1f2" providerId="AD" clId="Web-{89198D6A-F2D8-4365-A83A-1D2868E7801E}" dt="2023-05-16T07:36:46.523" v="34"/>
+        <pc:sldMkLst>
+          <pc:docMk/>
+          <pc:sldMk cId="3016666120" sldId="303"/>
+        </pc:sldMkLst>
+      </pc:sldChg>
+      <pc:sldMasterChg chg="del delSldLayout">
+        <pc:chgData name="Tidjani Fousseni Salami Cisse" userId="S::tidjani.fousseni-salami-cisse@etu.unice.fr::4fdcd777-a691-40cc-81aa-da9c59cdf1f2" providerId="AD" clId="Web-{89198D6A-F2D8-4365-A83A-1D2868E7801E}" dt="2023-05-16T07:36:10.849" v="32"/>
+        <pc:sldMasterMkLst>
+          <pc:docMk/>
+          <pc:sldMasterMk cId="833599419" sldId="2147483648"/>
+        </pc:sldMasterMkLst>
+        <pc:sldLayoutChg chg="del">
+          <pc:chgData name="Tidjani Fousseni Salami Cisse" userId="S::tidjani.fousseni-salami-cisse@etu.unice.fr::4fdcd777-a691-40cc-81aa-da9c59cdf1f2" providerId="AD" clId="Web-{89198D6A-F2D8-4365-A83A-1D2868E7801E}" dt="2023-05-16T07:36:10.849" v="32"/>
+          <pc:sldLayoutMkLst>
+            <pc:docMk/>
+            <pc:sldMasterMk cId="833599419" sldId="2147483648"/>
+            <pc:sldLayoutMk cId="1588481707" sldId="2147483649"/>
+          </pc:sldLayoutMkLst>
+        </pc:sldLayoutChg>
+        <pc:sldLayoutChg chg="del">
+          <pc:chgData name="Tidjani Fousseni Salami Cisse" userId="S::tidjani.fousseni-salami-cisse@etu.unice.fr::4fdcd777-a691-40cc-81aa-da9c59cdf1f2" providerId="AD" clId="Web-{89198D6A-F2D8-4365-A83A-1D2868E7801E}" dt="2023-05-16T07:36:10.849" v="32"/>
+          <pc:sldLayoutMkLst>
+            <pc:docMk/>
+            <pc:sldMasterMk cId="833599419" sldId="2147483648"/>
+            <pc:sldLayoutMk cId="1163591101" sldId="2147483650"/>
+          </pc:sldLayoutMkLst>
+        </pc:sldLayoutChg>
+        <pc:sldLayoutChg chg="del">
+          <pc:chgData name="Tidjani Fousseni Salami Cisse" userId="S::tidjani.fousseni-salami-cisse@etu.unice.fr::4fdcd777-a691-40cc-81aa-da9c59cdf1f2" providerId="AD" clId="Web-{89198D6A-F2D8-4365-A83A-1D2868E7801E}" dt="2023-05-16T07:36:10.849" v="32"/>
+          <pc:sldLayoutMkLst>
+            <pc:docMk/>
+            <pc:sldMasterMk cId="833599419" sldId="2147483648"/>
+            <pc:sldLayoutMk cId="146743286" sldId="2147483651"/>
+          </pc:sldLayoutMkLst>
+        </pc:sldLayoutChg>
+        <pc:sldLayoutChg chg="del">
+          <pc:chgData name="Tidjani Fousseni Salami Cisse" userId="S::tidjani.fousseni-salami-cisse@etu.unice.fr::4fdcd777-a691-40cc-81aa-da9c59cdf1f2" providerId="AD" clId="Web-{89198D6A-F2D8-4365-A83A-1D2868E7801E}" dt="2023-05-16T07:36:10.849" v="32"/>
+          <pc:sldLayoutMkLst>
+            <pc:docMk/>
+            <pc:sldMasterMk cId="833599419" sldId="2147483648"/>
+            <pc:sldLayoutMk cId="497464882" sldId="2147483652"/>
+          </pc:sldLayoutMkLst>
+        </pc:sldLayoutChg>
+        <pc:sldLayoutChg chg="del">
+          <pc:chgData name="Tidjani Fousseni Salami Cisse" userId="S::tidjani.fousseni-salami-cisse@etu.unice.fr::4fdcd777-a691-40cc-81aa-da9c59cdf1f2" providerId="AD" clId="Web-{89198D6A-F2D8-4365-A83A-1D2868E7801E}" dt="2023-05-16T07:36:10.849" v="32"/>
+          <pc:sldLayoutMkLst>
+            <pc:docMk/>
+            <pc:sldMasterMk cId="833599419" sldId="2147483648"/>
+            <pc:sldLayoutMk cId="387652510" sldId="2147483653"/>
+          </pc:sldLayoutMkLst>
+        </pc:sldLayoutChg>
+        <pc:sldLayoutChg chg="del">
+          <pc:chgData name="Tidjani Fousseni Salami Cisse" userId="S::tidjani.fousseni-salami-cisse@etu.unice.fr::4fdcd777-a691-40cc-81aa-da9c59cdf1f2" providerId="AD" clId="Web-{89198D6A-F2D8-4365-A83A-1D2868E7801E}" dt="2023-05-16T07:36:10.849" v="32"/>
+          <pc:sldLayoutMkLst>
+            <pc:docMk/>
+            <pc:sldMasterMk cId="833599419" sldId="2147483648"/>
+            <pc:sldLayoutMk cId="252203435" sldId="2147483654"/>
+          </pc:sldLayoutMkLst>
+        </pc:sldLayoutChg>
+        <pc:sldLayoutChg chg="del">
+          <pc:chgData name="Tidjani Fousseni Salami Cisse" userId="S::tidjani.fousseni-salami-cisse@etu.unice.fr::4fdcd777-a691-40cc-81aa-da9c59cdf1f2" providerId="AD" clId="Web-{89198D6A-F2D8-4365-A83A-1D2868E7801E}" dt="2023-05-16T07:36:10.849" v="32"/>
+          <pc:sldLayoutMkLst>
+            <pc:docMk/>
+            <pc:sldMasterMk cId="833599419" sldId="2147483648"/>
+            <pc:sldLayoutMk cId="671025485" sldId="2147483655"/>
+          </pc:sldLayoutMkLst>
+        </pc:sldLayoutChg>
+        <pc:sldLayoutChg chg="del">
+          <pc:chgData name="Tidjani Fousseni Salami Cisse" userId="S::tidjani.fousseni-salami-cisse@etu.unice.fr::4fdcd777-a691-40cc-81aa-da9c59cdf1f2" providerId="AD" clId="Web-{89198D6A-F2D8-4365-A83A-1D2868E7801E}" dt="2023-05-16T07:36:10.849" v="32"/>
+          <pc:sldLayoutMkLst>
+            <pc:docMk/>
+            <pc:sldMasterMk cId="833599419" sldId="2147483648"/>
+            <pc:sldLayoutMk cId="434032447" sldId="2147483656"/>
+          </pc:sldLayoutMkLst>
+        </pc:sldLayoutChg>
+        <pc:sldLayoutChg chg="del">
+          <pc:chgData name="Tidjani Fousseni Salami Cisse" userId="S::tidjani.fousseni-salami-cisse@etu.unice.fr::4fdcd777-a691-40cc-81aa-da9c59cdf1f2" providerId="AD" clId="Web-{89198D6A-F2D8-4365-A83A-1D2868E7801E}" dt="2023-05-16T07:36:10.849" v="32"/>
+          <pc:sldLayoutMkLst>
+            <pc:docMk/>
+            <pc:sldMasterMk cId="833599419" sldId="2147483648"/>
+            <pc:sldLayoutMk cId="4272385172" sldId="2147483657"/>
+          </pc:sldLayoutMkLst>
+        </pc:sldLayoutChg>
+        <pc:sldLayoutChg chg="del">
+          <pc:chgData name="Tidjani Fousseni Salami Cisse" userId="S::tidjani.fousseni-salami-cisse@etu.unice.fr::4fdcd777-a691-40cc-81aa-da9c59cdf1f2" providerId="AD" clId="Web-{89198D6A-F2D8-4365-A83A-1D2868E7801E}" dt="2023-05-16T07:36:10.849" v="32"/>
+          <pc:sldLayoutMkLst>
+            <pc:docMk/>
+            <pc:sldMasterMk cId="833599419" sldId="2147483648"/>
+            <pc:sldLayoutMk cId="359505066" sldId="2147483658"/>
+          </pc:sldLayoutMkLst>
+        </pc:sldLayoutChg>
+        <pc:sldLayoutChg chg="del">
+          <pc:chgData name="Tidjani Fousseni Salami Cisse" userId="S::tidjani.fousseni-salami-cisse@etu.unice.fr::4fdcd777-a691-40cc-81aa-da9c59cdf1f2" providerId="AD" clId="Web-{89198D6A-F2D8-4365-A83A-1D2868E7801E}" dt="2023-05-16T07:36:10.849" v="32"/>
+          <pc:sldLayoutMkLst>
+            <pc:docMk/>
+            <pc:sldMasterMk cId="833599419" sldId="2147483648"/>
+            <pc:sldLayoutMk cId="2797131886" sldId="2147483659"/>
+          </pc:sldLayoutMkLst>
+        </pc:sldLayoutChg>
+      </pc:sldMasterChg>
+      <pc:sldMasterChg chg="add del addSldLayout delSldLayout modSldLayout">
+        <pc:chgData name="Tidjani Fousseni Salami Cisse" userId="S::tidjani.fousseni-salami-cisse@etu.unice.fr::4fdcd777-a691-40cc-81aa-da9c59cdf1f2" providerId="AD" clId="Web-{89198D6A-F2D8-4365-A83A-1D2868E7801E}" dt="2023-05-16T07:36:20.178" v="33"/>
+        <pc:sldMasterMkLst>
+          <pc:docMk/>
+          <pc:sldMasterMk cId="663178773" sldId="2147483660"/>
+        </pc:sldMasterMkLst>
+        <pc:sldLayoutChg chg="add del mod replId">
+          <pc:chgData name="Tidjani Fousseni Salami Cisse" userId="S::tidjani.fousseni-salami-cisse@etu.unice.fr::4fdcd777-a691-40cc-81aa-da9c59cdf1f2" providerId="AD" clId="Web-{89198D6A-F2D8-4365-A83A-1D2868E7801E}" dt="2023-05-16T07:36:20.178" v="33"/>
+          <pc:sldLayoutMkLst>
+            <pc:docMk/>
+            <pc:sldMasterMk cId="663178773" sldId="2147483660"/>
+            <pc:sldLayoutMk cId="487737028" sldId="2147483661"/>
+          </pc:sldLayoutMkLst>
+        </pc:sldLayoutChg>
+        <pc:sldLayoutChg chg="add del mod replId">
+          <pc:chgData name="Tidjani Fousseni Salami Cisse" userId="S::tidjani.fousseni-salami-cisse@etu.unice.fr::4fdcd777-a691-40cc-81aa-da9c59cdf1f2" providerId="AD" clId="Web-{89198D6A-F2D8-4365-A83A-1D2868E7801E}" dt="2023-05-16T07:36:20.178" v="33"/>
+          <pc:sldLayoutMkLst>
+            <pc:docMk/>
+            <pc:sldMasterMk cId="663178773" sldId="2147483660"/>
+            <pc:sldLayoutMk cId="2862828606" sldId="2147483662"/>
+          </pc:sldLayoutMkLst>
+        </pc:sldLayoutChg>
+        <pc:sldLayoutChg chg="add del mod replId">
+          <pc:chgData name="Tidjani Fousseni Salami Cisse" userId="S::tidjani.fousseni-salami-cisse@etu.unice.fr::4fdcd777-a691-40cc-81aa-da9c59cdf1f2" providerId="AD" clId="Web-{89198D6A-F2D8-4365-A83A-1D2868E7801E}" dt="2023-05-16T07:36:20.178" v="33"/>
+          <pc:sldLayoutMkLst>
+            <pc:docMk/>
+            <pc:sldMasterMk cId="663178773" sldId="2147483660"/>
+            <pc:sldLayoutMk cId="3028023724" sldId="2147483663"/>
+          </pc:sldLayoutMkLst>
+        </pc:sldLayoutChg>
+        <pc:sldLayoutChg chg="add del mod replId">
+          <pc:chgData name="Tidjani Fousseni Salami Cisse" userId="S::tidjani.fousseni-salami-cisse@etu.unice.fr::4fdcd777-a691-40cc-81aa-da9c59cdf1f2" providerId="AD" clId="Web-{89198D6A-F2D8-4365-A83A-1D2868E7801E}" dt="2023-05-16T07:36:20.178" v="33"/>
+          <pc:sldLayoutMkLst>
+            <pc:docMk/>
+            <pc:sldMasterMk cId="663178773" sldId="2147483660"/>
+            <pc:sldLayoutMk cId="3328960052" sldId="2147483664"/>
+          </pc:sldLayoutMkLst>
+        </pc:sldLayoutChg>
+        <pc:sldLayoutChg chg="add del mod replId">
+          <pc:chgData name="Tidjani Fousseni Salami Cisse" userId="S::tidjani.fousseni-salami-cisse@etu.unice.fr::4fdcd777-a691-40cc-81aa-da9c59cdf1f2" providerId="AD" clId="Web-{89198D6A-F2D8-4365-A83A-1D2868E7801E}" dt="2023-05-16T07:36:20.178" v="33"/>
+          <pc:sldLayoutMkLst>
+            <pc:docMk/>
+            <pc:sldMasterMk cId="663178773" sldId="2147483660"/>
+            <pc:sldLayoutMk cId="3081151775" sldId="2147483665"/>
+          </pc:sldLayoutMkLst>
+        </pc:sldLayoutChg>
+        <pc:sldLayoutChg chg="add del mod replId">
+          <pc:chgData name="Tidjani Fousseni Salami Cisse" userId="S::tidjani.fousseni-salami-cisse@etu.unice.fr::4fdcd777-a691-40cc-81aa-da9c59cdf1f2" providerId="AD" clId="Web-{89198D6A-F2D8-4365-A83A-1D2868E7801E}" dt="2023-05-16T07:36:20.178" v="33"/>
+          <pc:sldLayoutMkLst>
+            <pc:docMk/>
+            <pc:sldMasterMk cId="663178773" sldId="2147483660"/>
+            <pc:sldLayoutMk cId="882468820" sldId="2147483666"/>
+          </pc:sldLayoutMkLst>
+        </pc:sldLayoutChg>
+        <pc:sldLayoutChg chg="add del mod replId">
+          <pc:chgData name="Tidjani Fousseni Salami Cisse" userId="S::tidjani.fousseni-salami-cisse@etu.unice.fr::4fdcd777-a691-40cc-81aa-da9c59cdf1f2" providerId="AD" clId="Web-{89198D6A-F2D8-4365-A83A-1D2868E7801E}" dt="2023-05-16T07:36:20.178" v="33"/>
+          <pc:sldLayoutMkLst>
+            <pc:docMk/>
+            <pc:sldMasterMk cId="663178773" sldId="2147483660"/>
+            <pc:sldLayoutMk cId="3953917293" sldId="2147483667"/>
+          </pc:sldLayoutMkLst>
+        </pc:sldLayoutChg>
+        <pc:sldLayoutChg chg="add del mod replId">
+          <pc:chgData name="Tidjani Fousseni Salami Cisse" userId="S::tidjani.fousseni-salami-cisse@etu.unice.fr::4fdcd777-a691-40cc-81aa-da9c59cdf1f2" providerId="AD" clId="Web-{89198D6A-F2D8-4365-A83A-1D2868E7801E}" dt="2023-05-16T07:36:20.178" v="33"/>
+          <pc:sldLayoutMkLst>
+            <pc:docMk/>
+            <pc:sldMasterMk cId="663178773" sldId="2147483660"/>
+            <pc:sldLayoutMk cId="633926470" sldId="2147483668"/>
+          </pc:sldLayoutMkLst>
+        </pc:sldLayoutChg>
+        <pc:sldLayoutChg chg="add del mod replId">
+          <pc:chgData name="Tidjani Fousseni Salami Cisse" userId="S::tidjani.fousseni-salami-cisse@etu.unice.fr::4fdcd777-a691-40cc-81aa-da9c59cdf1f2" providerId="AD" clId="Web-{89198D6A-F2D8-4365-A83A-1D2868E7801E}" dt="2023-05-16T07:36:20.178" v="33"/>
+          <pc:sldLayoutMkLst>
+            <pc:docMk/>
+            <pc:sldMasterMk cId="663178773" sldId="2147483660"/>
+            <pc:sldLayoutMk cId="2965917092" sldId="2147483669"/>
+          </pc:sldLayoutMkLst>
+        </pc:sldLayoutChg>
+        <pc:sldLayoutChg chg="add del mod replId">
+          <pc:chgData name="Tidjani Fousseni Salami Cisse" userId="S::tidjani.fousseni-salami-cisse@etu.unice.fr::4fdcd777-a691-40cc-81aa-da9c59cdf1f2" providerId="AD" clId="Web-{89198D6A-F2D8-4365-A83A-1D2868E7801E}" dt="2023-05-16T07:36:20.178" v="33"/>
+          <pc:sldLayoutMkLst>
+            <pc:docMk/>
+            <pc:sldMasterMk cId="663178773" sldId="2147483660"/>
+            <pc:sldLayoutMk cId="2010706975" sldId="2147483670"/>
+          </pc:sldLayoutMkLst>
+        </pc:sldLayoutChg>
+        <pc:sldLayoutChg chg="add del mod replId">
+          <pc:chgData name="Tidjani Fousseni Salami Cisse" userId="S::tidjani.fousseni-salami-cisse@etu.unice.fr::4fdcd777-a691-40cc-81aa-da9c59cdf1f2" providerId="AD" clId="Web-{89198D6A-F2D8-4365-A83A-1D2868E7801E}" dt="2023-05-16T07:36:20.178" v="33"/>
+          <pc:sldLayoutMkLst>
+            <pc:docMk/>
+            <pc:sldMasterMk cId="663178773" sldId="2147483660"/>
+            <pc:sldLayoutMk cId="1131572001" sldId="2147483671"/>
+          </pc:sldLayoutMkLst>
+        </pc:sldLayoutChg>
+        <pc:sldLayoutChg chg="add del mod replId">
+          <pc:chgData name="Tidjani Fousseni Salami Cisse" userId="S::tidjani.fousseni-salami-cisse@etu.unice.fr::4fdcd777-a691-40cc-81aa-da9c59cdf1f2" providerId="AD" clId="Web-{89198D6A-F2D8-4365-A83A-1D2868E7801E}" dt="2023-05-16T07:36:20.178" v="33"/>
+          <pc:sldLayoutMkLst>
+            <pc:docMk/>
+            <pc:sldMasterMk cId="663178773" sldId="2147483660"/>
+            <pc:sldLayoutMk cId="1441824765" sldId="2147483672"/>
+          </pc:sldLayoutMkLst>
+        </pc:sldLayoutChg>
+        <pc:sldLayoutChg chg="add del mod replId">
+          <pc:chgData name="Tidjani Fousseni Salami Cisse" userId="S::tidjani.fousseni-salami-cisse@etu.unice.fr::4fdcd777-a691-40cc-81aa-da9c59cdf1f2" providerId="AD" clId="Web-{89198D6A-F2D8-4365-A83A-1D2868E7801E}" dt="2023-05-16T07:36:20.178" v="33"/>
+          <pc:sldLayoutMkLst>
+            <pc:docMk/>
+            <pc:sldMasterMk cId="663178773" sldId="2147483660"/>
+            <pc:sldLayoutMk cId="2156489914" sldId="2147483673"/>
+          </pc:sldLayoutMkLst>
+        </pc:sldLayoutChg>
+        <pc:sldLayoutChg chg="add del mod replId">
+          <pc:chgData name="Tidjani Fousseni Salami Cisse" userId="S::tidjani.fousseni-salami-cisse@etu.unice.fr::4fdcd777-a691-40cc-81aa-da9c59cdf1f2" providerId="AD" clId="Web-{89198D6A-F2D8-4365-A83A-1D2868E7801E}" dt="2023-05-16T07:36:20.178" v="33"/>
+          <pc:sldLayoutMkLst>
+            <pc:docMk/>
+            <pc:sldMasterMk cId="663178773" sldId="2147483660"/>
+            <pc:sldLayoutMk cId="1117022004" sldId="2147483674"/>
+          </pc:sldLayoutMkLst>
+        </pc:sldLayoutChg>
+        <pc:sldLayoutChg chg="add del mod replId">
+          <pc:chgData name="Tidjani Fousseni Salami Cisse" userId="S::tidjani.fousseni-salami-cisse@etu.unice.fr::4fdcd777-a691-40cc-81aa-da9c59cdf1f2" providerId="AD" clId="Web-{89198D6A-F2D8-4365-A83A-1D2868E7801E}" dt="2023-05-16T07:36:20.178" v="33"/>
+          <pc:sldLayoutMkLst>
+            <pc:docMk/>
+            <pc:sldMasterMk cId="663178773" sldId="2147483660"/>
+            <pc:sldLayoutMk cId="731977624" sldId="2147483675"/>
+          </pc:sldLayoutMkLst>
+        </pc:sldLayoutChg>
+        <pc:sldLayoutChg chg="add del mod replId">
+          <pc:chgData name="Tidjani Fousseni Salami Cisse" userId="S::tidjani.fousseni-salami-cisse@etu.unice.fr::4fdcd777-a691-40cc-81aa-da9c59cdf1f2" providerId="AD" clId="Web-{89198D6A-F2D8-4365-A83A-1D2868E7801E}" dt="2023-05-16T07:36:20.178" v="33"/>
+          <pc:sldLayoutMkLst>
+            <pc:docMk/>
+            <pc:sldMasterMk cId="663178773" sldId="2147483660"/>
+            <pc:sldLayoutMk cId="2794325174" sldId="2147483676"/>
+          </pc:sldLayoutMkLst>
+        </pc:sldLayoutChg>
+        <pc:sldLayoutChg chg="add del mod replId">
+          <pc:chgData name="Tidjani Fousseni Salami Cisse" userId="S::tidjani.fousseni-salami-cisse@etu.unice.fr::4fdcd777-a691-40cc-81aa-da9c59cdf1f2" providerId="AD" clId="Web-{89198D6A-F2D8-4365-A83A-1D2868E7801E}" dt="2023-05-16T07:36:20.178" v="33"/>
+          <pc:sldLayoutMkLst>
+            <pc:docMk/>
+            <pc:sldMasterMk cId="663178773" sldId="2147483660"/>
+            <pc:sldLayoutMk cId="3755412159" sldId="2147483677"/>
+          </pc:sldLayoutMkLst>
+        </pc:sldLayoutChg>
+      </pc:sldMasterChg>
+      <pc:sldMasterChg chg="add del addSldLayout delSldLayout modSldLayout">
+        <pc:chgData name="Tidjani Fousseni Salami Cisse" userId="S::tidjani.fousseni-salami-cisse@etu.unice.fr::4fdcd777-a691-40cc-81aa-da9c59cdf1f2" providerId="AD" clId="Web-{89198D6A-F2D8-4365-A83A-1D2868E7801E}" dt="2023-05-16T07:36:46.523" v="34"/>
+        <pc:sldMasterMkLst>
+          <pc:docMk/>
+          <pc:sldMasterMk cId="2881852511" sldId="2147483678"/>
+        </pc:sldMasterMkLst>
+        <pc:sldLayoutChg chg="add del mod replId">
+          <pc:chgData name="Tidjani Fousseni Salami Cisse" userId="S::tidjani.fousseni-salami-cisse@etu.unice.fr::4fdcd777-a691-40cc-81aa-da9c59cdf1f2" providerId="AD" clId="Web-{89198D6A-F2D8-4365-A83A-1D2868E7801E}" dt="2023-05-16T07:36:46.523" v="34"/>
+          <pc:sldLayoutMkLst>
+            <pc:docMk/>
+            <pc:sldMasterMk cId="2881852511" sldId="2147483678"/>
+            <pc:sldLayoutMk cId="4065563567" sldId="2147483679"/>
+          </pc:sldLayoutMkLst>
+        </pc:sldLayoutChg>
+        <pc:sldLayoutChg chg="add del mod replId">
+          <pc:chgData name="Tidjani Fousseni Salami Cisse" userId="S::tidjani.fousseni-salami-cisse@etu.unice.fr::4fdcd777-a691-40cc-81aa-da9c59cdf1f2" providerId="AD" clId="Web-{89198D6A-F2D8-4365-A83A-1D2868E7801E}" dt="2023-05-16T07:36:46.523" v="34"/>
+          <pc:sldLayoutMkLst>
+            <pc:docMk/>
+            <pc:sldMasterMk cId="2881852511" sldId="2147483678"/>
+            <pc:sldLayoutMk cId="1345276011" sldId="2147483680"/>
+          </pc:sldLayoutMkLst>
+        </pc:sldLayoutChg>
+        <pc:sldLayoutChg chg="add del mod replId">
+          <pc:chgData name="Tidjani Fousseni Salami Cisse" userId="S::tidjani.fousseni-salami-cisse@etu.unice.fr::4fdcd777-a691-40cc-81aa-da9c59cdf1f2" providerId="AD" clId="Web-{89198D6A-F2D8-4365-A83A-1D2868E7801E}" dt="2023-05-16T07:36:46.523" v="34"/>
+          <pc:sldLayoutMkLst>
+            <pc:docMk/>
+            <pc:sldMasterMk cId="2881852511" sldId="2147483678"/>
+            <pc:sldLayoutMk cId="1501188188" sldId="2147483681"/>
+          </pc:sldLayoutMkLst>
+        </pc:sldLayoutChg>
+        <pc:sldLayoutChg chg="add del mod replId">
+          <pc:chgData name="Tidjani Fousseni Salami Cisse" userId="S::tidjani.fousseni-salami-cisse@etu.unice.fr::4fdcd777-a691-40cc-81aa-da9c59cdf1f2" providerId="AD" clId="Web-{89198D6A-F2D8-4365-A83A-1D2868E7801E}" dt="2023-05-16T07:36:46.523" v="34"/>
+          <pc:sldLayoutMkLst>
+            <pc:docMk/>
+            <pc:sldMasterMk cId="2881852511" sldId="2147483678"/>
+            <pc:sldLayoutMk cId="2335544358" sldId="2147483682"/>
+          </pc:sldLayoutMkLst>
+        </pc:sldLayoutChg>
+        <pc:sldLayoutChg chg="add del mod replId">
+          <pc:chgData name="Tidjani Fousseni Salami Cisse" userId="S::tidjani.fousseni-salami-cisse@etu.unice.fr::4fdcd777-a691-40cc-81aa-da9c59cdf1f2" providerId="AD" clId="Web-{89198D6A-F2D8-4365-A83A-1D2868E7801E}" dt="2023-05-16T07:36:46.523" v="34"/>
+          <pc:sldLayoutMkLst>
+            <pc:docMk/>
+            <pc:sldMasterMk cId="2881852511" sldId="2147483678"/>
+            <pc:sldLayoutMk cId="3517470417" sldId="2147483683"/>
+          </pc:sldLayoutMkLst>
+        </pc:sldLayoutChg>
+        <pc:sldLayoutChg chg="add del mod replId">
+          <pc:chgData name="Tidjani Fousseni Salami Cisse" userId="S::tidjani.fousseni-salami-cisse@etu.unice.fr::4fdcd777-a691-40cc-81aa-da9c59cdf1f2" providerId="AD" clId="Web-{89198D6A-F2D8-4365-A83A-1D2868E7801E}" dt="2023-05-16T07:36:46.523" v="34"/>
+          <pc:sldLayoutMkLst>
+            <pc:docMk/>
+            <pc:sldMasterMk cId="2881852511" sldId="2147483678"/>
+            <pc:sldLayoutMk cId="3848521632" sldId="2147483684"/>
+          </pc:sldLayoutMkLst>
+        </pc:sldLayoutChg>
+        <pc:sldLayoutChg chg="add del mod replId">
+          <pc:chgData name="Tidjani Fousseni Salami Cisse" userId="S::tidjani.fousseni-salami-cisse@etu.unice.fr::4fdcd777-a691-40cc-81aa-da9c59cdf1f2" providerId="AD" clId="Web-{89198D6A-F2D8-4365-A83A-1D2868E7801E}" dt="2023-05-16T07:36:46.523" v="34"/>
+          <pc:sldLayoutMkLst>
+            <pc:docMk/>
+            <pc:sldMasterMk cId="2881852511" sldId="2147483678"/>
+            <pc:sldLayoutMk cId="2937946676" sldId="2147483685"/>
+          </pc:sldLayoutMkLst>
+        </pc:sldLayoutChg>
+        <pc:sldLayoutChg chg="add del mod replId">
+          <pc:chgData name="Tidjani Fousseni Salami Cisse" userId="S::tidjani.fousseni-salami-cisse@etu.unice.fr::4fdcd777-a691-40cc-81aa-da9c59cdf1f2" providerId="AD" clId="Web-{89198D6A-F2D8-4365-A83A-1D2868E7801E}" dt="2023-05-16T07:36:46.523" v="34"/>
+          <pc:sldLayoutMkLst>
+            <pc:docMk/>
+            <pc:sldMasterMk cId="2881852511" sldId="2147483678"/>
+            <pc:sldLayoutMk cId="3762129134" sldId="2147483686"/>
+          </pc:sldLayoutMkLst>
+        </pc:sldLayoutChg>
+        <pc:sldLayoutChg chg="add del mod replId">
+          <pc:chgData name="Tidjani Fousseni Salami Cisse" userId="S::tidjani.fousseni-salami-cisse@etu.unice.fr::4fdcd777-a691-40cc-81aa-da9c59cdf1f2" providerId="AD" clId="Web-{89198D6A-F2D8-4365-A83A-1D2868E7801E}" dt="2023-05-16T07:36:46.523" v="34"/>
+          <pc:sldLayoutMkLst>
+            <pc:docMk/>
+            <pc:sldMasterMk cId="2881852511" sldId="2147483678"/>
+            <pc:sldLayoutMk cId="2076618312" sldId="2147483687"/>
+          </pc:sldLayoutMkLst>
+        </pc:sldLayoutChg>
+        <pc:sldLayoutChg chg="add del mod replId">
+          <pc:chgData name="Tidjani Fousseni Salami Cisse" userId="S::tidjani.fousseni-salami-cisse@etu.unice.fr::4fdcd777-a691-40cc-81aa-da9c59cdf1f2" providerId="AD" clId="Web-{89198D6A-F2D8-4365-A83A-1D2868E7801E}" dt="2023-05-16T07:36:46.523" v="34"/>
+          <pc:sldLayoutMkLst>
+            <pc:docMk/>
+            <pc:sldMasterMk cId="2881852511" sldId="2147483678"/>
+            <pc:sldLayoutMk cId="4172278026" sldId="2147483688"/>
+          </pc:sldLayoutMkLst>
+        </pc:sldLayoutChg>
+        <pc:sldLayoutChg chg="add del mod replId">
+          <pc:chgData name="Tidjani Fousseni Salami Cisse" userId="S::tidjani.fousseni-salami-cisse@etu.unice.fr::4fdcd777-a691-40cc-81aa-da9c59cdf1f2" providerId="AD" clId="Web-{89198D6A-F2D8-4365-A83A-1D2868E7801E}" dt="2023-05-16T07:36:46.523" v="34"/>
+          <pc:sldLayoutMkLst>
+            <pc:docMk/>
+            <pc:sldMasterMk cId="2881852511" sldId="2147483678"/>
+            <pc:sldLayoutMk cId="1699936689" sldId="2147483689"/>
+          </pc:sldLayoutMkLst>
+        </pc:sldLayoutChg>
+        <pc:sldLayoutChg chg="add del mod replId">
+          <pc:chgData name="Tidjani Fousseni Salami Cisse" userId="S::tidjani.fousseni-salami-cisse@etu.unice.fr::4fdcd777-a691-40cc-81aa-da9c59cdf1f2" providerId="AD" clId="Web-{89198D6A-F2D8-4365-A83A-1D2868E7801E}" dt="2023-05-16T07:36:46.523" v="34"/>
+          <pc:sldLayoutMkLst>
+            <pc:docMk/>
+            <pc:sldMasterMk cId="2881852511" sldId="2147483678"/>
+            <pc:sldLayoutMk cId="1995148887" sldId="2147483690"/>
+          </pc:sldLayoutMkLst>
+        </pc:sldLayoutChg>
+        <pc:sldLayoutChg chg="add del mod replId">
+          <pc:chgData name="Tidjani Fousseni Salami Cisse" userId="S::tidjani.fousseni-salami-cisse@etu.unice.fr::4fdcd777-a691-40cc-81aa-da9c59cdf1f2" providerId="AD" clId="Web-{89198D6A-F2D8-4365-A83A-1D2868E7801E}" dt="2023-05-16T07:36:46.523" v="34"/>
+          <pc:sldLayoutMkLst>
+            <pc:docMk/>
+            <pc:sldMasterMk cId="2881852511" sldId="2147483678"/>
+            <pc:sldLayoutMk cId="366197872" sldId="2147483691"/>
+          </pc:sldLayoutMkLst>
+        </pc:sldLayoutChg>
+        <pc:sldLayoutChg chg="add del mod replId">
+          <pc:chgData name="Tidjani Fousseni Salami Cisse" userId="S::tidjani.fousseni-salami-cisse@etu.unice.fr::4fdcd777-a691-40cc-81aa-da9c59cdf1f2" providerId="AD" clId="Web-{89198D6A-F2D8-4365-A83A-1D2868E7801E}" dt="2023-05-16T07:36:46.523" v="34"/>
+          <pc:sldLayoutMkLst>
+            <pc:docMk/>
+            <pc:sldMasterMk cId="2881852511" sldId="2147483678"/>
+            <pc:sldLayoutMk cId="1890672715" sldId="2147483692"/>
+          </pc:sldLayoutMkLst>
+        </pc:sldLayoutChg>
+        <pc:sldLayoutChg chg="add del mod replId">
+          <pc:chgData name="Tidjani Fousseni Salami Cisse" userId="S::tidjani.fousseni-salami-cisse@etu.unice.fr::4fdcd777-a691-40cc-81aa-da9c59cdf1f2" providerId="AD" clId="Web-{89198D6A-F2D8-4365-A83A-1D2868E7801E}" dt="2023-05-16T07:36:46.523" v="34"/>
+          <pc:sldLayoutMkLst>
+            <pc:docMk/>
+            <pc:sldMasterMk cId="2881852511" sldId="2147483678"/>
+            <pc:sldLayoutMk cId="2304856659" sldId="2147483693"/>
+          </pc:sldLayoutMkLst>
+        </pc:sldLayoutChg>
+        <pc:sldLayoutChg chg="add del mod replId">
+          <pc:chgData name="Tidjani Fousseni Salami Cisse" userId="S::tidjani.fousseni-salami-cisse@etu.unice.fr::4fdcd777-a691-40cc-81aa-da9c59cdf1f2" providerId="AD" clId="Web-{89198D6A-F2D8-4365-A83A-1D2868E7801E}" dt="2023-05-16T07:36:46.523" v="34"/>
+          <pc:sldLayoutMkLst>
+            <pc:docMk/>
+            <pc:sldMasterMk cId="2881852511" sldId="2147483678"/>
+            <pc:sldLayoutMk cId="126741615" sldId="2147483694"/>
+          </pc:sldLayoutMkLst>
+        </pc:sldLayoutChg>
+        <pc:sldLayoutChg chg="add del mod replId">
+          <pc:chgData name="Tidjani Fousseni Salami Cisse" userId="S::tidjani.fousseni-salami-cisse@etu.unice.fr::4fdcd777-a691-40cc-81aa-da9c59cdf1f2" providerId="AD" clId="Web-{89198D6A-F2D8-4365-A83A-1D2868E7801E}" dt="2023-05-16T07:36:46.523" v="34"/>
+          <pc:sldLayoutMkLst>
+            <pc:docMk/>
+            <pc:sldMasterMk cId="2881852511" sldId="2147483678"/>
+            <pc:sldLayoutMk cId="2701088600" sldId="2147483695"/>
+          </pc:sldLayoutMkLst>
+        </pc:sldLayoutChg>
+      </pc:sldMasterChg>
+      <pc:sldMasterChg chg="add addSldLayout modSldLayout">
+        <pc:chgData name="Tidjani Fousseni Salami Cisse" userId="S::tidjani.fousseni-salami-cisse@etu.unice.fr::4fdcd777-a691-40cc-81aa-da9c59cdf1f2" providerId="AD" clId="Web-{89198D6A-F2D8-4365-A83A-1D2868E7801E}" dt="2023-05-16T07:36:46.523" v="34"/>
+        <pc:sldMasterMkLst>
+          <pc:docMk/>
+          <pc:sldMasterMk cId="2237237994" sldId="2147483696"/>
+        </pc:sldMasterMkLst>
+        <pc:sldLayoutChg chg="add mod replId">
+          <pc:chgData name="Tidjani Fousseni Salami Cisse" userId="S::tidjani.fousseni-salami-cisse@etu.unice.fr::4fdcd777-a691-40cc-81aa-da9c59cdf1f2" providerId="AD" clId="Web-{89198D6A-F2D8-4365-A83A-1D2868E7801E}" dt="2023-05-16T07:36:46.523" v="34"/>
+          <pc:sldLayoutMkLst>
+            <pc:docMk/>
+            <pc:sldMasterMk cId="2237237994" sldId="2147483696"/>
+            <pc:sldLayoutMk cId="1872587899" sldId="2147483697"/>
+          </pc:sldLayoutMkLst>
+        </pc:sldLayoutChg>
+        <pc:sldLayoutChg chg="add mod replId">
+          <pc:chgData name="Tidjani Fousseni Salami Cisse" userId="S::tidjani.fousseni-salami-cisse@etu.unice.fr::4fdcd777-a691-40cc-81aa-da9c59cdf1f2" providerId="AD" clId="Web-{89198D6A-F2D8-4365-A83A-1D2868E7801E}" dt="2023-05-16T07:36:46.523" v="34"/>
+          <pc:sldLayoutMkLst>
+            <pc:docMk/>
+            <pc:sldMasterMk cId="2237237994" sldId="2147483696"/>
+            <pc:sldLayoutMk cId="4084447022" sldId="2147483698"/>
+          </pc:sldLayoutMkLst>
+        </pc:sldLayoutChg>
+        <pc:sldLayoutChg chg="add mod replId">
+          <pc:chgData name="Tidjani Fousseni Salami Cisse" userId="S::tidjani.fousseni-salami-cisse@etu.unice.fr::4fdcd777-a691-40cc-81aa-da9c59cdf1f2" providerId="AD" clId="Web-{89198D6A-F2D8-4365-A83A-1D2868E7801E}" dt="2023-05-16T07:36:46.523" v="34"/>
+          <pc:sldLayoutMkLst>
+            <pc:docMk/>
+            <pc:sldMasterMk cId="2237237994" sldId="2147483696"/>
+            <pc:sldLayoutMk cId="1361508616" sldId="2147483699"/>
+          </pc:sldLayoutMkLst>
+        </pc:sldLayoutChg>
+        <pc:sldLayoutChg chg="add mod replId">
+          <pc:chgData name="Tidjani Fousseni Salami Cisse" userId="S::tidjani.fousseni-salami-cisse@etu.unice.fr::4fdcd777-a691-40cc-81aa-da9c59cdf1f2" providerId="AD" clId="Web-{89198D6A-F2D8-4365-A83A-1D2868E7801E}" dt="2023-05-16T07:36:46.523" v="34"/>
+          <pc:sldLayoutMkLst>
+            <pc:docMk/>
+            <pc:sldMasterMk cId="2237237994" sldId="2147483696"/>
+            <pc:sldLayoutMk cId="2641878124" sldId="2147483700"/>
+          </pc:sldLayoutMkLst>
+        </pc:sldLayoutChg>
+        <pc:sldLayoutChg chg="add mod replId">
+          <pc:chgData name="Tidjani Fousseni Salami Cisse" userId="S::tidjani.fousseni-salami-cisse@etu.unice.fr::4fdcd777-a691-40cc-81aa-da9c59cdf1f2" providerId="AD" clId="Web-{89198D6A-F2D8-4365-A83A-1D2868E7801E}" dt="2023-05-16T07:36:46.523" v="34"/>
+          <pc:sldLayoutMkLst>
+            <pc:docMk/>
+            <pc:sldMasterMk cId="2237237994" sldId="2147483696"/>
+            <pc:sldLayoutMk cId="941020206" sldId="2147483701"/>
+          </pc:sldLayoutMkLst>
+        </pc:sldLayoutChg>
+        <pc:sldLayoutChg chg="add mod replId">
+          <pc:chgData name="Tidjani Fousseni Salami Cisse" userId="S::tidjani.fousseni-salami-cisse@etu.unice.fr::4fdcd777-a691-40cc-81aa-da9c59cdf1f2" providerId="AD" clId="Web-{89198D6A-F2D8-4365-A83A-1D2868E7801E}" dt="2023-05-16T07:36:46.523" v="34"/>
+          <pc:sldLayoutMkLst>
+            <pc:docMk/>
+            <pc:sldMasterMk cId="2237237994" sldId="2147483696"/>
+            <pc:sldLayoutMk cId="640733755" sldId="2147483702"/>
+          </pc:sldLayoutMkLst>
+        </pc:sldLayoutChg>
+        <pc:sldLayoutChg chg="add mod replId">
+          <pc:chgData name="Tidjani Fousseni Salami Cisse" userId="S::tidjani.fousseni-salami-cisse@etu.unice.fr::4fdcd777-a691-40cc-81aa-da9c59cdf1f2" providerId="AD" clId="Web-{89198D6A-F2D8-4365-A83A-1D2868E7801E}" dt="2023-05-16T07:36:46.523" v="34"/>
+          <pc:sldLayoutMkLst>
+            <pc:docMk/>
+            <pc:sldMasterMk cId="2237237994" sldId="2147483696"/>
+            <pc:sldLayoutMk cId="2015094121" sldId="2147483703"/>
+          </pc:sldLayoutMkLst>
+        </pc:sldLayoutChg>
+        <pc:sldLayoutChg chg="add mod replId">
+          <pc:chgData name="Tidjani Fousseni Salami Cisse" userId="S::tidjani.fousseni-salami-cisse@etu.unice.fr::4fdcd777-a691-40cc-81aa-da9c59cdf1f2" providerId="AD" clId="Web-{89198D6A-F2D8-4365-A83A-1D2868E7801E}" dt="2023-05-16T07:36:46.523" v="34"/>
+          <pc:sldLayoutMkLst>
+            <pc:docMk/>
+            <pc:sldMasterMk cId="2237237994" sldId="2147483696"/>
+            <pc:sldLayoutMk cId="3952236134" sldId="2147483704"/>
+          </pc:sldLayoutMkLst>
+        </pc:sldLayoutChg>
+        <pc:sldLayoutChg chg="add mod replId">
+          <pc:chgData name="Tidjani Fousseni Salami Cisse" userId="S::tidjani.fousseni-salami-cisse@etu.unice.fr::4fdcd777-a691-40cc-81aa-da9c59cdf1f2" providerId="AD" clId="Web-{89198D6A-F2D8-4365-A83A-1D2868E7801E}" dt="2023-05-16T07:36:46.523" v="34"/>
+          <pc:sldLayoutMkLst>
+            <pc:docMk/>
+            <pc:sldMasterMk cId="2237237994" sldId="2147483696"/>
+            <pc:sldLayoutMk cId="4290828316" sldId="2147483705"/>
+          </pc:sldLayoutMkLst>
+        </pc:sldLayoutChg>
+        <pc:sldLayoutChg chg="add mod replId">
+          <pc:chgData name="Tidjani Fousseni Salami Cisse" userId="S::tidjani.fousseni-salami-cisse@etu.unice.fr::4fdcd777-a691-40cc-81aa-da9c59cdf1f2" providerId="AD" clId="Web-{89198D6A-F2D8-4365-A83A-1D2868E7801E}" dt="2023-05-16T07:36:46.523" v="34"/>
+          <pc:sldLayoutMkLst>
+            <pc:docMk/>
+            <pc:sldMasterMk cId="2237237994" sldId="2147483696"/>
+            <pc:sldLayoutMk cId="3618645705" sldId="2147483706"/>
+          </pc:sldLayoutMkLst>
+        </pc:sldLayoutChg>
+        <pc:sldLayoutChg chg="add mod replId">
+          <pc:chgData name="Tidjani Fousseni Salami Cisse" userId="S::tidjani.fousseni-salami-cisse@etu.unice.fr::4fdcd777-a691-40cc-81aa-da9c59cdf1f2" providerId="AD" clId="Web-{89198D6A-F2D8-4365-A83A-1D2868E7801E}" dt="2023-05-16T07:36:46.523" v="34"/>
+          <pc:sldLayoutMkLst>
+            <pc:docMk/>
+            <pc:sldMasterMk cId="2237237994" sldId="2147483696"/>
+            <pc:sldLayoutMk cId="1623943151" sldId="2147483707"/>
+          </pc:sldLayoutMkLst>
+        </pc:sldLayoutChg>
+      </pc:sldMasterChg>
     </pc:docChg>
   </pc:docChgLst>
   <pc:docChgLst>
@@ -797,6 +1538,262 @@
             <ac:spMk id="4" creationId="{33BD7AB9-585D-BAE3-C5BE-31E54B19BA9F}"/>
           </ac:spMkLst>
         </pc:spChg>
+      </pc:sldChg>
+    </pc:docChg>
+  </pc:docChgLst>
+  <pc:docChgLst>
+    <pc:chgData name="Anais Spire" userId="S::anais.spire@etu.unice.fr::c510c42a-ef8c-4312-9c40-97e00ecaefad" providerId="AD" clId="Web-{8E512138-7AE5-A894-3992-3B6C4D19A2B8}"/>
+    <pc:docChg chg="modSld">
+      <pc:chgData name="Anais Spire" userId="S::anais.spire@etu.unice.fr::c510c42a-ef8c-4312-9c40-97e00ecaefad" providerId="AD" clId="Web-{8E512138-7AE5-A894-3992-3B6C4D19A2B8}" dt="2023-05-15T14:08:53.989" v="5614"/>
+      <pc:docMkLst>
+        <pc:docMk/>
+      </pc:docMkLst>
+      <pc:sldChg chg="modNotes">
+        <pc:chgData name="Anais Spire" userId="S::anais.spire@etu.unice.fr::c510c42a-ef8c-4312-9c40-97e00ecaefad" providerId="AD" clId="Web-{8E512138-7AE5-A894-3992-3B6C4D19A2B8}" dt="2023-05-15T12:26:29.290" v="7"/>
+        <pc:sldMkLst>
+          <pc:docMk/>
+          <pc:sldMk cId="692251897" sldId="256"/>
+        </pc:sldMkLst>
+      </pc:sldChg>
+      <pc:sldChg chg="modNotes">
+        <pc:chgData name="Anais Spire" userId="S::anais.spire@etu.unice.fr::c510c42a-ef8c-4312-9c40-97e00ecaefad" providerId="AD" clId="Web-{8E512138-7AE5-A894-3992-3B6C4D19A2B8}" dt="2023-05-15T12:55:22.378" v="942"/>
+        <pc:sldMkLst>
+          <pc:docMk/>
+          <pc:sldMk cId="3234391164" sldId="257"/>
+        </pc:sldMkLst>
+      </pc:sldChg>
+      <pc:sldChg chg="modNotes">
+        <pc:chgData name="Anais Spire" userId="S::anais.spire@etu.unice.fr::c510c42a-ef8c-4312-9c40-97e00ecaefad" providerId="AD" clId="Web-{8E512138-7AE5-A894-3992-3B6C4D19A2B8}" dt="2023-05-15T13:05:16.511" v="1662"/>
+        <pc:sldMkLst>
+          <pc:docMk/>
+          <pc:sldMk cId="3184932847" sldId="258"/>
+        </pc:sldMkLst>
+      </pc:sldChg>
+      <pc:sldChg chg="modNotes">
+        <pc:chgData name="Anais Spire" userId="S::anais.spire@etu.unice.fr::c510c42a-ef8c-4312-9c40-97e00ecaefad" providerId="AD" clId="Web-{8E512138-7AE5-A894-3992-3B6C4D19A2B8}" dt="2023-05-15T12:57:28.176" v="1083"/>
+        <pc:sldMkLst>
+          <pc:docMk/>
+          <pc:sldMk cId="1214149083" sldId="259"/>
+        </pc:sldMkLst>
+      </pc:sldChg>
+      <pc:sldChg chg="modNotes">
+        <pc:chgData name="Anais Spire" userId="S::anais.spire@etu.unice.fr::c510c42a-ef8c-4312-9c40-97e00ecaefad" providerId="AD" clId="Web-{8E512138-7AE5-A894-3992-3B6C4D19A2B8}" dt="2023-05-15T13:10:53.844" v="1856"/>
+        <pc:sldMkLst>
+          <pc:docMk/>
+          <pc:sldMk cId="809971069" sldId="260"/>
+        </pc:sldMkLst>
+      </pc:sldChg>
+      <pc:sldChg chg="modNotes">
+        <pc:chgData name="Anais Spire" userId="S::anais.spire@etu.unice.fr::c510c42a-ef8c-4312-9c40-97e00ecaefad" providerId="AD" clId="Web-{8E512138-7AE5-A894-3992-3B6C4D19A2B8}" dt="2023-05-15T14:08:53.989" v="5614"/>
+        <pc:sldMkLst>
+          <pc:docMk/>
+          <pc:sldMk cId="1714109195" sldId="261"/>
+        </pc:sldMkLst>
+      </pc:sldChg>
+      <pc:sldChg chg="modNotes">
+        <pc:chgData name="Anais Spire" userId="S::anais.spire@etu.unice.fr::c510c42a-ef8c-4312-9c40-97e00ecaefad" providerId="AD" clId="Web-{8E512138-7AE5-A894-3992-3B6C4D19A2B8}" dt="2023-05-15T13:11:28.048" v="1901"/>
+        <pc:sldMkLst>
+          <pc:docMk/>
+          <pc:sldMk cId="1065793048" sldId="293"/>
+        </pc:sldMkLst>
+      </pc:sldChg>
+      <pc:sldChg chg="modNotes">
+        <pc:chgData name="Anais Spire" userId="S::anais.spire@etu.unice.fr::c510c42a-ef8c-4312-9c40-97e00ecaefad" providerId="AD" clId="Web-{8E512138-7AE5-A894-3992-3B6C4D19A2B8}" dt="2023-05-15T12:43:23.789" v="651"/>
+        <pc:sldMkLst>
+          <pc:docMk/>
+          <pc:sldMk cId="2998520866" sldId="294"/>
+        </pc:sldMkLst>
+      </pc:sldChg>
+      <pc:sldChg chg="addSp delSp modSp modNotes">
+        <pc:chgData name="Anais Spire" userId="S::anais.spire@etu.unice.fr::c510c42a-ef8c-4312-9c40-97e00ecaefad" providerId="AD" clId="Web-{8E512138-7AE5-A894-3992-3B6C4D19A2B8}" dt="2023-05-15T14:00:09.809" v="4807"/>
+        <pc:sldMkLst>
+          <pc:docMk/>
+          <pc:sldMk cId="2069209328" sldId="295"/>
+        </pc:sldMkLst>
+        <pc:spChg chg="add del mod">
+          <ac:chgData name="Anais Spire" userId="S::anais.spire@etu.unice.fr::c510c42a-ef8c-4312-9c40-97e00ecaefad" providerId="AD" clId="Web-{8E512138-7AE5-A894-3992-3B6C4D19A2B8}" dt="2023-05-15T13:55:29.321" v="4471"/>
+          <ac:spMkLst>
+            <pc:docMk/>
+            <pc:sldMk cId="2069209328" sldId="295"/>
+            <ac:spMk id="2" creationId="{A7C1F5C0-3B32-A2BE-9770-262C9F612630}"/>
+          </ac:spMkLst>
+        </pc:spChg>
+        <pc:spChg chg="add del mod">
+          <ac:chgData name="Anais Spire" userId="S::anais.spire@etu.unice.fr::c510c42a-ef8c-4312-9c40-97e00ecaefad" providerId="AD" clId="Web-{8E512138-7AE5-A894-3992-3B6C4D19A2B8}" dt="2023-05-15T13:55:39.180" v="4475"/>
+          <ac:spMkLst>
+            <pc:docMk/>
+            <pc:sldMk cId="2069209328" sldId="295"/>
+            <ac:spMk id="5" creationId="{71CC43DC-3EB4-2EAC-4654-38E5BCCD3C06}"/>
+          </ac:spMkLst>
+        </pc:spChg>
+      </pc:sldChg>
+      <pc:sldChg chg="modNotes">
+        <pc:chgData name="Anais Spire" userId="S::anais.spire@etu.unice.fr::c510c42a-ef8c-4312-9c40-97e00ecaefad" providerId="AD" clId="Web-{8E512138-7AE5-A894-3992-3B6C4D19A2B8}" dt="2023-05-15T13:20:24.290" v="2524"/>
+        <pc:sldMkLst>
+          <pc:docMk/>
+          <pc:sldMk cId="3683362649" sldId="296"/>
+        </pc:sldMkLst>
+      </pc:sldChg>
+      <pc:sldChg chg="modNotes">
+        <pc:chgData name="Anais Spire" userId="S::anais.spire@etu.unice.fr::c510c42a-ef8c-4312-9c40-97e00ecaefad" providerId="AD" clId="Web-{8E512138-7AE5-A894-3992-3B6C4D19A2B8}" dt="2023-05-15T13:00:39.867" v="1309"/>
+        <pc:sldMkLst>
+          <pc:docMk/>
+          <pc:sldMk cId="3537373870" sldId="298"/>
+        </pc:sldMkLst>
+      </pc:sldChg>
+      <pc:sldChg chg="modNotes">
+        <pc:chgData name="Anais Spire" userId="S::anais.spire@etu.unice.fr::c510c42a-ef8c-4312-9c40-97e00ecaefad" providerId="AD" clId="Web-{8E512138-7AE5-A894-3992-3B6C4D19A2B8}" dt="2023-05-15T13:31:58.941" v="3559"/>
+        <pc:sldMkLst>
+          <pc:docMk/>
+          <pc:sldMk cId="1712891875" sldId="299"/>
+        </pc:sldMkLst>
+      </pc:sldChg>
+      <pc:sldChg chg="modNotes">
+        <pc:chgData name="Anais Spire" userId="S::anais.spire@etu.unice.fr::c510c42a-ef8c-4312-9c40-97e00ecaefad" providerId="AD" clId="Web-{8E512138-7AE5-A894-3992-3B6C4D19A2B8}" dt="2023-05-15T13:53:27.132" v="4266"/>
+        <pc:sldMkLst>
+          <pc:docMk/>
+          <pc:sldMk cId="1741596295" sldId="300"/>
+        </pc:sldMkLst>
+      </pc:sldChg>
+      <pc:sldChg chg="modNotes">
+        <pc:chgData name="Anais Spire" userId="S::anais.spire@etu.unice.fr::c510c42a-ef8c-4312-9c40-97e00ecaefad" providerId="AD" clId="Web-{8E512138-7AE5-A894-3992-3B6C4D19A2B8}" dt="2023-05-15T13:22:16.620" v="2735"/>
+        <pc:sldMkLst>
+          <pc:docMk/>
+          <pc:sldMk cId="3235140375" sldId="301"/>
+        </pc:sldMkLst>
+      </pc:sldChg>
+      <pc:sldChg chg="modNotes">
+        <pc:chgData name="Anais Spire" userId="S::anais.spire@etu.unice.fr::c510c42a-ef8c-4312-9c40-97e00ecaefad" providerId="AD" clId="Web-{8E512138-7AE5-A894-3992-3B6C4D19A2B8}" dt="2023-05-15T13:23:37.777" v="2902"/>
+        <pc:sldMkLst>
+          <pc:docMk/>
+          <pc:sldMk cId="3016666120" sldId="303"/>
+        </pc:sldMkLst>
+      </pc:sldChg>
+    </pc:docChg>
+  </pc:docChgLst>
+  <pc:docChgLst>
+    <pc:chgData name="Tidjani Fousseni Salami Cisse" userId="S::tidjani.fousseni-salami-cisse@etu.unice.fr::4fdcd777-a691-40cc-81aa-da9c59cdf1f2" providerId="AD" clId="Web-{94FEB4CD-B9A5-7C7C-09D9-249F0AAACB03}"/>
+    <pc:docChg chg="modSld">
+      <pc:chgData name="Tidjani Fousseni Salami Cisse" userId="S::tidjani.fousseni-salami-cisse@etu.unice.fr::4fdcd777-a691-40cc-81aa-da9c59cdf1f2" providerId="AD" clId="Web-{94FEB4CD-B9A5-7C7C-09D9-249F0AAACB03}" dt="2023-05-14T18:21:22.904" v="83"/>
+      <pc:docMkLst>
+        <pc:docMk/>
+      </pc:docMkLst>
+      <pc:sldChg chg="modNotes">
+        <pc:chgData name="Tidjani Fousseni Salami Cisse" userId="S::tidjani.fousseni-salami-cisse@etu.unice.fr::4fdcd777-a691-40cc-81aa-da9c59cdf1f2" providerId="AD" clId="Web-{94FEB4CD-B9A5-7C7C-09D9-249F0AAACB03}" dt="2023-05-14T17:48:13.916" v="16"/>
+        <pc:sldMkLst>
+          <pc:docMk/>
+          <pc:sldMk cId="692251897" sldId="256"/>
+        </pc:sldMkLst>
+      </pc:sldChg>
+      <pc:sldChg chg="modNotes">
+        <pc:chgData name="Tidjani Fousseni Salami Cisse" userId="S::tidjani.fousseni-salami-cisse@etu.unice.fr::4fdcd777-a691-40cc-81aa-da9c59cdf1f2" providerId="AD" clId="Web-{94FEB4CD-B9A5-7C7C-09D9-249F0AAACB03}" dt="2023-05-14T17:56:18.494" v="18"/>
+        <pc:sldMkLst>
+          <pc:docMk/>
+          <pc:sldMk cId="3184932847" sldId="258"/>
+        </pc:sldMkLst>
+      </pc:sldChg>
+      <pc:sldChg chg="modNotes">
+        <pc:chgData name="Tidjani Fousseni Salami Cisse" userId="S::tidjani.fousseni-salami-cisse@etu.unice.fr::4fdcd777-a691-40cc-81aa-da9c59cdf1f2" providerId="AD" clId="Web-{94FEB4CD-B9A5-7C7C-09D9-249F0AAACB03}" dt="2023-05-14T18:18:31.305" v="59"/>
+        <pc:sldMkLst>
+          <pc:docMk/>
+          <pc:sldMk cId="2998520866" sldId="294"/>
+        </pc:sldMkLst>
+      </pc:sldChg>
+      <pc:sldChg chg="modNotes">
+        <pc:chgData name="Tidjani Fousseni Salami Cisse" userId="S::tidjani.fousseni-salami-cisse@etu.unice.fr::4fdcd777-a691-40cc-81aa-da9c59cdf1f2" providerId="AD" clId="Web-{94FEB4CD-B9A5-7C7C-09D9-249F0AAACB03}" dt="2023-05-14T18:21:22.904" v="83"/>
+        <pc:sldMkLst>
+          <pc:docMk/>
+          <pc:sldMk cId="2069209328" sldId="295"/>
+        </pc:sldMkLst>
+      </pc:sldChg>
+      <pc:sldChg chg="modSp">
+        <pc:chgData name="Tidjani Fousseni Salami Cisse" userId="S::tidjani.fousseni-salami-cisse@etu.unice.fr::4fdcd777-a691-40cc-81aa-da9c59cdf1f2" providerId="AD" clId="Web-{94FEB4CD-B9A5-7C7C-09D9-249F0AAACB03}" dt="2023-05-14T18:01:25.317" v="19" actId="1076"/>
+        <pc:sldMkLst>
+          <pc:docMk/>
+          <pc:sldMk cId="3683362649" sldId="296"/>
+        </pc:sldMkLst>
+        <pc:picChg chg="mod">
+          <ac:chgData name="Tidjani Fousseni Salami Cisse" userId="S::tidjani.fousseni-salami-cisse@etu.unice.fr::4fdcd777-a691-40cc-81aa-da9c59cdf1f2" providerId="AD" clId="Web-{94FEB4CD-B9A5-7C7C-09D9-249F0AAACB03}" dt="2023-05-14T18:01:25.317" v="19" actId="1076"/>
+          <ac:picMkLst>
+            <pc:docMk/>
+            <pc:sldMk cId="3683362649" sldId="296"/>
+            <ac:picMk id="10" creationId="{8ED9481D-CA2B-0038-9A42-DF7670C960B7}"/>
+          </ac:picMkLst>
+        </pc:picChg>
+      </pc:sldChg>
+    </pc:docChg>
+  </pc:docChgLst>
+  <pc:docChgLst>
+    <pc:chgData name="Tidjani Fousseni Salami Cisse" userId="S::tidjani.fousseni-salami-cisse@etu.unice.fr::4fdcd777-a691-40cc-81aa-da9c59cdf1f2" providerId="AD" clId="Web-{3E7335C5-1B79-E65B-2E7B-06D657022A2D}"/>
+    <pc:docChg chg="modSld">
+      <pc:chgData name="Tidjani Fousseni Salami Cisse" userId="S::tidjani.fousseni-salami-cisse@etu.unice.fr::4fdcd777-a691-40cc-81aa-da9c59cdf1f2" providerId="AD" clId="Web-{3E7335C5-1B79-E65B-2E7B-06D657022A2D}" dt="2023-05-16T06:08:58.383" v="73"/>
+      <pc:docMkLst>
+        <pc:docMk/>
+      </pc:docMkLst>
+      <pc:sldChg chg="modSp">
+        <pc:chgData name="Tidjani Fousseni Salami Cisse" userId="S::tidjani.fousseni-salami-cisse@etu.unice.fr::4fdcd777-a691-40cc-81aa-da9c59cdf1f2" providerId="AD" clId="Web-{3E7335C5-1B79-E65B-2E7B-06D657022A2D}" dt="2023-05-15T15:40:11.922" v="24" actId="14100"/>
+        <pc:sldMkLst>
+          <pc:docMk/>
+          <pc:sldMk cId="1214149083" sldId="259"/>
+        </pc:sldMkLst>
+        <pc:spChg chg="mod">
+          <ac:chgData name="Tidjani Fousseni Salami Cisse" userId="S::tidjani.fousseni-salami-cisse@etu.unice.fr::4fdcd777-a691-40cc-81aa-da9c59cdf1f2" providerId="AD" clId="Web-{3E7335C5-1B79-E65B-2E7B-06D657022A2D}" dt="2023-05-15T15:40:11.922" v="24" actId="14100"/>
+          <ac:spMkLst>
+            <pc:docMk/>
+            <pc:sldMk cId="1214149083" sldId="259"/>
+            <ac:spMk id="8" creationId="{6F8AD411-6138-21C5-BB11-0AA2D7CFCF0F}"/>
+          </ac:spMkLst>
+        </pc:spChg>
+      </pc:sldChg>
+      <pc:sldChg chg="modNotes">
+        <pc:chgData name="Tidjani Fousseni Salami Cisse" userId="S::tidjani.fousseni-salami-cisse@etu.unice.fr::4fdcd777-a691-40cc-81aa-da9c59cdf1f2" providerId="AD" clId="Web-{3E7335C5-1B79-E65B-2E7B-06D657022A2D}" dt="2023-05-15T15:39:21.905" v="4"/>
+        <pc:sldMkLst>
+          <pc:docMk/>
+          <pc:sldMk cId="1714109195" sldId="261"/>
+        </pc:sldMkLst>
+      </pc:sldChg>
+      <pc:sldChg chg="modNotes">
+        <pc:chgData name="Tidjani Fousseni Salami Cisse" userId="S::tidjani.fousseni-salami-cisse@etu.unice.fr::4fdcd777-a691-40cc-81aa-da9c59cdf1f2" providerId="AD" clId="Web-{3E7335C5-1B79-E65B-2E7B-06D657022A2D}" dt="2023-05-15T16:32:43.238" v="71"/>
+        <pc:sldMkLst>
+          <pc:docMk/>
+          <pc:sldMk cId="1065793048" sldId="293"/>
+        </pc:sldMkLst>
+      </pc:sldChg>
+      <pc:sldChg chg="modNotes">
+        <pc:chgData name="Tidjani Fousseni Salami Cisse" userId="S::tidjani.fousseni-salami-cisse@etu.unice.fr::4fdcd777-a691-40cc-81aa-da9c59cdf1f2" providerId="AD" clId="Web-{3E7335C5-1B79-E65B-2E7B-06D657022A2D}" dt="2023-05-16T06:08:58.383" v="73"/>
+        <pc:sldMkLst>
+          <pc:docMk/>
+          <pc:sldMk cId="2069209328" sldId="295"/>
+        </pc:sldMkLst>
+      </pc:sldChg>
+      <pc:sldChg chg="modNotes">
+        <pc:chgData name="Tidjani Fousseni Salami Cisse" userId="S::tidjani.fousseni-salami-cisse@etu.unice.fr::4fdcd777-a691-40cc-81aa-da9c59cdf1f2" providerId="AD" clId="Web-{3E7335C5-1B79-E65B-2E7B-06D657022A2D}" dt="2023-05-15T15:39:25.014" v="6"/>
+        <pc:sldMkLst>
+          <pc:docMk/>
+          <pc:sldMk cId="2202517599" sldId="297"/>
+        </pc:sldMkLst>
+      </pc:sldChg>
+      <pc:sldChg chg="modNotes">
+        <pc:chgData name="Tidjani Fousseni Salami Cisse" userId="S::tidjani.fousseni-salami-cisse@etu.unice.fr::4fdcd777-a691-40cc-81aa-da9c59cdf1f2" providerId="AD" clId="Web-{3E7335C5-1B79-E65B-2E7B-06D657022A2D}" dt="2023-05-15T15:39:55.859" v="20"/>
+        <pc:sldMkLst>
+          <pc:docMk/>
+          <pc:sldMk cId="1712891875" sldId="299"/>
+        </pc:sldMkLst>
+      </pc:sldChg>
+      <pc:sldChg chg="modSp">
+        <pc:chgData name="Tidjani Fousseni Salami Cisse" userId="S::tidjani.fousseni-salami-cisse@etu.unice.fr::4fdcd777-a691-40cc-81aa-da9c59cdf1f2" providerId="AD" clId="Web-{3E7335C5-1B79-E65B-2E7B-06D657022A2D}" dt="2023-05-15T15:27:27.181" v="1" actId="1076"/>
+        <pc:sldMkLst>
+          <pc:docMk/>
+          <pc:sldMk cId="3016666120" sldId="303"/>
+        </pc:sldMkLst>
+        <pc:picChg chg="mod">
+          <ac:chgData name="Tidjani Fousseni Salami Cisse" userId="S::tidjani.fousseni-salami-cisse@etu.unice.fr::4fdcd777-a691-40cc-81aa-da9c59cdf1f2" providerId="AD" clId="Web-{3E7335C5-1B79-E65B-2E7B-06D657022A2D}" dt="2023-05-15T15:27:27.181" v="1" actId="1076"/>
+          <ac:picMkLst>
+            <pc:docMk/>
+            <pc:sldMk cId="3016666120" sldId="303"/>
+            <ac:picMk id="5" creationId="{DA72AAE3-4146-86A0-D6FC-0355F06089DB}"/>
+          </ac:picMkLst>
+        </pc:picChg>
       </pc:sldChg>
     </pc:docChg>
   </pc:docChgLst>
@@ -885,7 +1882,7 @@
           <a:p>
             <a:fld id="{6499CFAB-55A0-43F3-A58A-F6D02BD00BB8}" type="datetimeFigureOut">
               <a:rPr lang="fr-FR" smtClean="0"/>
-              <a:t>13/05/2023</a:t>
+              <a:t>16/05/2023</a:t>
             </a:fld>
             <a:endParaRPr lang="fr-FR"/>
           </a:p>
@@ -1043,7 +2040,7 @@
           <a:p>
             <a:fld id="{5532CBC6-55DF-4983-A057-C0B743A35467}" type="slidenum">
               <a:rPr lang="fr-FR" smtClean="0"/>
-              <a:t>‹N°›</a:t>
+              <a:t>‹#›</a:t>
             </a:fld>
             <a:endParaRPr lang="fr-FR"/>
           </a:p>
@@ -1204,8 +2201,11 @@
           <a:p>
             <a:r>
               <a:rPr lang="fr-FR" dirty="0"/>
-              <a:t>SDM = modélisation de la distribution spatiale d’une espèce. En termes biologique plus précis, modélisation de la niche écologique</a:t>
-            </a:r>
+              <a:t>Spatial Distribution Modeling = SDM = modélisation de la distribution spatiale d’une espèce. + précisément en biologie, modélisation de la niche écologique</a:t>
+            </a:r>
+            <a:endParaRPr lang="fr-FR">
+              <a:cs typeface="Calibri"/>
+            </a:endParaRPr>
           </a:p>
           <a:p>
             <a:r>
@@ -1216,8 +2216,11 @@
           <a:p>
             <a:r>
               <a:rPr lang="fr-FR" dirty="0"/>
-              <a:t>But de la SDM est de modéliser où se réparti l’espèce actuellement et où elle se répartira probablement dans le futur afin d’établir une politique de conservation de l’espèce cohérente.</a:t>
-            </a:r>
+              <a:t>But de la SDM est de modéliser où se réparti l’espèce actuellement et où elle se répartira probablement dans le futur afin d’établir une politique cohérente de conservation de l’espèce.</a:t>
+            </a:r>
+            <a:endParaRPr lang="fr-FR">
+              <a:cs typeface="Calibri"/>
+            </a:endParaRPr>
           </a:p>
           <a:p>
             <a:r>
@@ -1315,52 +2318,47 @@
           <a:p>
             <a:r>
               <a:rPr lang="fr-FR" dirty="0"/>
-              <a:t>Tableau contenant les données présentées précédemment jointes. Permet de faire le passage de carte à modèle, c’est l’étape qui nous a fait perdre bcp de temps. On a réussi à mettre uniquement les données de </a:t>
-            </a:r>
-            <a:r>
-              <a:rPr lang="fr-FR" dirty="0" err="1"/>
-              <a:t>WorldClim</a:t>
-            </a:r>
+              <a:t>Ici nous retrouvons les 3 types de données présentées précédemment jointes dans un seul tableau. </a:t>
+            </a:r>
+          </a:p>
+          <a:p>
+            <a:r>
+              <a:rPr lang="fr-FR" dirty="0">
+                <a:cs typeface="Calibri"/>
+              </a:rPr>
+              <a:t>Ce tableau contient 165 lignes, càd 1 ligne par point de présence ou absence de l'espèce.</a:t>
+            </a:r>
+            <a:endParaRPr lang="fr-FR" dirty="0"/>
+          </a:p>
+          <a:p>
             <a:r>
               <a:rPr lang="fr-FR" dirty="0"/>
-              <a:t> dedans, pas celles de l’ESA</a:t>
-            </a:r>
+              <a:t>En colonne, on retrouve, dans l'ordre, la latitude, la longitude, l'information de s'il s'agit d'un point de présence ou absence (1 pour présence, 0 pour absence) puis les variables environnementales associées au point de coordonnées de cette ligne-là.</a:t>
+            </a:r>
+            <a:endParaRPr lang="en-US" dirty="0"/>
           </a:p>
           <a:p>
             <a:r>
               <a:rPr lang="fr-FR" dirty="0"/>
-              <a:t>1</a:t>
-            </a:r>
-            <a:r>
-              <a:rPr lang="fr-FR" baseline="30000" dirty="0"/>
-              <a:t>ère</a:t>
-            </a:r>
+              <a:t>A noter qu'ici le tableau est tronqué jusqu'à bio4 mais il continue en réalité jusqu'à bio19.</a:t>
+            </a:r>
+            <a:endParaRPr lang="fr-FR" dirty="0">
+              <a:cs typeface="Calibri"/>
+            </a:endParaRPr>
+          </a:p>
+          <a:p>
             <a:r>
               <a:rPr lang="fr-FR" dirty="0"/>
-              <a:t> colonne : latitude, 2</a:t>
-            </a:r>
-            <a:r>
-              <a:rPr lang="fr-FR" baseline="30000" dirty="0"/>
-              <a:t>ème</a:t>
-            </a:r>
-            <a:r>
-              <a:rPr lang="fr-FR" dirty="0"/>
-              <a:t> colonne : longitude, 3</a:t>
-            </a:r>
-            <a:r>
-              <a:rPr lang="fr-FR" baseline="30000" dirty="0"/>
-              <a:t>ème</a:t>
-            </a:r>
-            <a:r>
-              <a:rPr lang="fr-FR" dirty="0"/>
-              <a:t> colonne : présence/absence (1 pour présence, 0 pour absence)</a:t>
-            </a:r>
-          </a:p>
-          <a:p>
-            <a:r>
-              <a:rPr lang="fr-FR" dirty="0"/>
-              <a:t>Colonnes restantes : valeur prises par chaque variable environnementale à ces coordonnées-là</a:t>
-            </a:r>
+              <a:t>Ce tableau permet de faire le passage de carte à modèle. Il est crucial pour la SDM et il nous a fait perdre bcp de temps car nous n'arrivions pas à extraire les coordonnées longitude/latitude des cartes au début.</a:t>
+            </a:r>
+            <a:endParaRPr lang="fr-FR" dirty="0">
+              <a:cs typeface="Calibri"/>
+            </a:endParaRPr>
+          </a:p>
+          <a:p>
+            <a:endParaRPr lang="fr-FR" dirty="0">
+              <a:cs typeface="Calibri"/>
+            </a:endParaRPr>
           </a:p>
         </p:txBody>
       </p:sp>
@@ -1452,20 +2450,20 @@
           <a:p>
             <a:r>
               <a:rPr lang="fr-FR" dirty="0"/>
-              <a:t>Pareil mais pour le futur. </a:t>
-            </a:r>
-          </a:p>
-          <a:p>
-            <a:r>
-              <a:rPr lang="fr-FR" dirty="0"/>
-              <a:t>On voit bien que les cordonnées géographiques sont les mêmes mais les variables environnementales ont été actualisées.</a:t>
-            </a:r>
-          </a:p>
-          <a:p>
-            <a:r>
-              <a:rPr lang="fr-FR" dirty="0"/>
-              <a:t>Les températures de la colonne bio01 notamment ont été augmentées</a:t>
-            </a:r>
+              <a:t>Même tableau mais pour le futur. </a:t>
+            </a:r>
+            <a:endParaRPr lang="fr-FR" dirty="0">
+              <a:cs typeface="Calibri"/>
+            </a:endParaRPr>
+          </a:p>
+          <a:p>
+            <a:r>
+              <a:rPr lang="fr-FR" dirty="0">
+                <a:cs typeface="Calibri"/>
+              </a:rPr>
+              <a:t>On remarquera notamment que la variable bio1 qui correspond à la température moyenne annuelle a augmenté au niveau de tous les points géographiques ici, dû au réchauffement climatique prévu.</a:t>
+            </a:r>
+            <a:endParaRPr lang="fr-FR" dirty="0"/>
           </a:p>
         </p:txBody>
       </p:sp>
@@ -1557,25 +2555,88 @@
           <a:p>
             <a:r>
               <a:rPr lang="fr-FR" dirty="0"/>
-              <a:t>Matrice de corrélation des 19 variables environnementales provenant de </a:t>
+              <a:t>Matrice de corrélation pair à pair des 19 variables environnementales provenant de </a:t>
             </a:r>
             <a:r>
               <a:rPr lang="fr-FR" dirty="0" err="1"/>
               <a:t>WorldClim</a:t>
             </a:r>
+            <a:r>
+              <a:rPr lang="fr-FR" dirty="0"/>
+              <a:t> (ne prend pas en compte les données de présence ou absence de l'espèce).</a:t>
+            </a:r>
+            <a:endParaRPr lang="fr-FR" dirty="0">
+              <a:cs typeface="Calibri"/>
+            </a:endParaRPr>
+          </a:p>
+          <a:p>
+            <a:r>
+              <a:rPr lang="fr-FR" dirty="0">
+                <a:cs typeface="Calibri"/>
+              </a:rPr>
+              <a:t>Elle a été réalisé grâce au coefficient</a:t>
+            </a:r>
+            <a:r>
+              <a:rPr lang="fr-FR">
+                <a:cs typeface="Calibri" panose="020F0502020204030204"/>
+              </a:rPr>
+              <a:t> de corrélation de Spearman qui permet de détecter des corrélations monotones.</a:t>
+            </a:r>
+          </a:p>
+          <a:p>
+            <a:r>
+              <a:rPr lang="fr-FR" dirty="0"/>
+              <a:t>But : si 2 variables sont trop corrélées/dépendantes l’une de l’autre, on en retient qu’une sur les 2 afin de simplifier et améliorer les modèles.</a:t>
+            </a:r>
+            <a:endParaRPr lang="fr-FR" dirty="0">
+              <a:cs typeface="Calibri"/>
+            </a:endParaRPr>
+          </a:p>
+          <a:p>
+            <a:r>
+              <a:rPr lang="fr-FR" dirty="0">
+                <a:cs typeface="Calibri"/>
+              </a:rPr>
+              <a:t>Décrivons la matrice. En haut à droite, nous avons des cercles. + un cercle est grand, + la corrélation entre les 2 variables est grande. Le bleu indique une corrélation positive (+1) tandis que le rouge indique une corrélation négative. En bas à gauche, nous avons les valeurs précises correspondantes en pourcentage.</a:t>
+            </a:r>
             <a:endParaRPr lang="fr-FR" dirty="0"/>
           </a:p>
           <a:p>
             <a:r>
+              <a:rPr lang="fr-FR" dirty="0">
+                <a:cs typeface="Calibri"/>
+              </a:rPr>
+              <a:t>Prenons un exemple. Pour bio1 et bio2, le cercle est petit et bleu indiquant une faible corrélation positive. Cette corrélation est de 30%.</a:t>
+            </a:r>
+          </a:p>
+          <a:p>
+            <a:r>
+              <a:rPr lang="fr-FR" dirty="0">
+                <a:cs typeface="Calibri"/>
+              </a:rPr>
+              <a:t>Un autre exemple, pour bio2 et bio3, le cercle est grand est rouge indiquant une forte corrélation négative. Cette corrélation est de –86%.</a:t>
+            </a:r>
+          </a:p>
+          <a:p>
+            <a:endParaRPr lang="fr-FR" dirty="0"/>
+          </a:p>
+          <a:p>
+            <a:r>
               <a:rPr lang="fr-FR" dirty="0"/>
-              <a:t>But : si 2 variables sont trop corrélées, dépendantes l’un de l’autre, on en retient qu’une sur les 2 afin de simplifier/améliorer les modèles</a:t>
-            </a:r>
+              <a:t>En utilisant une autre fonction sur cette matrice de corrélation, on peut obtenir les variables les moins corrélées de notre étude. Ce sont elles que l'on va retenir pour nos modèles.</a:t>
+            </a:r>
+            <a:endParaRPr lang="fr-FR" dirty="0">
+              <a:cs typeface="Calibri"/>
+            </a:endParaRPr>
           </a:p>
           <a:p>
             <a:r>
               <a:rPr lang="fr-FR" dirty="0"/>
-              <a:t>Résultat : les variables les moins corrélées et que l’on retient donc sont : bio 5, 8, 12, 16, 17, 18, 19</a:t>
-            </a:r>
+              <a:t>Ce sont les variables bio 8, 11, 15, 19.</a:t>
+            </a:r>
+            <a:endParaRPr lang="fr-FR" dirty="0">
+              <a:cs typeface="Calibri"/>
+            </a:endParaRPr>
           </a:p>
           <a:p>
             <a:r>
@@ -1703,19 +2764,73 @@
             </a:r>
           </a:p>
           <a:p>
+            <a:r>
+              <a:rPr lang="fr-FR" dirty="0">
+                <a:cs typeface="Calibri"/>
+              </a:rPr>
+              <a:t>Voici donc maintenant le premier modèle que nous avons utilisé.</a:t>
+            </a:r>
+          </a:p>
+          <a:p>
+            <a:r>
+              <a:rPr lang="fr-FR" dirty="0">
+                <a:cs typeface="Calibri"/>
+              </a:rPr>
+              <a:t>Le modèle linéaire généralisé est une généralisation de la régression linéaire.</a:t>
+            </a:r>
             <a:endParaRPr lang="fr-FR" dirty="0"/>
           </a:p>
           <a:p>
             <a:r>
-              <a:rPr lang="fr-FR" dirty="0"/>
-              <a:t>Y = réponse = variable à expliquer : événement binaire car 1 pour présence, 0 pour absence</a:t>
-            </a:r>
-          </a:p>
-          <a:p>
-            <a:r>
-              <a:rPr lang="fr-FR" dirty="0"/>
-              <a:t>X = variable explicative</a:t>
-            </a:r>
+              <a:rPr lang="fr-FR" dirty="0">
+                <a:cs typeface="Calibri"/>
+              </a:rPr>
+              <a:t>Notations : Y = variable réponse, à expliquer. Ici ce sont nos présence et absence</a:t>
+            </a:r>
+          </a:p>
+          <a:p>
+            <a:r>
+              <a:rPr lang="fr-FR" dirty="0">
+                <a:cs typeface="Calibri"/>
+              </a:rPr>
+              <a:t>                    X = variable explicative ou prédictive. Ici, nos données environnementales</a:t>
+            </a:r>
+          </a:p>
+          <a:p>
+            <a:r>
+              <a:rPr lang="fr-FR" dirty="0">
+                <a:cs typeface="Calibri"/>
+              </a:rPr>
+              <a:t>Nous avons ici 3 types de GLM : la 1ère est la régression linéaire avec une relation affine entre X et Y et une distribution de l'erreur gaussienne. La 2ème est la régression logistique avec une relation en sigmoïde entre X et Y et une distribution de l'erreur binomiale. C'est celle qui nous intéresse ici puisque Y est une variable binaire, présence/absence borné entre 0 et 1. La fonction lien nous permettant de linéariser ce type de réponse est la fonction "</a:t>
+            </a:r>
+            <a:r>
+              <a:rPr lang="fr-FR" dirty="0" err="1">
+                <a:cs typeface="Calibri"/>
+              </a:rPr>
+              <a:t>logit</a:t>
+            </a:r>
+            <a:r>
+              <a:rPr lang="fr-FR" dirty="0">
+                <a:cs typeface="Calibri"/>
+              </a:rPr>
+              <a:t>" (loi logistique = sa fonction de répartition est une fonction logistique : f(t) = K/(1+ae^(-</a:t>
+            </a:r>
+            <a:r>
+              <a:rPr lang="fr-FR" dirty="0" err="1">
+                <a:cs typeface="Calibri"/>
+              </a:rPr>
+              <a:t>rt</a:t>
+            </a:r>
+            <a:r>
+              <a:rPr lang="fr-FR" dirty="0">
+                <a:cs typeface="Calibri"/>
+              </a:rPr>
+              <a:t>)) avec pour cas particulier la sigmoïde).</a:t>
+            </a:r>
+            <a:endParaRPr lang="fr-FR" dirty="0"/>
+          </a:p>
+          <a:p>
+            <a:endParaRPr lang="fr-FR" dirty="0"/>
           </a:p>
           <a:p>
             <a:r>
@@ -1809,7 +2924,119 @@
           <a:bodyPr/>
           <a:lstStyle/>
           <a:p>
+            <a:r>
+              <a:rPr lang="fr-FR" dirty="0" err="1">
+                <a:cs typeface="Calibri"/>
+              </a:rPr>
+              <a:t>Tidjani</a:t>
+            </a:r>
+            <a:endParaRPr lang="fr-FR" dirty="0">
+              <a:cs typeface="Calibri"/>
+            </a:endParaRPr>
+          </a:p>
+          <a:p>
+            <a:r>
+              <a:rPr lang="fr-FR" dirty="0">
+                <a:cs typeface="Calibri"/>
+              </a:rPr>
+              <a:t>Ici, nous avons donc réalisé le GLM avec une régression logistique (</a:t>
+            </a:r>
+            <a:r>
+              <a:rPr lang="fr-FR" dirty="0" err="1">
+                <a:cs typeface="Calibri"/>
+              </a:rPr>
+              <a:t>family</a:t>
+            </a:r>
+            <a:r>
+              <a:rPr lang="fr-FR" dirty="0">
+                <a:cs typeface="Calibri"/>
+              </a:rPr>
+              <a:t> = "</a:t>
+            </a:r>
+            <a:r>
+              <a:rPr lang="fr-FR" dirty="0" err="1">
+                <a:cs typeface="Calibri"/>
+              </a:rPr>
+              <a:t>bionomial</a:t>
+            </a:r>
+            <a:r>
+              <a:rPr lang="fr-FR" dirty="0">
+                <a:cs typeface="Calibri"/>
+              </a:rPr>
+              <a:t>") et nos variables environnementales les moins corrélées. Nous avons décidés de mettre chacune des variables avec son terme quadratique.</a:t>
+            </a:r>
+            <a:endParaRPr lang="fr-FR"/>
+          </a:p>
+          <a:p>
+            <a:r>
+              <a:rPr lang="fr-FR" dirty="0">
+                <a:cs typeface="Calibri"/>
+              </a:rPr>
+              <a:t>L'hypothèse nulle en </a:t>
+            </a:r>
+            <a:r>
+              <a:rPr lang="fr-FR" dirty="0" err="1">
+                <a:cs typeface="Calibri"/>
+              </a:rPr>
+              <a:t>glm</a:t>
+            </a:r>
+            <a:r>
+              <a:rPr lang="fr-FR" dirty="0">
+                <a:cs typeface="Calibri"/>
+              </a:rPr>
+              <a:t> est que le modèle de GLM avec les variables explicatives n' explique pas mieux  la présence ou absence du cercopithèque que </a:t>
+            </a:r>
+            <a:r>
+              <a:rPr lang="fr-FR">
+                <a:cs typeface="Calibri"/>
+              </a:rPr>
+              <a:t>le</a:t>
+            </a:r>
+            <a:r>
+              <a:rPr lang="fr-FR" dirty="0">
+                <a:cs typeface="Calibri"/>
+              </a:rPr>
+              <a:t> modèle GLM  sans .</a:t>
+            </a:r>
             <a:endParaRPr lang="fr-FR" dirty="0"/>
+          </a:p>
+          <a:p>
+            <a:r>
+              <a:rPr lang="fr-FR" dirty="0">
+                <a:cs typeface="Calibri"/>
+              </a:rPr>
+              <a:t>Les p-values sont significativement petites et montrent que l’on peut rejeter l’hypothèse nulle avec un seuil de 5%.</a:t>
+            </a:r>
+          </a:p>
+          <a:p>
+            <a:r>
+              <a:rPr lang="fr-FR" dirty="0">
+                <a:cs typeface="Calibri"/>
+              </a:rPr>
+              <a:t>On a donc bien une relation logistique entre la présence du singe et ces variables environnementales.</a:t>
+            </a:r>
+            <a:endParaRPr lang="fr-FR" dirty="0"/>
+          </a:p>
+          <a:p>
+            <a:r>
+              <a:rPr lang="fr-FR" dirty="0">
+                <a:cs typeface="Calibri"/>
+              </a:rPr>
+              <a:t>De plus, le coefficient AIC est relativement petit, c'est le plus petit de tous les modèles que nous avons testé, ce qui est bien.</a:t>
+            </a:r>
+          </a:p>
+          <a:p>
+            <a:r>
+              <a:rPr lang="fr-FR" dirty="0">
+                <a:cs typeface="Calibri"/>
+              </a:rPr>
+              <a:t>Enfin, la déviance expliquée est de 88.6% ce qui signifie que 88.6% de nos valeurs sont expliquées par ce modèle.</a:t>
+            </a:r>
+          </a:p>
+          <a:p>
+            <a:endParaRPr lang="fr-FR" dirty="0">
+              <a:cs typeface="Calibri"/>
+            </a:endParaRPr>
           </a:p>
         </p:txBody>
       </p:sp>
@@ -1840,6 +3067,1772 @@
     <p:extLst>
       <p:ext uri="{BB962C8B-B14F-4D97-AF65-F5344CB8AC3E}">
         <p14:creationId xmlns:p14="http://schemas.microsoft.com/office/powerpoint/2010/main" val="1796034275"/>
+      </p:ext>
+    </p:extLst>
+  </p:cSld>
+  <p:clrMapOvr>
+    <a:masterClrMapping/>
+  </p:clrMapOvr>
+</p:notes>
+</file>
+
+<file path=ppt/notesSlides/notesSlide15.xml><?xml version="1.0" encoding="utf-8"?>
+<p:notes xmlns:a="http://schemas.openxmlformats.org/drawingml/2006/main" xmlns:r="http://schemas.openxmlformats.org/officeDocument/2006/relationships" xmlns:p="http://schemas.openxmlformats.org/presentationml/2006/main">
+  <p:cSld>
+    <p:spTree>
+      <p:nvGrpSpPr>
+        <p:cNvPr id="1" name=""/>
+        <p:cNvGrpSpPr/>
+        <p:nvPr/>
+      </p:nvGrpSpPr>
+      <p:grpSpPr>
+        <a:xfrm>
+          <a:off x="0" y="0"/>
+          <a:ext cx="0" cy="0"/>
+          <a:chOff x="0" y="0"/>
+          <a:chExt cx="0" cy="0"/>
+        </a:xfrm>
+      </p:grpSpPr>
+      <p:sp>
+        <p:nvSpPr>
+          <p:cNvPr id="2" name="Slide Image Placeholder 1"/>
+          <p:cNvSpPr>
+            <a:spLocks noGrp="1" noRot="1" noChangeAspect="1"/>
+          </p:cNvSpPr>
+          <p:nvPr>
+            <p:ph type="sldImg"/>
+          </p:nvPr>
+        </p:nvSpPr>
+        <p:spPr/>
+      </p:sp>
+      <p:sp>
+        <p:nvSpPr>
+          <p:cNvPr id="3" name="Notes Placeholder 2"/>
+          <p:cNvSpPr>
+            <a:spLocks noGrp="1"/>
+          </p:cNvSpPr>
+          <p:nvPr>
+            <p:ph type="body" idx="1"/>
+          </p:nvPr>
+        </p:nvSpPr>
+        <p:spPr/>
+        <p:txBody>
+          <a:bodyPr/>
+          <a:lstStyle/>
+          <a:p>
+            <a:r>
+              <a:rPr lang="en-US" dirty="0">
+                <a:cs typeface="Calibri"/>
+              </a:rPr>
+              <a:t>Anaïs</a:t>
+            </a:r>
+          </a:p>
+        </p:txBody>
+      </p:sp>
+      <p:sp>
+        <p:nvSpPr>
+          <p:cNvPr id="4" name="Slide Number Placeholder 3"/>
+          <p:cNvSpPr>
+            <a:spLocks noGrp="1"/>
+          </p:cNvSpPr>
+          <p:nvPr>
+            <p:ph type="sldNum" sz="quarter" idx="5"/>
+          </p:nvPr>
+        </p:nvSpPr>
+        <p:spPr/>
+        <p:txBody>
+          <a:bodyPr/>
+          <a:lstStyle/>
+          <a:p>
+            <a:fld id="{5532CBC6-55DF-4983-A057-C0B743A35467}" type="slidenum">
+              <a:rPr lang="fr-FR" smtClean="0"/>
+              <a:t>15</a:t>
+            </a:fld>
+            <a:endParaRPr lang="fr-FR"/>
+          </a:p>
+        </p:txBody>
+      </p:sp>
+    </p:spTree>
+    <p:extLst>
+      <p:ext uri="{BB962C8B-B14F-4D97-AF65-F5344CB8AC3E}">
+        <p14:creationId xmlns:p14="http://schemas.microsoft.com/office/powerpoint/2010/main" val="131019801"/>
+      </p:ext>
+    </p:extLst>
+  </p:cSld>
+  <p:clrMapOvr>
+    <a:masterClrMapping/>
+  </p:clrMapOvr>
+</p:notes>
+</file>
+
+<file path=ppt/notesSlides/notesSlide16.xml><?xml version="1.0" encoding="utf-8"?>
+<p:notes xmlns:a="http://schemas.openxmlformats.org/drawingml/2006/main" xmlns:r="http://schemas.openxmlformats.org/officeDocument/2006/relationships" xmlns:p="http://schemas.openxmlformats.org/presentationml/2006/main">
+  <p:cSld>
+    <p:spTree>
+      <p:nvGrpSpPr>
+        <p:cNvPr id="1" name=""/>
+        <p:cNvGrpSpPr/>
+        <p:nvPr/>
+      </p:nvGrpSpPr>
+      <p:grpSpPr>
+        <a:xfrm>
+          <a:off x="0" y="0"/>
+          <a:ext cx="0" cy="0"/>
+          <a:chOff x="0" y="0"/>
+          <a:chExt cx="0" cy="0"/>
+        </a:xfrm>
+      </p:grpSpPr>
+      <p:sp>
+        <p:nvSpPr>
+          <p:cNvPr id="2" name="Slide Image Placeholder 1"/>
+          <p:cNvSpPr>
+            <a:spLocks noGrp="1" noRot="1" noChangeAspect="1"/>
+          </p:cNvSpPr>
+          <p:nvPr>
+            <p:ph type="sldImg"/>
+          </p:nvPr>
+        </p:nvSpPr>
+        <p:spPr/>
+      </p:sp>
+      <p:sp>
+        <p:nvSpPr>
+          <p:cNvPr id="3" name="Notes Placeholder 2"/>
+          <p:cNvSpPr>
+            <a:spLocks noGrp="1"/>
+          </p:cNvSpPr>
+          <p:nvPr>
+            <p:ph type="body" idx="1"/>
+          </p:nvPr>
+        </p:nvSpPr>
+        <p:spPr/>
+        <p:txBody>
+          <a:bodyPr/>
+          <a:lstStyle/>
+          <a:p>
+            <a:r>
+              <a:rPr lang="en-US" dirty="0">
+                <a:cs typeface="Calibri"/>
+              </a:rPr>
+              <a:t>Anaïs</a:t>
+            </a:r>
+          </a:p>
+          <a:p>
+            <a:r>
+              <a:rPr lang="en-US" dirty="0" err="1">
+                <a:cs typeface="Calibri"/>
+              </a:rPr>
+              <a:t>Voici</a:t>
+            </a:r>
+            <a:r>
+              <a:rPr lang="en-US" dirty="0">
+                <a:cs typeface="Calibri"/>
+              </a:rPr>
+              <a:t> le </a:t>
+            </a:r>
+            <a:r>
+              <a:rPr lang="en-US" dirty="0" err="1">
+                <a:cs typeface="Calibri"/>
+              </a:rPr>
+              <a:t>deuxième</a:t>
+            </a:r>
+            <a:r>
+              <a:rPr lang="en-US" dirty="0">
+                <a:cs typeface="Calibri"/>
+              </a:rPr>
+              <a:t> </a:t>
+            </a:r>
+            <a:r>
+              <a:rPr lang="en-US" dirty="0" err="1">
+                <a:cs typeface="Calibri"/>
+              </a:rPr>
+              <a:t>modèle</a:t>
+            </a:r>
+            <a:r>
+              <a:rPr lang="en-US" dirty="0">
+                <a:cs typeface="Calibri"/>
+              </a:rPr>
+              <a:t> que nous </a:t>
+            </a:r>
+            <a:r>
+              <a:rPr lang="en-US" dirty="0" err="1">
+                <a:cs typeface="Calibri"/>
+              </a:rPr>
+              <a:t>voulions</a:t>
+            </a:r>
+            <a:r>
+              <a:rPr lang="en-US" dirty="0">
+                <a:cs typeface="Calibri"/>
+              </a:rPr>
+              <a:t> </a:t>
+            </a:r>
+            <a:r>
+              <a:rPr lang="en-US" dirty="0" err="1">
+                <a:cs typeface="Calibri"/>
+              </a:rPr>
+              <a:t>utiliser</a:t>
+            </a:r>
+            <a:r>
+              <a:rPr lang="en-US" dirty="0">
+                <a:cs typeface="Calibri"/>
+              </a:rPr>
+              <a:t> à la base et qui </a:t>
+            </a:r>
+            <a:r>
+              <a:rPr lang="en-US" dirty="0" err="1">
+                <a:cs typeface="Calibri"/>
+              </a:rPr>
+              <a:t>était</a:t>
+            </a:r>
+            <a:r>
+              <a:rPr lang="en-US" dirty="0">
+                <a:cs typeface="Calibri"/>
+              </a:rPr>
+              <a:t> plus </a:t>
+            </a:r>
+            <a:r>
+              <a:rPr lang="en-US" dirty="0" err="1">
+                <a:cs typeface="Calibri"/>
+              </a:rPr>
+              <a:t>cohérent</a:t>
+            </a:r>
+            <a:r>
+              <a:rPr lang="en-US" dirty="0">
+                <a:cs typeface="Calibri"/>
+              </a:rPr>
+              <a:t> avec </a:t>
+            </a:r>
+            <a:r>
+              <a:rPr lang="en-US" dirty="0" err="1">
+                <a:cs typeface="Calibri"/>
+              </a:rPr>
+              <a:t>nos</a:t>
+            </a:r>
+            <a:r>
+              <a:rPr lang="en-US" dirty="0">
+                <a:cs typeface="Calibri"/>
+              </a:rPr>
+              <a:t> </a:t>
+            </a:r>
+            <a:r>
+              <a:rPr lang="en-US" dirty="0" err="1">
+                <a:cs typeface="Calibri"/>
+              </a:rPr>
+              <a:t>données</a:t>
+            </a:r>
+            <a:r>
+              <a:rPr lang="en-US" dirty="0">
+                <a:cs typeface="Calibri"/>
+              </a:rPr>
+              <a:t> que le GLM. </a:t>
+            </a:r>
+            <a:r>
+              <a:rPr lang="en-US" dirty="0" err="1">
+                <a:cs typeface="Calibri"/>
+              </a:rPr>
+              <a:t>Malheureusement</a:t>
+            </a:r>
+            <a:r>
+              <a:rPr lang="en-US" dirty="0">
+                <a:cs typeface="Calibri"/>
+              </a:rPr>
+              <a:t>, nous </a:t>
+            </a:r>
+            <a:r>
+              <a:rPr lang="en-US" dirty="0" err="1">
+                <a:cs typeface="Calibri"/>
+              </a:rPr>
+              <a:t>n'avons</a:t>
+            </a:r>
+            <a:r>
+              <a:rPr lang="en-US" dirty="0">
+                <a:cs typeface="Calibri"/>
+              </a:rPr>
+              <a:t> pas </a:t>
+            </a:r>
+            <a:r>
+              <a:rPr lang="en-US" dirty="0" err="1">
+                <a:cs typeface="Calibri"/>
+              </a:rPr>
+              <a:t>eu</a:t>
+            </a:r>
+            <a:r>
+              <a:rPr lang="en-US" dirty="0">
+                <a:cs typeface="Calibri"/>
+              </a:rPr>
+              <a:t> le temps de le faire </a:t>
+            </a:r>
+            <a:r>
+              <a:rPr lang="en-US" dirty="0" err="1">
+                <a:cs typeface="Calibri"/>
+              </a:rPr>
+              <a:t>fonctionner</a:t>
+            </a:r>
+            <a:r>
+              <a:rPr lang="en-US" dirty="0">
+                <a:cs typeface="Calibri"/>
+              </a:rPr>
+              <a:t>, nous </a:t>
+            </a:r>
+            <a:r>
+              <a:rPr lang="en-US" dirty="0" err="1">
+                <a:cs typeface="Calibri"/>
+              </a:rPr>
+              <a:t>allons</a:t>
+            </a:r>
+            <a:r>
+              <a:rPr lang="en-US" dirty="0">
+                <a:cs typeface="Calibri"/>
+              </a:rPr>
+              <a:t> </a:t>
+            </a:r>
+            <a:r>
+              <a:rPr lang="en-US" dirty="0" err="1">
+                <a:cs typeface="Calibri"/>
+              </a:rPr>
+              <a:t>juste</a:t>
+            </a:r>
+            <a:r>
+              <a:rPr lang="en-US" dirty="0">
+                <a:cs typeface="Calibri"/>
+              </a:rPr>
+              <a:t> </a:t>
+            </a:r>
+            <a:r>
+              <a:rPr lang="en-US" dirty="0" err="1">
+                <a:cs typeface="Calibri"/>
+              </a:rPr>
+              <a:t>parler</a:t>
+            </a:r>
+            <a:r>
+              <a:rPr lang="en-US" dirty="0">
+                <a:cs typeface="Calibri"/>
+              </a:rPr>
+              <a:t> de son </a:t>
+            </a:r>
+            <a:r>
+              <a:rPr lang="en-US" dirty="0" err="1">
+                <a:cs typeface="Calibri"/>
+              </a:rPr>
+              <a:t>principe</a:t>
+            </a:r>
+            <a:r>
+              <a:rPr lang="en-US" dirty="0">
+                <a:cs typeface="Calibri"/>
+              </a:rPr>
+              <a:t>.</a:t>
+            </a:r>
+            <a:endParaRPr lang="en-US"/>
+          </a:p>
+          <a:p>
+            <a:r>
+              <a:rPr lang="en-US" dirty="0">
+                <a:cs typeface="Calibri"/>
+              </a:rPr>
+              <a:t>Tout come le GLM, il </a:t>
+            </a:r>
+            <a:r>
+              <a:rPr lang="en-US" dirty="0" err="1">
+                <a:cs typeface="Calibri"/>
+              </a:rPr>
+              <a:t>prend</a:t>
+            </a:r>
+            <a:r>
+              <a:rPr lang="en-US" dirty="0">
+                <a:cs typeface="Calibri"/>
+              </a:rPr>
+              <a:t> </a:t>
+            </a:r>
+            <a:r>
+              <a:rPr lang="en-US" dirty="0" err="1">
+                <a:cs typeface="Calibri"/>
+              </a:rPr>
+              <a:t>en</a:t>
+            </a:r>
+            <a:r>
+              <a:rPr lang="en-US" dirty="0">
+                <a:cs typeface="Calibri"/>
+              </a:rPr>
+              <a:t> entrée le tableau des </a:t>
+            </a:r>
+            <a:r>
+              <a:rPr lang="en-US" dirty="0" err="1">
+                <a:cs typeface="Calibri"/>
+              </a:rPr>
+              <a:t>données</a:t>
+            </a:r>
+            <a:r>
+              <a:rPr lang="en-US" dirty="0">
+                <a:cs typeface="Calibri"/>
+              </a:rPr>
+              <a:t> </a:t>
+            </a:r>
+            <a:r>
+              <a:rPr lang="en-US" dirty="0" err="1">
+                <a:cs typeface="Calibri"/>
+              </a:rPr>
+              <a:t>jointes</a:t>
+            </a:r>
+            <a:r>
+              <a:rPr lang="en-US" dirty="0">
+                <a:cs typeface="Calibri"/>
+              </a:rPr>
+              <a:t>. Il </a:t>
+            </a:r>
+            <a:r>
+              <a:rPr lang="en-US" dirty="0" err="1">
+                <a:cs typeface="Calibri"/>
+              </a:rPr>
+              <a:t>cherche</a:t>
+            </a:r>
+            <a:r>
+              <a:rPr lang="en-US" dirty="0">
+                <a:cs typeface="Calibri"/>
+              </a:rPr>
+              <a:t> ensuite à classifier les variables </a:t>
+            </a:r>
+            <a:r>
+              <a:rPr lang="en-US" dirty="0" err="1">
+                <a:cs typeface="Calibri"/>
+              </a:rPr>
+              <a:t>environnementales</a:t>
+            </a:r>
+            <a:r>
+              <a:rPr lang="en-US" dirty="0">
+                <a:cs typeface="Calibri"/>
+              </a:rPr>
+              <a:t> à </a:t>
+            </a:r>
+            <a:r>
+              <a:rPr lang="en-US" dirty="0" err="1">
+                <a:cs typeface="Calibri"/>
+              </a:rPr>
+              <a:t>l'aide</a:t>
+            </a:r>
+            <a:r>
+              <a:rPr lang="en-US" dirty="0">
+                <a:cs typeface="Calibri"/>
+              </a:rPr>
+              <a:t> </a:t>
+            </a:r>
+            <a:r>
+              <a:rPr lang="en-US" dirty="0" err="1">
+                <a:cs typeface="Calibri"/>
+              </a:rPr>
+              <a:t>d'arbres</a:t>
+            </a:r>
+            <a:r>
+              <a:rPr lang="en-US" dirty="0">
+                <a:cs typeface="Calibri"/>
+              </a:rPr>
+              <a:t>. </a:t>
+            </a:r>
+            <a:r>
+              <a:rPr lang="en-US" dirty="0" err="1">
+                <a:cs typeface="Calibri"/>
+              </a:rPr>
+              <a:t>Prenons</a:t>
+            </a:r>
+            <a:r>
+              <a:rPr lang="en-US" dirty="0">
+                <a:cs typeface="Calibri"/>
+              </a:rPr>
+              <a:t> un </a:t>
+            </a:r>
+            <a:r>
+              <a:rPr lang="en-US" dirty="0" err="1">
+                <a:cs typeface="Calibri"/>
+              </a:rPr>
+              <a:t>seul</a:t>
+            </a:r>
+            <a:r>
+              <a:rPr lang="en-US" dirty="0">
+                <a:cs typeface="Calibri"/>
+              </a:rPr>
+              <a:t> </a:t>
+            </a:r>
+            <a:r>
+              <a:rPr lang="en-US" dirty="0" err="1">
+                <a:cs typeface="Calibri"/>
+              </a:rPr>
+              <a:t>arbre</a:t>
+            </a:r>
+            <a:r>
+              <a:rPr lang="en-US" dirty="0">
+                <a:cs typeface="Calibri"/>
+              </a:rPr>
+              <a:t> pour </a:t>
+            </a:r>
+            <a:r>
+              <a:rPr lang="en-US" dirty="0" err="1">
+                <a:cs typeface="Calibri"/>
+              </a:rPr>
+              <a:t>exemple</a:t>
+            </a:r>
+            <a:r>
+              <a:rPr lang="en-US" dirty="0">
+                <a:cs typeface="Calibri"/>
+              </a:rPr>
+              <a:t>, il </a:t>
+            </a:r>
+            <a:r>
+              <a:rPr lang="en-US" dirty="0" err="1">
+                <a:cs typeface="Calibri"/>
+              </a:rPr>
+              <a:t>classe</a:t>
+            </a:r>
+            <a:r>
+              <a:rPr lang="en-US" dirty="0">
+                <a:cs typeface="Calibri"/>
+              </a:rPr>
+              <a:t> les variables </a:t>
+            </a:r>
+            <a:r>
+              <a:rPr lang="en-US" dirty="0" err="1">
+                <a:cs typeface="Calibri"/>
+              </a:rPr>
+              <a:t>environnementales</a:t>
+            </a:r>
+            <a:r>
+              <a:rPr lang="en-US" dirty="0">
+                <a:cs typeface="Calibri"/>
+              </a:rPr>
+              <a:t> au </a:t>
+            </a:r>
+            <a:r>
+              <a:rPr lang="en-US" dirty="0" err="1">
+                <a:cs typeface="Calibri"/>
+              </a:rPr>
+              <a:t>niveau</a:t>
+            </a:r>
+            <a:r>
+              <a:rPr lang="en-US" dirty="0">
+                <a:cs typeface="Calibri"/>
+              </a:rPr>
+              <a:t> des </a:t>
+            </a:r>
+            <a:r>
+              <a:rPr lang="en-US" dirty="0" err="1">
+                <a:cs typeface="Calibri"/>
+              </a:rPr>
+              <a:t>noeuds</a:t>
+            </a:r>
+            <a:r>
+              <a:rPr lang="en-US" dirty="0">
+                <a:cs typeface="Calibri"/>
+              </a:rPr>
+              <a:t> de </a:t>
+            </a:r>
+            <a:r>
+              <a:rPr lang="en-US" dirty="0" err="1">
+                <a:cs typeface="Calibri"/>
+              </a:rPr>
+              <a:t>l'arbre</a:t>
+            </a:r>
+            <a:r>
+              <a:rPr lang="en-US" dirty="0">
+                <a:cs typeface="Calibri"/>
+              </a:rPr>
+              <a:t>. Au dessus du </a:t>
+            </a:r>
+            <a:r>
+              <a:rPr lang="en-US" dirty="0" err="1">
+                <a:cs typeface="Calibri"/>
+              </a:rPr>
+              <a:t>certaine</a:t>
+            </a:r>
+            <a:r>
+              <a:rPr lang="en-US" dirty="0">
+                <a:cs typeface="Calibri"/>
+              </a:rPr>
+              <a:t> </a:t>
+            </a:r>
+            <a:r>
+              <a:rPr lang="en-US" dirty="0" err="1">
+                <a:cs typeface="Calibri"/>
+              </a:rPr>
+              <a:t>valeur</a:t>
+            </a:r>
+            <a:r>
+              <a:rPr lang="en-US" dirty="0">
+                <a:cs typeface="Calibri"/>
+              </a:rPr>
+              <a:t> </a:t>
+            </a:r>
+            <a:r>
+              <a:rPr lang="en-US" dirty="0" err="1">
+                <a:cs typeface="Calibri"/>
+              </a:rPr>
+              <a:t>seuil</a:t>
+            </a:r>
+            <a:r>
+              <a:rPr lang="en-US" dirty="0">
+                <a:cs typeface="Calibri"/>
+              </a:rPr>
+              <a:t> pour </a:t>
+            </a:r>
+            <a:r>
+              <a:rPr lang="en-US" dirty="0" err="1">
+                <a:cs typeface="Calibri"/>
+              </a:rPr>
+              <a:t>cette</a:t>
+            </a:r>
+            <a:r>
+              <a:rPr lang="en-US" dirty="0">
+                <a:cs typeface="Calibri"/>
+              </a:rPr>
+              <a:t> variable </a:t>
+            </a:r>
+            <a:r>
+              <a:rPr lang="en-US" dirty="0" err="1">
+                <a:cs typeface="Calibri"/>
+              </a:rPr>
+              <a:t>environnementales</a:t>
+            </a:r>
+            <a:r>
+              <a:rPr lang="en-US" dirty="0">
+                <a:cs typeface="Calibri"/>
+              </a:rPr>
+              <a:t> (</a:t>
+            </a:r>
+            <a:r>
+              <a:rPr lang="en-US" dirty="0" err="1">
+                <a:cs typeface="Calibri"/>
+              </a:rPr>
+              <a:t>exemple</a:t>
+            </a:r>
+            <a:r>
+              <a:rPr lang="en-US" dirty="0">
+                <a:cs typeface="Calibri"/>
+              </a:rPr>
+              <a:t> : </a:t>
+            </a:r>
+            <a:r>
+              <a:rPr lang="en-US" dirty="0" err="1">
+                <a:cs typeface="Calibri"/>
+              </a:rPr>
+              <a:t>température</a:t>
+            </a:r>
+            <a:r>
+              <a:rPr lang="en-US" dirty="0">
+                <a:cs typeface="Calibri"/>
+              </a:rPr>
+              <a:t> &gt; 20°C </a:t>
+            </a:r>
+            <a:r>
+              <a:rPr lang="en-US" dirty="0" err="1">
+                <a:cs typeface="Calibri"/>
+              </a:rPr>
+              <a:t>ou</a:t>
+            </a:r>
+            <a:r>
+              <a:rPr lang="en-US" dirty="0">
+                <a:cs typeface="Calibri"/>
+              </a:rPr>
+              <a:t> altitude &lt; 1000m), </a:t>
+            </a:r>
+            <a:r>
+              <a:rPr lang="en-US" dirty="0" err="1">
+                <a:cs typeface="Calibri"/>
+              </a:rPr>
+              <a:t>l'espèce</a:t>
+            </a:r>
+            <a:r>
+              <a:rPr lang="en-US" dirty="0">
+                <a:cs typeface="Calibri"/>
+              </a:rPr>
+              <a:t> </a:t>
+            </a:r>
+            <a:r>
+              <a:rPr lang="en-US" dirty="0" err="1">
+                <a:cs typeface="Calibri"/>
+              </a:rPr>
+              <a:t>pourra</a:t>
+            </a:r>
+            <a:r>
+              <a:rPr lang="en-US" dirty="0">
+                <a:cs typeface="Calibri"/>
+              </a:rPr>
+              <a:t> </a:t>
+            </a:r>
+            <a:r>
+              <a:rPr lang="en-US" dirty="0" err="1">
+                <a:cs typeface="Calibri"/>
+              </a:rPr>
+              <a:t>être</a:t>
+            </a:r>
+            <a:r>
+              <a:rPr lang="en-US" dirty="0">
+                <a:cs typeface="Calibri"/>
+              </a:rPr>
+              <a:t> </a:t>
+            </a:r>
+            <a:r>
+              <a:rPr lang="en-US" dirty="0" err="1">
+                <a:cs typeface="Calibri"/>
+              </a:rPr>
+              <a:t>considérée</a:t>
+            </a:r>
+            <a:r>
+              <a:rPr lang="en-US" dirty="0">
+                <a:cs typeface="Calibri"/>
+              </a:rPr>
+              <a:t> </a:t>
+            </a:r>
+            <a:r>
+              <a:rPr lang="en-US" dirty="0" err="1">
+                <a:cs typeface="Calibri"/>
+              </a:rPr>
+              <a:t>présente</a:t>
+            </a:r>
+            <a:r>
+              <a:rPr lang="en-US" dirty="0">
+                <a:cs typeface="Calibri"/>
+              </a:rPr>
+              <a:t>, </a:t>
+            </a:r>
+            <a:r>
+              <a:rPr lang="en-US" dirty="0" err="1">
+                <a:cs typeface="Calibri"/>
+              </a:rPr>
+              <a:t>alors</a:t>
+            </a:r>
+            <a:r>
+              <a:rPr lang="en-US" dirty="0">
+                <a:cs typeface="Calibri"/>
+              </a:rPr>
+              <a:t> </a:t>
+            </a:r>
+            <a:r>
+              <a:rPr lang="en-US" dirty="0" err="1">
+                <a:cs typeface="Calibri"/>
+              </a:rPr>
+              <a:t>qu'en</a:t>
+            </a:r>
+            <a:r>
+              <a:rPr lang="en-US" dirty="0">
+                <a:cs typeface="Calibri"/>
+              </a:rPr>
+              <a:t> dessous de </a:t>
+            </a:r>
+            <a:r>
+              <a:rPr lang="en-US" dirty="0" err="1">
+                <a:cs typeface="Calibri"/>
+              </a:rPr>
+              <a:t>cette</a:t>
+            </a:r>
+            <a:r>
+              <a:rPr lang="en-US" dirty="0">
+                <a:cs typeface="Calibri"/>
+              </a:rPr>
+              <a:t> </a:t>
+            </a:r>
+            <a:r>
+              <a:rPr lang="en-US" dirty="0" err="1">
+                <a:cs typeface="Calibri"/>
+              </a:rPr>
+              <a:t>valeur</a:t>
+            </a:r>
+            <a:r>
+              <a:rPr lang="en-US" dirty="0">
+                <a:cs typeface="Calibri"/>
+              </a:rPr>
+              <a:t> </a:t>
+            </a:r>
+            <a:r>
+              <a:rPr lang="en-US" dirty="0" err="1">
+                <a:cs typeface="Calibri"/>
+              </a:rPr>
+              <a:t>seuil</a:t>
+            </a:r>
+            <a:r>
+              <a:rPr lang="en-US" dirty="0">
+                <a:cs typeface="Calibri"/>
+              </a:rPr>
+              <a:t>, </a:t>
+            </a:r>
+            <a:r>
+              <a:rPr lang="en-US" dirty="0" err="1">
+                <a:cs typeface="Calibri"/>
+              </a:rPr>
+              <a:t>elle</a:t>
+            </a:r>
+            <a:r>
+              <a:rPr lang="en-US" dirty="0">
+                <a:cs typeface="Calibri"/>
+              </a:rPr>
+              <a:t> </a:t>
+            </a:r>
+            <a:r>
+              <a:rPr lang="en-US" dirty="0" err="1">
+                <a:cs typeface="Calibri"/>
+              </a:rPr>
+              <a:t>est</a:t>
+            </a:r>
+            <a:r>
+              <a:rPr lang="en-US" dirty="0">
+                <a:cs typeface="Calibri"/>
+              </a:rPr>
+              <a:t> </a:t>
+            </a:r>
+            <a:r>
+              <a:rPr lang="en-US" dirty="0" err="1">
+                <a:cs typeface="Calibri"/>
+              </a:rPr>
+              <a:t>absente</a:t>
+            </a:r>
+            <a:r>
+              <a:rPr lang="en-US" dirty="0">
+                <a:cs typeface="Calibri"/>
+              </a:rPr>
+              <a:t>. En sortie, nous </a:t>
+            </a:r>
+            <a:r>
+              <a:rPr lang="en-US" dirty="0" err="1">
+                <a:cs typeface="Calibri"/>
+              </a:rPr>
+              <a:t>obtenons</a:t>
+            </a:r>
+            <a:r>
+              <a:rPr lang="en-US" dirty="0">
+                <a:cs typeface="Calibri"/>
+              </a:rPr>
+              <a:t> </a:t>
+            </a:r>
+            <a:r>
+              <a:rPr lang="en-US" dirty="0" err="1">
+                <a:cs typeface="Calibri"/>
+              </a:rPr>
+              <a:t>une</a:t>
+            </a:r>
+            <a:r>
+              <a:rPr lang="en-US" dirty="0">
+                <a:cs typeface="Calibri"/>
+              </a:rPr>
+              <a:t> </a:t>
+            </a:r>
+            <a:r>
+              <a:rPr lang="en-US" dirty="0" err="1">
+                <a:cs typeface="Calibri"/>
+              </a:rPr>
+              <a:t>réponse</a:t>
+            </a:r>
+            <a:r>
+              <a:rPr lang="en-US" dirty="0">
+                <a:cs typeface="Calibri"/>
+              </a:rPr>
+              <a:t> </a:t>
+            </a:r>
+            <a:r>
+              <a:rPr lang="en-US" dirty="0" err="1">
+                <a:cs typeface="Calibri"/>
+              </a:rPr>
+              <a:t>binaire</a:t>
+            </a:r>
+            <a:r>
+              <a:rPr lang="en-US" dirty="0">
+                <a:cs typeface="Calibri"/>
+              </a:rPr>
+              <a:t> : 1 pour la </a:t>
+            </a:r>
+            <a:r>
+              <a:rPr lang="en-US" dirty="0" err="1">
+                <a:cs typeface="Calibri"/>
+              </a:rPr>
+              <a:t>présence</a:t>
+            </a:r>
+            <a:r>
+              <a:rPr lang="en-US" dirty="0">
+                <a:cs typeface="Calibri"/>
+              </a:rPr>
+              <a:t> du singe, 0 pour </a:t>
+            </a:r>
+            <a:r>
+              <a:rPr lang="en-US" dirty="0" err="1">
+                <a:cs typeface="Calibri"/>
+              </a:rPr>
+              <a:t>l'absence</a:t>
+            </a:r>
+            <a:r>
+              <a:rPr lang="en-US" dirty="0">
+                <a:cs typeface="Calibri"/>
+              </a:rPr>
+              <a:t>.</a:t>
+            </a:r>
+          </a:p>
+          <a:p>
+            <a:r>
+              <a:rPr lang="en-US" dirty="0" err="1">
+                <a:cs typeface="Calibri"/>
+              </a:rPr>
+              <a:t>L'algorithme</a:t>
+            </a:r>
+            <a:r>
+              <a:rPr lang="en-US" dirty="0">
+                <a:cs typeface="Calibri"/>
+              </a:rPr>
+              <a:t> du random forest </a:t>
+            </a:r>
+            <a:r>
+              <a:rPr lang="en-US" dirty="0" err="1">
+                <a:cs typeface="Calibri"/>
+              </a:rPr>
+              <a:t>est</a:t>
+            </a:r>
+            <a:r>
+              <a:rPr lang="en-US" dirty="0">
+                <a:cs typeface="Calibri"/>
+              </a:rPr>
+              <a:t> très performant </a:t>
+            </a:r>
+            <a:r>
+              <a:rPr lang="en-US" dirty="0" err="1">
+                <a:cs typeface="Calibri"/>
+              </a:rPr>
+              <a:t>en</a:t>
+            </a:r>
+            <a:r>
+              <a:rPr lang="en-US" dirty="0">
+                <a:cs typeface="Calibri"/>
+              </a:rPr>
+              <a:t> </a:t>
+            </a:r>
+            <a:r>
+              <a:rPr lang="en-US" dirty="0" err="1">
+                <a:cs typeface="Calibri"/>
+              </a:rPr>
+              <a:t>général</a:t>
+            </a:r>
+            <a:r>
+              <a:rPr lang="en-US" dirty="0">
+                <a:cs typeface="Calibri"/>
+              </a:rPr>
+              <a:t> car il </a:t>
+            </a:r>
+            <a:r>
+              <a:rPr lang="en-US" dirty="0" err="1">
+                <a:cs typeface="Calibri"/>
+              </a:rPr>
+              <a:t>utilise</a:t>
+            </a:r>
+            <a:r>
+              <a:rPr lang="en-US" dirty="0">
+                <a:cs typeface="Calibri"/>
+              </a:rPr>
+              <a:t> </a:t>
+            </a:r>
+            <a:r>
+              <a:rPr lang="en-US" dirty="0" err="1">
+                <a:cs typeface="Calibri"/>
+              </a:rPr>
+              <a:t>bcp</a:t>
+            </a:r>
+            <a:r>
+              <a:rPr lang="en-US" dirty="0">
+                <a:cs typeface="Calibri"/>
+              </a:rPr>
+              <a:t> </a:t>
+            </a:r>
+            <a:r>
+              <a:rPr lang="en-US" dirty="0" err="1">
+                <a:cs typeface="Calibri"/>
+              </a:rPr>
+              <a:t>d'aléatoire</a:t>
+            </a:r>
+            <a:r>
+              <a:rPr lang="en-US" dirty="0">
+                <a:cs typeface="Calibri"/>
+              </a:rPr>
+              <a:t>, </a:t>
+            </a:r>
+            <a:r>
+              <a:rPr lang="en-US" dirty="0" err="1">
+                <a:cs typeface="Calibri"/>
+              </a:rPr>
+              <a:t>aussi</a:t>
+            </a:r>
+            <a:r>
+              <a:rPr lang="en-US" dirty="0">
+                <a:cs typeface="Calibri"/>
+              </a:rPr>
+              <a:t> bien pour les </a:t>
+            </a:r>
+            <a:r>
+              <a:rPr lang="en-US" dirty="0" err="1">
+                <a:cs typeface="Calibri"/>
+              </a:rPr>
+              <a:t>données</a:t>
+            </a:r>
+            <a:r>
+              <a:rPr lang="en-US" dirty="0">
+                <a:cs typeface="Calibri"/>
+              </a:rPr>
+              <a:t> </a:t>
+            </a:r>
+            <a:r>
+              <a:rPr lang="en-US" dirty="0" err="1">
+                <a:cs typeface="Calibri"/>
+              </a:rPr>
+              <a:t>en</a:t>
+            </a:r>
+            <a:r>
+              <a:rPr lang="en-US" dirty="0">
+                <a:cs typeface="Calibri"/>
+              </a:rPr>
+              <a:t> entrée que pour les variables </a:t>
+            </a:r>
+            <a:r>
+              <a:rPr lang="en-US" dirty="0" err="1">
+                <a:cs typeface="Calibri"/>
+              </a:rPr>
+              <a:t>explicatives</a:t>
+            </a:r>
+            <a:r>
+              <a:rPr lang="en-US" dirty="0">
+                <a:cs typeface="Calibri"/>
+              </a:rPr>
+              <a:t>/</a:t>
+            </a:r>
+            <a:r>
+              <a:rPr lang="en-US" dirty="0" err="1">
+                <a:cs typeface="Calibri"/>
+              </a:rPr>
+              <a:t>prédictives</a:t>
+            </a:r>
+            <a:r>
+              <a:rPr lang="en-US" dirty="0">
+                <a:cs typeface="Calibri"/>
+              </a:rPr>
+              <a:t> au </a:t>
+            </a:r>
+            <a:r>
+              <a:rPr lang="en-US" dirty="0" err="1">
+                <a:cs typeface="Calibri"/>
+              </a:rPr>
+              <a:t>niveau</a:t>
+            </a:r>
+            <a:r>
+              <a:rPr lang="en-US" dirty="0">
+                <a:cs typeface="Calibri"/>
+              </a:rPr>
+              <a:t> des </a:t>
+            </a:r>
+            <a:r>
+              <a:rPr lang="en-US" dirty="0" err="1">
+                <a:cs typeface="Calibri"/>
+              </a:rPr>
+              <a:t>noeuds</a:t>
+            </a:r>
+            <a:r>
+              <a:rPr lang="en-US" dirty="0">
+                <a:cs typeface="Calibri"/>
+              </a:rPr>
+              <a:t>. Il </a:t>
+            </a:r>
+            <a:r>
+              <a:rPr lang="en-US" dirty="0" err="1">
+                <a:cs typeface="Calibri"/>
+              </a:rPr>
+              <a:t>réalise</a:t>
+            </a:r>
+            <a:r>
+              <a:rPr lang="en-US" dirty="0">
+                <a:cs typeface="Calibri"/>
+              </a:rPr>
+              <a:t> ensuite </a:t>
+            </a:r>
+            <a:r>
+              <a:rPr lang="en-US" dirty="0" err="1">
+                <a:cs typeface="Calibri"/>
+              </a:rPr>
+              <a:t>une</a:t>
+            </a:r>
+            <a:r>
+              <a:rPr lang="en-US" dirty="0">
+                <a:cs typeface="Calibri"/>
+              </a:rPr>
+              <a:t> </a:t>
+            </a:r>
+            <a:r>
+              <a:rPr lang="en-US" dirty="0" err="1">
+                <a:cs typeface="Calibri"/>
+              </a:rPr>
+              <a:t>moyenne</a:t>
+            </a:r>
+            <a:r>
+              <a:rPr lang="en-US" dirty="0">
+                <a:cs typeface="Calibri"/>
+              </a:rPr>
+              <a:t> entre les </a:t>
+            </a:r>
+            <a:r>
+              <a:rPr lang="en-US" dirty="0" err="1">
+                <a:cs typeface="Calibri"/>
+              </a:rPr>
+              <a:t>différents</a:t>
+            </a:r>
+            <a:r>
+              <a:rPr lang="en-US" dirty="0">
+                <a:cs typeface="Calibri"/>
+              </a:rPr>
+              <a:t> </a:t>
+            </a:r>
+            <a:r>
+              <a:rPr lang="en-US" dirty="0" err="1">
+                <a:cs typeface="Calibri"/>
+              </a:rPr>
+              <a:t>arbres</a:t>
+            </a:r>
+            <a:r>
+              <a:rPr lang="en-US" dirty="0">
+                <a:cs typeface="Calibri"/>
+              </a:rPr>
+              <a:t> </a:t>
+            </a:r>
+            <a:r>
+              <a:rPr lang="en-US" dirty="0" err="1">
+                <a:cs typeface="Calibri"/>
+              </a:rPr>
+              <a:t>aléatoires</a:t>
+            </a:r>
+            <a:r>
+              <a:rPr lang="en-US" dirty="0">
+                <a:cs typeface="Calibri"/>
+              </a:rPr>
+              <a:t> </a:t>
+            </a:r>
+            <a:r>
+              <a:rPr lang="en-US" dirty="0" err="1">
+                <a:cs typeface="Calibri"/>
+              </a:rPr>
+              <a:t>obtenus</a:t>
+            </a:r>
+            <a:r>
+              <a:rPr lang="en-US" dirty="0">
+                <a:cs typeface="Calibri"/>
+              </a:rPr>
+              <a:t> </a:t>
+            </a:r>
+            <a:r>
+              <a:rPr lang="en-US" dirty="0" err="1">
+                <a:cs typeface="Calibri"/>
+              </a:rPr>
+              <a:t>afin</a:t>
+            </a:r>
+            <a:r>
+              <a:rPr lang="en-US" dirty="0">
+                <a:cs typeface="Calibri"/>
+              </a:rPr>
+              <a:t> de </a:t>
+            </a:r>
+            <a:r>
+              <a:rPr lang="en-US" dirty="0" err="1">
+                <a:cs typeface="Calibri"/>
+              </a:rPr>
+              <a:t>trouver</a:t>
+            </a:r>
+            <a:r>
+              <a:rPr lang="en-US" dirty="0">
+                <a:cs typeface="Calibri"/>
+              </a:rPr>
+              <a:t> les variables </a:t>
+            </a:r>
+            <a:r>
+              <a:rPr lang="en-US" dirty="0" err="1">
+                <a:cs typeface="Calibri"/>
+              </a:rPr>
+              <a:t>environnementales</a:t>
+            </a:r>
+            <a:r>
+              <a:rPr lang="en-US" dirty="0">
+                <a:cs typeface="Calibri"/>
+              </a:rPr>
+              <a:t> les plus </a:t>
+            </a:r>
+            <a:r>
+              <a:rPr lang="en-US" dirty="0" err="1">
+                <a:cs typeface="Calibri"/>
+              </a:rPr>
+              <a:t>déterminantes</a:t>
+            </a:r>
+            <a:r>
+              <a:rPr lang="en-US" dirty="0">
+                <a:cs typeface="Calibri"/>
+              </a:rPr>
+              <a:t>.</a:t>
+            </a:r>
+          </a:p>
+        </p:txBody>
+      </p:sp>
+      <p:sp>
+        <p:nvSpPr>
+          <p:cNvPr id="4" name="Slide Number Placeholder 3"/>
+          <p:cNvSpPr>
+            <a:spLocks noGrp="1"/>
+          </p:cNvSpPr>
+          <p:nvPr>
+            <p:ph type="sldNum" sz="quarter" idx="5"/>
+          </p:nvPr>
+        </p:nvSpPr>
+        <p:spPr/>
+        <p:txBody>
+          <a:bodyPr/>
+          <a:lstStyle/>
+          <a:p>
+            <a:fld id="{5532CBC6-55DF-4983-A057-C0B743A35467}" type="slidenum">
+              <a:rPr lang="fr-FR" smtClean="0"/>
+              <a:t>16</a:t>
+            </a:fld>
+            <a:endParaRPr lang="fr-FR"/>
+          </a:p>
+        </p:txBody>
+      </p:sp>
+    </p:spTree>
+    <p:extLst>
+      <p:ext uri="{BB962C8B-B14F-4D97-AF65-F5344CB8AC3E}">
+        <p14:creationId xmlns:p14="http://schemas.microsoft.com/office/powerpoint/2010/main" val="243469670"/>
+      </p:ext>
+    </p:extLst>
+  </p:cSld>
+  <p:clrMapOvr>
+    <a:masterClrMapping/>
+  </p:clrMapOvr>
+</p:notes>
+</file>
+
+<file path=ppt/notesSlides/notesSlide17.xml><?xml version="1.0" encoding="utf-8"?>
+<p:notes xmlns:a="http://schemas.openxmlformats.org/drawingml/2006/main" xmlns:r="http://schemas.openxmlformats.org/officeDocument/2006/relationships" xmlns:p="http://schemas.openxmlformats.org/presentationml/2006/main">
+  <p:cSld>
+    <p:spTree>
+      <p:nvGrpSpPr>
+        <p:cNvPr id="1" name=""/>
+        <p:cNvGrpSpPr/>
+        <p:nvPr/>
+      </p:nvGrpSpPr>
+      <p:grpSpPr>
+        <a:xfrm>
+          <a:off x="0" y="0"/>
+          <a:ext cx="0" cy="0"/>
+          <a:chOff x="0" y="0"/>
+          <a:chExt cx="0" cy="0"/>
+        </a:xfrm>
+      </p:grpSpPr>
+      <p:sp>
+        <p:nvSpPr>
+          <p:cNvPr id="2" name="Slide Image Placeholder 1"/>
+          <p:cNvSpPr>
+            <a:spLocks noGrp="1" noRot="1" noChangeAspect="1"/>
+          </p:cNvSpPr>
+          <p:nvPr>
+            <p:ph type="sldImg"/>
+          </p:nvPr>
+        </p:nvSpPr>
+        <p:spPr/>
+      </p:sp>
+      <p:sp>
+        <p:nvSpPr>
+          <p:cNvPr id="3" name="Notes Placeholder 2"/>
+          <p:cNvSpPr>
+            <a:spLocks noGrp="1"/>
+          </p:cNvSpPr>
+          <p:nvPr>
+            <p:ph type="body" idx="1"/>
+          </p:nvPr>
+        </p:nvSpPr>
+        <p:spPr/>
+        <p:txBody>
+          <a:bodyPr/>
+          <a:lstStyle/>
+          <a:p>
+            <a:r>
+              <a:rPr lang="en-US" dirty="0">
+                <a:cs typeface="Calibri"/>
+              </a:rPr>
+              <a:t>Anaïs + Tidjani</a:t>
+            </a:r>
+          </a:p>
+          <a:p>
+            <a:r>
+              <a:rPr lang="en-US" dirty="0" err="1">
+                <a:cs typeface="Calibri"/>
+              </a:rPr>
+              <a:t>Reprojeter</a:t>
+            </a:r>
+            <a:r>
+              <a:rPr lang="en-US" dirty="0">
+                <a:cs typeface="Calibri"/>
+              </a:rPr>
+              <a:t> sur les </a:t>
+            </a:r>
+            <a:r>
+              <a:rPr lang="en-US" dirty="0" err="1">
+                <a:cs typeface="Calibri"/>
+              </a:rPr>
+              <a:t>cartes</a:t>
+            </a:r>
+            <a:r>
+              <a:rPr lang="en-US" dirty="0">
+                <a:cs typeface="Calibri"/>
+              </a:rPr>
+              <a:t>. Pas fait car le package </a:t>
+            </a:r>
+            <a:r>
+              <a:rPr lang="en-US" dirty="0" err="1">
+                <a:cs typeface="Calibri"/>
+              </a:rPr>
+              <a:t>mecofun</a:t>
+            </a:r>
+            <a:r>
+              <a:rPr lang="en-US" dirty="0">
+                <a:cs typeface="Calibri"/>
+              </a:rPr>
+              <a:t> ne </a:t>
+            </a:r>
+            <a:r>
+              <a:rPr lang="en-US" dirty="0" err="1">
+                <a:cs typeface="Calibri"/>
+              </a:rPr>
+              <a:t>fonctionne</a:t>
+            </a:r>
+            <a:r>
+              <a:rPr lang="en-US" dirty="0">
+                <a:cs typeface="Calibri"/>
+              </a:rPr>
+              <a:t> pas pour nous</a:t>
+            </a:r>
+            <a:endParaRPr lang="en-US"/>
+          </a:p>
+          <a:p>
+            <a:r>
+              <a:rPr lang="en-US" dirty="0" err="1">
+                <a:cs typeface="Calibri"/>
+              </a:rPr>
+              <a:t>Comparaison</a:t>
+            </a:r>
+            <a:r>
+              <a:rPr lang="en-US" dirty="0">
+                <a:cs typeface="Calibri"/>
+              </a:rPr>
+              <a:t> des 2 </a:t>
+            </a:r>
+            <a:r>
+              <a:rPr lang="en-US" dirty="0" err="1">
+                <a:cs typeface="Calibri"/>
+              </a:rPr>
+              <a:t>modèles</a:t>
+            </a:r>
+            <a:r>
+              <a:rPr lang="en-US" dirty="0">
+                <a:cs typeface="Calibri"/>
+              </a:rPr>
+              <a:t>.</a:t>
+            </a:r>
+          </a:p>
+          <a:p>
+            <a:r>
+              <a:rPr lang="en-US" dirty="0" err="1">
+                <a:cs typeface="Calibri"/>
+              </a:rPr>
+              <a:t>Statistiques</a:t>
+            </a:r>
+            <a:r>
+              <a:rPr lang="en-US" dirty="0">
+                <a:cs typeface="Calibri"/>
+              </a:rPr>
+              <a:t> </a:t>
+            </a:r>
+            <a:r>
+              <a:rPr lang="en-US" dirty="0" err="1">
+                <a:cs typeface="Calibri"/>
+              </a:rPr>
+              <a:t>d'évaluation</a:t>
+            </a:r>
+            <a:r>
+              <a:rPr lang="en-US" dirty="0">
+                <a:cs typeface="Calibri"/>
+              </a:rPr>
+              <a:t> des </a:t>
+            </a:r>
+            <a:r>
+              <a:rPr lang="en-US" dirty="0" err="1">
+                <a:cs typeface="Calibri"/>
+              </a:rPr>
+              <a:t>modèles</a:t>
+            </a:r>
+            <a:r>
+              <a:rPr lang="en-US" dirty="0">
+                <a:cs typeface="Calibri"/>
+              </a:rPr>
+              <a:t>.</a:t>
+            </a:r>
+          </a:p>
+          <a:p>
+            <a:r>
+              <a:rPr lang="en-US" dirty="0">
+                <a:cs typeface="Calibri"/>
+              </a:rPr>
+              <a:t>Essayer avec </a:t>
+            </a:r>
+            <a:r>
+              <a:rPr lang="en-US" err="1">
+                <a:cs typeface="Calibri"/>
+              </a:rPr>
+              <a:t>une</a:t>
+            </a:r>
+            <a:r>
+              <a:rPr lang="en-US" dirty="0">
+                <a:cs typeface="Calibri"/>
+              </a:rPr>
+              <a:t> </a:t>
+            </a:r>
+            <a:r>
+              <a:rPr lang="en-US" err="1">
+                <a:cs typeface="Calibri"/>
+              </a:rPr>
+              <a:t>autre</a:t>
+            </a:r>
+            <a:r>
+              <a:rPr lang="en-US" dirty="0">
+                <a:cs typeface="Calibri"/>
+              </a:rPr>
+              <a:t> </a:t>
+            </a:r>
+            <a:r>
+              <a:rPr lang="en-US" err="1">
+                <a:cs typeface="Calibri"/>
+              </a:rPr>
+              <a:t>espèce</a:t>
+            </a:r>
+            <a:r>
+              <a:rPr lang="en-US" dirty="0">
+                <a:cs typeface="Calibri"/>
+              </a:rPr>
+              <a:t>.</a:t>
+            </a:r>
+          </a:p>
+          <a:p>
+            <a:r>
+              <a:rPr lang="en-US" dirty="0">
+                <a:cs typeface="Calibri"/>
+              </a:rPr>
+              <a:t>On a beaucoup </a:t>
+            </a:r>
+            <a:r>
+              <a:rPr lang="en-US" err="1">
+                <a:cs typeface="Calibri"/>
+              </a:rPr>
+              <a:t>galéré</a:t>
+            </a:r>
+            <a:r>
+              <a:rPr lang="en-US" dirty="0">
+                <a:cs typeface="Calibri"/>
+              </a:rPr>
+              <a:t>, on a </a:t>
+            </a:r>
+            <a:r>
+              <a:rPr lang="en-US" err="1">
+                <a:cs typeface="Calibri"/>
+              </a:rPr>
+              <a:t>compris</a:t>
+            </a:r>
+            <a:r>
+              <a:rPr lang="en-US" dirty="0">
+                <a:cs typeface="Calibri"/>
+              </a:rPr>
+              <a:t> </a:t>
+            </a:r>
+            <a:r>
+              <a:rPr lang="en-US" err="1">
+                <a:cs typeface="Calibri"/>
+              </a:rPr>
+              <a:t>l'importance</a:t>
+            </a:r>
+            <a:r>
+              <a:rPr lang="en-US" dirty="0">
+                <a:cs typeface="Calibri"/>
+              </a:rPr>
+              <a:t> </a:t>
+            </a:r>
+            <a:r>
+              <a:rPr lang="en-US" err="1">
+                <a:cs typeface="Calibri"/>
+              </a:rPr>
+              <a:t>d'avoir</a:t>
+            </a:r>
+            <a:r>
+              <a:rPr lang="en-US" dirty="0">
+                <a:cs typeface="Calibri"/>
+              </a:rPr>
+              <a:t> un cadre bien </a:t>
+            </a:r>
+            <a:r>
+              <a:rPr lang="en-US" err="1">
+                <a:cs typeface="Calibri"/>
+              </a:rPr>
+              <a:t>défini</a:t>
+            </a:r>
+            <a:r>
+              <a:rPr lang="en-US" dirty="0">
+                <a:cs typeface="Calibri"/>
+              </a:rPr>
+              <a:t> pour ne pas </a:t>
+            </a:r>
+            <a:r>
+              <a:rPr lang="en-US" err="1">
+                <a:cs typeface="Calibri"/>
+              </a:rPr>
+              <a:t>partir</a:t>
+            </a:r>
+            <a:r>
+              <a:rPr lang="en-US" dirty="0">
+                <a:cs typeface="Calibri"/>
+              </a:rPr>
+              <a:t> dans </a:t>
+            </a:r>
+            <a:r>
+              <a:rPr lang="en-US" err="1">
+                <a:cs typeface="Calibri"/>
+              </a:rPr>
+              <a:t>tous</a:t>
+            </a:r>
+            <a:r>
+              <a:rPr lang="en-US" dirty="0">
+                <a:cs typeface="Calibri"/>
+              </a:rPr>
+              <a:t> les </a:t>
+            </a:r>
+            <a:r>
+              <a:rPr lang="en-US" err="1">
+                <a:cs typeface="Calibri"/>
+              </a:rPr>
+              <a:t>sens</a:t>
+            </a:r>
+            <a:r>
+              <a:rPr lang="en-US" dirty="0">
+                <a:cs typeface="Calibri"/>
+              </a:rPr>
+              <a:t> et </a:t>
+            </a:r>
+            <a:r>
+              <a:rPr lang="en-US" err="1">
+                <a:cs typeface="Calibri"/>
+              </a:rPr>
+              <a:t>éviter</a:t>
+            </a:r>
+            <a:r>
+              <a:rPr lang="en-US" dirty="0">
+                <a:cs typeface="Calibri"/>
+              </a:rPr>
+              <a:t> de </a:t>
+            </a:r>
+            <a:r>
+              <a:rPr lang="en-US" err="1">
+                <a:cs typeface="Calibri"/>
+              </a:rPr>
+              <a:t>stagner</a:t>
+            </a:r>
+            <a:r>
+              <a:rPr lang="en-US" dirty="0">
+                <a:cs typeface="Calibri"/>
+              </a:rPr>
+              <a:t>. </a:t>
+            </a:r>
+            <a:r>
+              <a:rPr lang="en-US" err="1">
+                <a:cs typeface="Calibri"/>
+              </a:rPr>
+              <a:t>Coopération</a:t>
+            </a:r>
+            <a:r>
+              <a:rPr lang="en-US" dirty="0">
+                <a:cs typeface="Calibri"/>
+              </a:rPr>
+              <a:t> et </a:t>
+            </a:r>
+            <a:r>
+              <a:rPr lang="en-US" err="1">
+                <a:cs typeface="Calibri"/>
+              </a:rPr>
+              <a:t>écoute</a:t>
+            </a:r>
+            <a:r>
+              <a:rPr lang="en-US" dirty="0">
+                <a:cs typeface="Calibri"/>
+              </a:rPr>
+              <a:t> entre les </a:t>
+            </a:r>
+            <a:r>
+              <a:rPr lang="en-US" err="1">
+                <a:cs typeface="Calibri"/>
+              </a:rPr>
+              <a:t>membres</a:t>
+            </a:r>
+            <a:r>
+              <a:rPr lang="en-US" dirty="0">
+                <a:cs typeface="Calibri"/>
+              </a:rPr>
+              <a:t> </a:t>
+            </a:r>
+            <a:r>
+              <a:rPr lang="en-US" err="1">
+                <a:cs typeface="Calibri"/>
+              </a:rPr>
+              <a:t>est</a:t>
+            </a:r>
+            <a:r>
+              <a:rPr lang="en-US" dirty="0">
+                <a:cs typeface="Calibri"/>
+              </a:rPr>
+              <a:t> </a:t>
+            </a:r>
+            <a:r>
+              <a:rPr lang="en-US" err="1">
+                <a:cs typeface="Calibri"/>
+              </a:rPr>
+              <a:t>importante</a:t>
+            </a:r>
+            <a:endParaRPr lang="en-US">
+              <a:cs typeface="Calibri"/>
+            </a:endParaRPr>
+          </a:p>
+          <a:p>
+            <a:r>
+              <a:rPr lang="en-US" dirty="0" err="1">
+                <a:cs typeface="Calibri"/>
+              </a:rPr>
+              <a:t>Finissons</a:t>
+            </a:r>
+            <a:r>
+              <a:rPr lang="en-US" dirty="0">
+                <a:cs typeface="Calibri"/>
+              </a:rPr>
+              <a:t> par un </a:t>
+            </a:r>
+            <a:r>
+              <a:rPr lang="en-US" dirty="0" err="1">
+                <a:cs typeface="Calibri"/>
+              </a:rPr>
+              <a:t>proverbe</a:t>
+            </a:r>
+            <a:r>
+              <a:rPr lang="en-US" dirty="0">
+                <a:cs typeface="Calibri"/>
+              </a:rPr>
+              <a:t> </a:t>
+            </a:r>
+            <a:r>
+              <a:rPr lang="en-US" dirty="0" err="1">
+                <a:cs typeface="Calibri"/>
+              </a:rPr>
+              <a:t>africain</a:t>
+            </a:r>
+            <a:r>
+              <a:rPr lang="en-US" dirty="0">
+                <a:cs typeface="Calibri"/>
+              </a:rPr>
+              <a:t> : "la </a:t>
+            </a:r>
+            <a:r>
+              <a:rPr lang="en-US" dirty="0" err="1">
+                <a:cs typeface="Calibri"/>
+              </a:rPr>
+              <a:t>connaissance</a:t>
+            </a:r>
+            <a:r>
+              <a:rPr lang="en-US" dirty="0">
+                <a:cs typeface="Calibri"/>
+              </a:rPr>
+              <a:t> </a:t>
+            </a:r>
+            <a:r>
+              <a:rPr lang="en-US" dirty="0" err="1">
+                <a:cs typeface="Calibri"/>
+              </a:rPr>
+              <a:t>c'est</a:t>
+            </a:r>
+            <a:r>
+              <a:rPr lang="en-US" dirty="0">
+                <a:cs typeface="Calibri"/>
+              </a:rPr>
+              <a:t> </a:t>
+            </a:r>
+            <a:r>
+              <a:rPr lang="en-US" dirty="0" err="1">
+                <a:cs typeface="Calibri"/>
+              </a:rPr>
+              <a:t>comme</a:t>
+            </a:r>
+            <a:r>
+              <a:rPr lang="en-US" dirty="0">
+                <a:cs typeface="Calibri"/>
+              </a:rPr>
+              <a:t> les baobabs, on ne </a:t>
+            </a:r>
+            <a:r>
+              <a:rPr lang="en-US" dirty="0" err="1">
+                <a:cs typeface="Calibri"/>
+              </a:rPr>
+              <a:t>peut</a:t>
+            </a:r>
+            <a:r>
+              <a:rPr lang="en-US" dirty="0">
+                <a:cs typeface="Calibri"/>
+              </a:rPr>
+              <a:t> </a:t>
+            </a:r>
+            <a:r>
+              <a:rPr lang="en-US" dirty="0" err="1">
+                <a:cs typeface="Calibri"/>
+              </a:rPr>
+              <a:t>l'enlacer</a:t>
+            </a:r>
+            <a:r>
+              <a:rPr lang="en-US" dirty="0">
+                <a:cs typeface="Calibri"/>
+              </a:rPr>
+              <a:t> </a:t>
+            </a:r>
+            <a:r>
+              <a:rPr lang="en-US" dirty="0" err="1">
+                <a:cs typeface="Calibri"/>
+              </a:rPr>
+              <a:t>complètement</a:t>
+            </a:r>
+            <a:r>
+              <a:rPr lang="en-US" dirty="0">
+                <a:cs typeface="Calibri"/>
+              </a:rPr>
+              <a:t>"</a:t>
+            </a:r>
+          </a:p>
+        </p:txBody>
+      </p:sp>
+      <p:sp>
+        <p:nvSpPr>
+          <p:cNvPr id="4" name="Slide Number Placeholder 3"/>
+          <p:cNvSpPr>
+            <a:spLocks noGrp="1"/>
+          </p:cNvSpPr>
+          <p:nvPr>
+            <p:ph type="sldNum" sz="quarter" idx="5"/>
+          </p:nvPr>
+        </p:nvSpPr>
+        <p:spPr/>
+        <p:txBody>
+          <a:bodyPr/>
+          <a:lstStyle/>
+          <a:p>
+            <a:fld id="{5532CBC6-55DF-4983-A057-C0B743A35467}" type="slidenum">
+              <a:rPr lang="fr-FR" smtClean="0"/>
+              <a:t>17</a:t>
+            </a:fld>
+            <a:endParaRPr lang="fr-FR"/>
+          </a:p>
+        </p:txBody>
+      </p:sp>
+    </p:spTree>
+    <p:extLst>
+      <p:ext uri="{BB962C8B-B14F-4D97-AF65-F5344CB8AC3E}">
+        <p14:creationId xmlns:p14="http://schemas.microsoft.com/office/powerpoint/2010/main" val="2795072420"/>
       </p:ext>
     </p:extLst>
   </p:cSld>
@@ -1901,8 +4894,11 @@
           <a:p>
             <a:r>
               <a:rPr lang="fr-FR" dirty="0"/>
-              <a:t>5 étapes qui vont être le fil conducteur de notre présentation</a:t>
-            </a:r>
+              <a:t>5 étapes qui vont être le fil conducteur de notre présentation.</a:t>
+            </a:r>
+            <a:endParaRPr lang="fr-FR" dirty="0">
+              <a:cs typeface="Calibri"/>
+            </a:endParaRPr>
           </a:p>
           <a:p>
             <a:r>
@@ -1913,7 +4909,7 @@
           <a:p>
             <a:r>
               <a:rPr lang="fr-FR" dirty="0"/>
-              <a:t>Modélisation : </a:t>
+              <a:t>Modélisation : model </a:t>
             </a:r>
             <a:r>
               <a:rPr lang="fr-FR" dirty="0" err="1"/>
@@ -1929,23 +4925,54 @@
             </a:r>
             <a:r>
               <a:rPr lang="fr-FR" dirty="0"/>
-              <a:t> pour vérifier la cohérence</a:t>
-            </a:r>
+              <a:t> of model = évaluation du modèle pour vérifier la cohérence</a:t>
+            </a:r>
+            <a:endParaRPr lang="fr-FR" dirty="0">
+              <a:cs typeface="Calibri"/>
+            </a:endParaRPr>
           </a:p>
           <a:p>
             <a:r>
               <a:rPr lang="fr-FR" dirty="0"/>
-              <a:t>Prédictions temporelles et spatiales : reprojection sur les cartes + temps futurs</a:t>
-            </a:r>
+              <a:t>Prédictions temporelles et spatiales : reprojection sur les cartes de la niche + temps futurs</a:t>
+            </a:r>
+            <a:endParaRPr lang="fr-FR" dirty="0">
+              <a:cs typeface="Calibri" panose="020F0502020204030204"/>
+            </a:endParaRPr>
           </a:p>
           <a:p>
             <a:r>
               <a:rPr lang="fr-FR" dirty="0"/>
-              <a:t>Tout cela est un circuit : les résultats obtenus nous permette de mieux redéfinir l’étape de conceptualisation, et donc les données, et donc le modèle, …</a:t>
-            </a:r>
-          </a:p>
-          <a:p>
-            <a:endParaRPr lang="fr-FR" dirty="0"/>
+              <a:t>Tout cela est un circuit : les résultats obtenus nous permettent de mieux redéfinir l’étape de conceptualisation, et donc les données, et donc le modèle, …</a:t>
+            </a:r>
+            <a:endParaRPr lang="fr-FR" dirty="0">
+              <a:cs typeface="Calibri" panose="020F0502020204030204"/>
+            </a:endParaRPr>
+          </a:p>
+          <a:p>
+            <a:r>
+              <a:rPr lang="fr-FR" dirty="0">
+                <a:cs typeface="Calibri" panose="020F0502020204030204"/>
+              </a:rPr>
+              <a:t>Commençons donc désormais par la conceptualisation avec le choix de notre espèce, et avant de passer la main à </a:t>
+            </a:r>
+            <a:r>
+              <a:rPr lang="fr-FR" dirty="0" err="1">
+                <a:cs typeface="Calibri" panose="020F0502020204030204"/>
+              </a:rPr>
+              <a:t>Tidjani</a:t>
+            </a:r>
+            <a:r>
+              <a:rPr lang="fr-FR" dirty="0">
+                <a:cs typeface="Calibri" panose="020F0502020204030204"/>
+              </a:rPr>
+              <a:t>, je vais vous donner un indice dans la slide suivante.</a:t>
+            </a:r>
+          </a:p>
+          <a:p>
+            <a:endParaRPr lang="fr-FR" dirty="0">
+              <a:cs typeface="Calibri" panose="020F0502020204030204"/>
+            </a:endParaRPr>
           </a:p>
         </p:txBody>
       </p:sp>
@@ -2123,27 +5150,82 @@
           </a:p>
           <a:p>
             <a:r>
+              <a:rPr lang="fr-FR" dirty="0">
+                <a:cs typeface="Calibri"/>
+              </a:rPr>
+              <a:t>Voici donc l'espèce que l'on a choisi pour la SDLM : il s'agit du singe à ventre rouge, également appelé </a:t>
+            </a:r>
+            <a:r>
+              <a:rPr lang="fr-FR" dirty="0" err="1">
+                <a:cs typeface="Calibri"/>
+              </a:rPr>
+              <a:t>cecopithecus</a:t>
+            </a:r>
+            <a:r>
+              <a:rPr lang="fr-FR" dirty="0">
+                <a:cs typeface="Calibri"/>
+              </a:rPr>
+              <a:t> </a:t>
+            </a:r>
+            <a:r>
+              <a:rPr lang="fr-FR" dirty="0" err="1">
+                <a:cs typeface="Calibri"/>
+              </a:rPr>
+              <a:t>erythrogaster</a:t>
+            </a:r>
+            <a:r>
+              <a:rPr lang="fr-FR" dirty="0">
+                <a:cs typeface="Calibri"/>
+              </a:rPr>
+              <a:t> par son nom latin</a:t>
+            </a:r>
+            <a:endParaRPr lang="fr-FR" dirty="0"/>
+          </a:p>
+          <a:p>
+            <a:r>
               <a:rPr lang="fr-FR" dirty="0"/>
-              <a:t>Singe classé parmi les espèces menacées par l’IUCN</a:t>
-            </a:r>
+              <a:t>Ce singe est classé parmi les espèces menacées et était même considéré comme éteint dans les années 1980 avant qu'une petite colonie soit retrouvée.</a:t>
+            </a:r>
+            <a:endParaRPr lang="fr-FR" dirty="0">
+              <a:cs typeface="Calibri" panose="020F0502020204030204"/>
+            </a:endParaRPr>
           </a:p>
           <a:p>
             <a:r>
               <a:rPr lang="fr-FR" dirty="0"/>
-              <a:t>Population qui décroît toujours actuellement</a:t>
-            </a:r>
+              <a:t>Il est présent dans une petite région de l’Afrique subsaharienne, notamment là où il y a de la végétation dense.</a:t>
+            </a:r>
+            <a:endParaRPr lang="fr-FR" dirty="0">
+              <a:cs typeface="Calibri"/>
+            </a:endParaRPr>
           </a:p>
           <a:p>
             <a:r>
               <a:rPr lang="fr-FR" dirty="0"/>
-              <a:t>Souffre principalement de la destruction de son habitat par l’homme, du braconnage, de la vente de sa viande et de son pelage</a:t>
-            </a:r>
-          </a:p>
-          <a:p>
-            <a:r>
-              <a:rPr lang="fr-FR" dirty="0"/>
-              <a:t>Présent dans une petite région de l’Afrique subsaharienne, notamment là où il y a de la végétation dense</a:t>
-            </a:r>
+              <a:t>Il souffre principalement de la destruction de son habitat par l’homme, du braconnage, de la vente de sa viande et de son pelage, ou pour des rituels traditionnels.</a:t>
+            </a:r>
+            <a:endParaRPr lang="fr-FR" dirty="0">
+              <a:cs typeface="Calibri"/>
+            </a:endParaRPr>
+          </a:p>
+          <a:p>
+            <a:r>
+              <a:rPr lang="fr-FR" dirty="0">
+                <a:cs typeface="Calibri"/>
+              </a:rPr>
+              <a:t>Sa population est encore sur le déclin actuellement, et sa disparition engendrerait des conséquences néfastes pour l'écosystème local. </a:t>
+            </a:r>
+          </a:p>
+          <a:p>
+            <a:r>
+              <a:rPr lang="fr-FR" dirty="0">
+                <a:cs typeface="Calibri"/>
+              </a:rPr>
+              <a:t>Adopter une bonne politique de conservation de l'espèce est donc cruciale.</a:t>
+            </a:r>
+          </a:p>
+          <a:p>
+            <a:endParaRPr lang="fr-FR" dirty="0"/>
           </a:p>
           <a:p>
             <a:endParaRPr lang="fr-FR" dirty="0"/>
@@ -2237,15 +5319,38 @@
           </a:p>
           <a:p>
             <a:r>
+              <a:rPr lang="fr-FR" dirty="0">
+                <a:cs typeface="Calibri"/>
+              </a:rPr>
+              <a:t>Voici les 2 niches écologiques principales.</a:t>
+            </a:r>
+          </a:p>
+          <a:p>
+            <a:r>
+              <a:rPr lang="fr-FR" dirty="0">
+                <a:cs typeface="Calibri"/>
+              </a:rPr>
+              <a:t>Niche fondamentale = volume à n dimensions avec n le nb de variables environnementales. Ici, on a un exemple en 2D. Surface bleue = présence de l'espèce. En dehors = absence de l'espèce, théoriquement l'espèce ne peut pas survivre dans ces conditions là.</a:t>
+            </a:r>
+            <a:endParaRPr lang="fr-FR" dirty="0"/>
+          </a:p>
+          <a:p>
+            <a:r>
               <a:rPr lang="fr-FR" dirty="0"/>
-              <a:t>Niche réalisée = sous-ensemble de niche fondamental</a:t>
-            </a:r>
+              <a:t>Niche réalisée = sous-ensemble de niche fondamental : on fait intervenir les facteurs biotiques en plus comme la compétition ou le parasitisme entre espèces. </a:t>
+            </a:r>
+            <a:endParaRPr lang="fr-FR">
+              <a:cs typeface="Calibri"/>
+            </a:endParaRPr>
           </a:p>
           <a:p>
             <a:r>
               <a:rPr lang="fr-FR" dirty="0"/>
-              <a:t>SDM modélise niche, mais y a un débat entre laquelle de ses 2 niches (ou encore une autre niche)</a:t>
-            </a:r>
+              <a:t>SDM modélise la niche écologique, mais y a un débat entre laquelle de ses 2 niches (ou encore une autre niche)</a:t>
+            </a:r>
+            <a:endParaRPr lang="fr-FR" dirty="0">
+              <a:cs typeface="Calibri" panose="020F0502020204030204"/>
+            </a:endParaRPr>
           </a:p>
         </p:txBody>
       </p:sp>
@@ -2337,8 +5442,11 @@
           <a:p>
             <a:r>
               <a:rPr lang="fr-FR" dirty="0"/>
-              <a:t>SDM en 3 étapes :entrée/input – modélisation – sortie/output (à montrer sur la figure en même temps)</a:t>
-            </a:r>
+              <a:t>En pratique, la SDM se fait en 3 étapes : entrée/input – modélisation – sortie/output (à montrer sur la figure en même temps)</a:t>
+            </a:r>
+            <a:endParaRPr lang="fr-FR" dirty="0">
+              <a:cs typeface="Calibri"/>
+            </a:endParaRPr>
           </a:p>
           <a:p>
             <a:pPr marL="228600" indent="-228600">
@@ -2346,8 +5454,11 @@
             </a:pPr>
             <a:r>
               <a:rPr lang="fr-FR" dirty="0"/>
-              <a:t>Entrée : 2 types de données # : espèces + variables environnementale. Ces données sont stockées dans des formats carte.</a:t>
-            </a:r>
+              <a:t>Entrée : 2 types de données # : espèces + environnementale. Ces données sont stockées sous forme de carte : une carte par variable environnementale. Par exemple ici, les 5 cartes pourraient correspondre à la température, les précipitations, l'altitude, le type de végétation et la pollution. </a:t>
+            </a:r>
+            <a:endParaRPr lang="fr-FR">
+              <a:cs typeface="Calibri"/>
+            </a:endParaRPr>
           </a:p>
           <a:p>
             <a:pPr marL="228600" indent="-228600">
@@ -2355,8 +5466,11 @@
             </a:pPr>
             <a:r>
               <a:rPr lang="fr-FR" dirty="0"/>
-              <a:t>Modélisation : il faut traduire les cartes en modèle à n dimensions. A ce niveau, on a un large choix de modèles et d’algorithmes.</a:t>
-            </a:r>
+              <a:t>Modélisation de la niche écologique en n dimensions. Pour cette étape, il faut traduire les cartes en modèles à n dimensions. A noter que l'on dispose d'un large choix de modèles et d’algorithmes.</a:t>
+            </a:r>
+            <a:endParaRPr lang="fr-FR" dirty="0">
+              <a:cs typeface="Calibri" panose="020F0502020204030204"/>
+            </a:endParaRPr>
           </a:p>
           <a:p>
             <a:pPr marL="228600" indent="-228600">
@@ -2364,17 +5478,37 @@
             </a:pPr>
             <a:r>
               <a:rPr lang="fr-FR" dirty="0"/>
-              <a:t>Output : il faut ici reprojeter le modèle en n dimensions en cartes.</a:t>
-            </a:r>
-          </a:p>
-          <a:p>
-            <a:pPr marL="0" indent="0">
-              <a:buNone/>
-            </a:pPr>
+              <a:t>Sortie : il s'agit ici de reprojeter le modèle en n dimensions en cartes.</a:t>
+            </a:r>
+            <a:endParaRPr lang="fr-FR" dirty="0">
+              <a:cs typeface="Calibri" panose="020F0502020204030204"/>
+            </a:endParaRPr>
+          </a:p>
+          <a:p>
             <a:r>
               <a:rPr lang="fr-FR" dirty="0"/>
-              <a:t>Temps 0 et temps 1 : temps 0 correspond au temps actuel, temps 1 correspond au temps futur (période 2040-2060 par ex), il ne s’agit que de prédictions (statistiquement + ou – probables).</a:t>
-            </a:r>
+              <a:t>On peut observer que l'on a 2 échelles de temps </a:t>
+            </a:r>
+            <a:r>
+              <a:rPr lang="fr-FR" dirty="0" err="1"/>
+              <a:t>temps</a:t>
+            </a:r>
+            <a:r>
+              <a:rPr lang="fr-FR" dirty="0"/>
+              <a:t> 0 et temps 1 : temps 0 correspond au temps actuel, temps 1 correspond au temps futur (période 2040-2060 par ex). La SDM permet donc aussi bien de prédire la niche écologique actuelle que la niche écologique future suite aux scénarios plus ou moins optimistes des climatologues. </a:t>
+            </a:r>
+            <a:endParaRPr lang="fr-FR" dirty="0">
+              <a:cs typeface="Calibri"/>
+            </a:endParaRPr>
+          </a:p>
+          <a:p>
+            <a:r>
+              <a:rPr lang="fr-FR" dirty="0"/>
+              <a:t>Il ne s’agit que de prédictions qui sont statistiquement + ou – probables.</a:t>
+            </a:r>
+            <a:endParaRPr lang="fr-FR" dirty="0">
+              <a:cs typeface="Calibri" panose="020F0502020204030204"/>
+            </a:endParaRPr>
           </a:p>
         </p:txBody>
       </p:sp>
@@ -2506,6 +5640,14 @@
               <a:t>- point à Paris</a:t>
             </a:r>
           </a:p>
+          <a:p>
+            <a:r>
+              <a:rPr lang="fr-FR" dirty="0">
+                <a:cs typeface="Calibri" panose="020F0502020204030204"/>
+              </a:rPr>
+              <a:t>65 points au final</a:t>
+            </a:r>
+          </a:p>
         </p:txBody>
       </p:sp>
       <p:sp>
@@ -2596,8 +5738,11 @@
           <a:p>
             <a:r>
               <a:rPr lang="fr-FR" dirty="0"/>
-              <a:t>En plus des points de présence, les modèles que nous avons choisi d’utiliser dans la suite nécessitent des points d’absence de l’espèce.</a:t>
-            </a:r>
+              <a:t>En plus des points de présence, les modèles que nous avons choisi d’utiliser nécessitent des points d’absence de l’espèce.</a:t>
+            </a:r>
+            <a:endParaRPr lang="fr-FR" dirty="0">
+              <a:cs typeface="Calibri"/>
+            </a:endParaRPr>
           </a:p>
           <a:p>
             <a:r>
@@ -2608,8 +5753,11 @@
           <a:p>
             <a:r>
               <a:rPr lang="fr-FR" dirty="0"/>
-              <a:t>Différents packages R existent qui permettent de faire les choses intelligemment en évitant les océans et les zones de présence et alentours et en mettant plus de points ailleurs.</a:t>
-            </a:r>
+              <a:t>Différents packages R existent qui permettent de faire les choses intelligemment en évitant les océans et les zones de présence.</a:t>
+            </a:r>
+            <a:endParaRPr lang="fr-FR" dirty="0">
+              <a:cs typeface="Calibri"/>
+            </a:endParaRPr>
           </a:p>
           <a:p>
             <a:r>
@@ -2622,8 +5770,11 @@
             </a:r>
             <a:r>
               <a:rPr lang="fr-FR" dirty="0"/>
-              <a:t>), nous avons juste utilisé une distribution uniforme ici.</a:t>
-            </a:r>
+              <a:t>), nous avons juste utilisé une distribution uniforme ici : 100 points  noirs rajoutés.</a:t>
+            </a:r>
+            <a:endParaRPr lang="fr-FR" dirty="0">
+              <a:cs typeface="Calibri"/>
+            </a:endParaRPr>
           </a:p>
         </p:txBody>
       </p:sp>
@@ -2736,38 +5887,52 @@
             </a:r>
           </a:p>
           <a:p>
-            <a:pPr marL="0" marR="0" lvl="0" indent="0" algn="l" defTabSz="914400" rtl="0" eaLnBrk="1" fontAlgn="auto" latinLnBrk="0" hangingPunct="1">
-              <a:lnSpc>
-                <a:spcPct val="100000"/>
-              </a:lnSpc>
-              <a:spcBef>
-                <a:spcPts val="0"/>
-              </a:spcBef>
-              <a:spcAft>
-                <a:spcPts val="0"/>
-              </a:spcAft>
-              <a:buClrTx/>
-              <a:buSzTx/>
-              <a:buFontTx/>
-              <a:buNone/>
-              <a:tabLst/>
+            <a:pPr>
               <a:defRPr/>
             </a:pPr>
             <a:r>
-              <a:rPr lang="fr-FR" dirty="0"/>
-              <a:t>+ ESA : land cover + </a:t>
-            </a:r>
-            <a:r>
-              <a:rPr lang="fr-FR" dirty="0" err="1"/>
-              <a:t>trees</a:t>
-            </a:r>
-            <a:r>
-              <a:rPr lang="fr-FR" dirty="0"/>
-              <a:t> cover</a:t>
-            </a:r>
-          </a:p>
-          <a:p>
-            <a:endParaRPr lang="fr-FR" dirty="0"/>
+              <a:rPr lang="fr-FR" dirty="0">
+                <a:cs typeface="Calibri"/>
+              </a:rPr>
+              <a:t>Ici on retrouve les variables bioclimatiques uniquement provenant de </a:t>
+            </a:r>
+            <a:r>
+              <a:rPr lang="fr-FR" dirty="0" err="1">
+                <a:cs typeface="Calibri"/>
+              </a:rPr>
+              <a:t>Worldclim</a:t>
+            </a:r>
+            <a:r>
+              <a:rPr lang="fr-FR" dirty="0">
+                <a:cs typeface="Calibri"/>
+              </a:rPr>
+              <a:t>.</a:t>
+            </a:r>
+          </a:p>
+          <a:p>
+            <a:pPr>
+              <a:defRPr/>
+            </a:pPr>
+            <a:r>
+              <a:rPr lang="fr-FR" dirty="0">
+                <a:cs typeface="Calibri"/>
+              </a:rPr>
+              <a:t>On avait fait une étude des variables environnementales qui semblaient être les plus importantes pour déterminer la répartition de l'espèce et on avait vu que la végétation/déforestation + la pollution semblait être très importantes donc on voulait les rajouter. On avait trouvé des données, notamment sur la végétation, mais on a pas réussi à les joindre avec les données de </a:t>
+            </a:r>
+            <a:r>
+              <a:rPr lang="fr-FR" dirty="0" err="1">
+                <a:cs typeface="Calibri"/>
+              </a:rPr>
+              <a:t>WorldClim</a:t>
+            </a:r>
+          </a:p>
+          <a:p>
+            <a:pPr>
+              <a:defRPr/>
+            </a:pPr>
+            <a:endParaRPr lang="fr-FR" dirty="0">
+              <a:cs typeface="Calibri"/>
+            </a:endParaRPr>
           </a:p>
         </p:txBody>
       </p:sp>
@@ -2809,7 +5974,7 @@
 
 <file path=ppt/slideLayouts/slideLayout1.xml><?xml version="1.0" encoding="utf-8"?>
 <p:sldLayout xmlns:a="http://schemas.openxmlformats.org/drawingml/2006/main" xmlns:r="http://schemas.openxmlformats.org/officeDocument/2006/relationships" xmlns:p="http://schemas.openxmlformats.org/presentationml/2006/main" type="title" preserve="1">
-  <p:cSld name="Diapositive de titre">
+  <p:cSld name="Title Slide">
     <p:spTree>
       <p:nvGrpSpPr>
         <p:cNvPr id="1" name=""/>
@@ -2826,13 +5991,7 @@
       </p:grpSpPr>
       <p:sp>
         <p:nvSpPr>
-          <p:cNvPr id="2" name="Titre 1">
-            <a:extLst>
-              <a:ext uri="{FF2B5EF4-FFF2-40B4-BE49-F238E27FC236}">
-                <a16:creationId xmlns:a16="http://schemas.microsoft.com/office/drawing/2014/main" id="{F18A9192-9E05-CD82-C475-A5B756F23581}"/>
-              </a:ext>
-            </a:extLst>
-          </p:cNvPr>
+          <p:cNvPr id="2" name="Title 1"/>
           <p:cNvSpPr>
             <a:spLocks noGrp="1"/>
           </p:cNvSpPr>
@@ -2855,21 +6014,15 @@
           </a:lstStyle>
           <a:p>
             <a:r>
-              <a:rPr lang="fr-FR"/>
-              <a:t>Modifiez le style du titre</a:t>
-            </a:r>
-          </a:p>
-        </p:txBody>
-      </p:sp>
-      <p:sp>
-        <p:nvSpPr>
-          <p:cNvPr id="3" name="Sous-titre 2">
-            <a:extLst>
-              <a:ext uri="{FF2B5EF4-FFF2-40B4-BE49-F238E27FC236}">
-                <a16:creationId xmlns:a16="http://schemas.microsoft.com/office/drawing/2014/main" id="{D2B474AB-5FA6-B1F6-2036-2EBF75D23624}"/>
-              </a:ext>
-            </a:extLst>
-          </p:cNvPr>
+              <a:rPr lang="en-US" dirty="0"/>
+              <a:t>Click to edit Master title style</a:t>
+            </a:r>
+          </a:p>
+        </p:txBody>
+      </p:sp>
+      <p:sp>
+        <p:nvSpPr>
+          <p:cNvPr id="3" name="Subtitle 2"/>
           <p:cNvSpPr>
             <a:spLocks noGrp="1"/>
           </p:cNvSpPr>
@@ -2925,21 +6078,15 @@
           </a:lstStyle>
           <a:p>
             <a:r>
-              <a:rPr lang="fr-FR"/>
-              <a:t>Modifiez le style des sous-titres du masque</a:t>
-            </a:r>
-          </a:p>
-        </p:txBody>
-      </p:sp>
-      <p:sp>
-        <p:nvSpPr>
-          <p:cNvPr id="4" name="Espace réservé de la date 3">
-            <a:extLst>
-              <a:ext uri="{FF2B5EF4-FFF2-40B4-BE49-F238E27FC236}">
-                <a16:creationId xmlns:a16="http://schemas.microsoft.com/office/drawing/2014/main" id="{53EC2537-54AE-D52F-F146-82A40893E539}"/>
-              </a:ext>
-            </a:extLst>
-          </p:cNvPr>
+              <a:rPr lang="en-US" dirty="0"/>
+              <a:t>Click to edit Master subtitle style</a:t>
+            </a:r>
+          </a:p>
+        </p:txBody>
+      </p:sp>
+      <p:sp>
+        <p:nvSpPr>
+          <p:cNvPr id="4" name="Date Placeholder 3"/>
           <p:cNvSpPr>
             <a:spLocks noGrp="1"/>
           </p:cNvSpPr>
@@ -2952,23 +6099,17 @@
           <a:bodyPr/>
           <a:lstStyle/>
           <a:p>
-            <a:fld id="{055024CE-7EF5-4F52-A99A-A29A06139A9F}" type="datetimeFigureOut">
-              <a:rPr lang="fr-FR" smtClean="0"/>
-              <a:t>13/05/2023</a:t>
+            <a:fld id="{C764DE79-268F-4C1A-8933-263129D2AF90}" type="datetimeFigureOut">
+              <a:rPr lang="en-US" dirty="0"/>
+              <a:t>5/16/2023</a:t>
             </a:fld>
-            <a:endParaRPr lang="fr-FR"/>
-          </a:p>
-        </p:txBody>
-      </p:sp>
-      <p:sp>
-        <p:nvSpPr>
-          <p:cNvPr id="5" name="Espace réservé du pied de page 4">
-            <a:extLst>
-              <a:ext uri="{FF2B5EF4-FFF2-40B4-BE49-F238E27FC236}">
-                <a16:creationId xmlns:a16="http://schemas.microsoft.com/office/drawing/2014/main" id="{E05ED3CE-FD2C-791E-0F6C-624D2C0E906A}"/>
-              </a:ext>
-            </a:extLst>
-          </p:cNvPr>
+            <a:endParaRPr lang="en-US" dirty="0"/>
+          </a:p>
+        </p:txBody>
+      </p:sp>
+      <p:sp>
+        <p:nvSpPr>
+          <p:cNvPr id="5" name="Footer Placeholder 4"/>
           <p:cNvSpPr>
             <a:spLocks noGrp="1"/>
           </p:cNvSpPr>
@@ -2981,19 +6122,13 @@
           <a:bodyPr/>
           <a:lstStyle/>
           <a:p>
-            <a:endParaRPr lang="fr-FR"/>
-          </a:p>
-        </p:txBody>
-      </p:sp>
-      <p:sp>
-        <p:nvSpPr>
-          <p:cNvPr id="6" name="Espace réservé du numéro de diapositive 5">
-            <a:extLst>
-              <a:ext uri="{FF2B5EF4-FFF2-40B4-BE49-F238E27FC236}">
-                <a16:creationId xmlns:a16="http://schemas.microsoft.com/office/drawing/2014/main" id="{BA63B81F-CD2D-8DBE-3E3C-F2F9EC5E332D}"/>
-              </a:ext>
-            </a:extLst>
-          </p:cNvPr>
+            <a:endParaRPr lang="en-US" dirty="0"/>
+          </a:p>
+        </p:txBody>
+      </p:sp>
+      <p:sp>
+        <p:nvSpPr>
+          <p:cNvPr id="6" name="Slide Number Placeholder 5"/>
           <p:cNvSpPr>
             <a:spLocks noGrp="1"/>
           </p:cNvSpPr>
@@ -3006,18 +6141,18 @@
           <a:bodyPr/>
           <a:lstStyle/>
           <a:p>
-            <a:fld id="{DA5CE7D3-1C9C-46D3-81A7-AF34BA20FBA8}" type="slidenum">
-              <a:rPr lang="fr-FR" smtClean="0"/>
-              <a:t>‹N°›</a:t>
+            <a:fld id="{48F63A3B-78C7-47BE-AE5E-E10140E04643}" type="slidenum">
+              <a:rPr lang="en-US" dirty="0"/>
+              <a:t>‹#›</a:t>
             </a:fld>
-            <a:endParaRPr lang="fr-FR"/>
+            <a:endParaRPr lang="en-US" dirty="0"/>
           </a:p>
         </p:txBody>
       </p:sp>
     </p:spTree>
     <p:extLst>
       <p:ext uri="{BB962C8B-B14F-4D97-AF65-F5344CB8AC3E}">
-        <p14:creationId xmlns:p14="http://schemas.microsoft.com/office/powerpoint/2010/main" val="1588481707"/>
+        <p14:creationId xmlns:p14="http://schemas.microsoft.com/office/powerpoint/2010/main" val="1872587899"/>
       </p:ext>
     </p:extLst>
   </p:cSld>
@@ -3029,7 +6164,7 @@
 
 <file path=ppt/slideLayouts/slideLayout10.xml><?xml version="1.0" encoding="utf-8"?>
 <p:sldLayout xmlns:a="http://schemas.openxmlformats.org/drawingml/2006/main" xmlns:r="http://schemas.openxmlformats.org/officeDocument/2006/relationships" xmlns:p="http://schemas.openxmlformats.org/presentationml/2006/main" type="vertTx" preserve="1">
-  <p:cSld name="Titre et texte vertical">
+  <p:cSld name="Title and Vertical Text">
     <p:spTree>
       <p:nvGrpSpPr>
         <p:cNvPr id="1" name=""/>
@@ -3046,13 +6181,7 @@
       </p:grpSpPr>
       <p:sp>
         <p:nvSpPr>
-          <p:cNvPr id="2" name="Titre 1">
-            <a:extLst>
-              <a:ext uri="{FF2B5EF4-FFF2-40B4-BE49-F238E27FC236}">
-                <a16:creationId xmlns:a16="http://schemas.microsoft.com/office/drawing/2014/main" id="{6C7D249B-8E33-5C10-9D7D-F30C829607CB}"/>
-              </a:ext>
-            </a:extLst>
-          </p:cNvPr>
+          <p:cNvPr id="2" name="Title 1"/>
           <p:cNvSpPr>
             <a:spLocks noGrp="1"/>
           </p:cNvSpPr>
@@ -3066,21 +6195,15 @@
           <a:lstStyle/>
           <a:p>
             <a:r>
-              <a:rPr lang="fr-FR"/>
-              <a:t>Modifiez le style du titre</a:t>
-            </a:r>
-          </a:p>
-        </p:txBody>
-      </p:sp>
-      <p:sp>
-        <p:nvSpPr>
-          <p:cNvPr id="3" name="Espace réservé du texte vertical 2">
-            <a:extLst>
-              <a:ext uri="{FF2B5EF4-FFF2-40B4-BE49-F238E27FC236}">
-                <a16:creationId xmlns:a16="http://schemas.microsoft.com/office/drawing/2014/main" id="{00DD022B-9528-74B8-FA6D-567E1C469BA8}"/>
-              </a:ext>
-            </a:extLst>
-          </p:cNvPr>
+              <a:rPr lang="en-US" dirty="0"/>
+              <a:t>Click to edit Master title style</a:t>
+            </a:r>
+          </a:p>
+        </p:txBody>
+      </p:sp>
+      <p:sp>
+        <p:nvSpPr>
+          <p:cNvPr id="3" name="Vertical Text Placeholder 2"/>
           <p:cNvSpPr>
             <a:spLocks noGrp="1"/>
           </p:cNvSpPr>
@@ -3095,49 +6218,43 @@
           <a:p>
             <a:pPr lvl="0"/>
             <a:r>
-              <a:rPr lang="fr-FR"/>
-              <a:t>Cliquez pour modifier les styles du texte du masque</a:t>
+              <a:rPr lang="en-US" dirty="0"/>
+              <a:t>Click to edit Master text styles</a:t>
             </a:r>
           </a:p>
           <a:p>
             <a:pPr lvl="1"/>
             <a:r>
-              <a:rPr lang="fr-FR"/>
-              <a:t>Deuxième niveau</a:t>
+              <a:rPr lang="en-US" dirty="0"/>
+              <a:t>Second level</a:t>
             </a:r>
           </a:p>
           <a:p>
             <a:pPr lvl="2"/>
             <a:r>
-              <a:rPr lang="fr-FR"/>
-              <a:t>Troisième niveau</a:t>
+              <a:rPr lang="en-US" dirty="0"/>
+              <a:t>Third level</a:t>
             </a:r>
           </a:p>
           <a:p>
             <a:pPr lvl="3"/>
             <a:r>
-              <a:rPr lang="fr-FR"/>
-              <a:t>Quatrième niveau</a:t>
+              <a:rPr lang="en-US" dirty="0"/>
+              <a:t>Fourth level</a:t>
             </a:r>
           </a:p>
           <a:p>
             <a:pPr lvl="4"/>
             <a:r>
-              <a:rPr lang="fr-FR"/>
-              <a:t>Cinquième niveau</a:t>
-            </a:r>
-          </a:p>
-        </p:txBody>
-      </p:sp>
-      <p:sp>
-        <p:nvSpPr>
-          <p:cNvPr id="4" name="Espace réservé de la date 3">
-            <a:extLst>
-              <a:ext uri="{FF2B5EF4-FFF2-40B4-BE49-F238E27FC236}">
-                <a16:creationId xmlns:a16="http://schemas.microsoft.com/office/drawing/2014/main" id="{149AE206-CEB3-12BA-9B4D-45420B52F106}"/>
-              </a:ext>
-            </a:extLst>
-          </p:cNvPr>
+              <a:rPr lang="en-US" dirty="0"/>
+              <a:t>Fifth level</a:t>
+            </a:r>
+          </a:p>
+        </p:txBody>
+      </p:sp>
+      <p:sp>
+        <p:nvSpPr>
+          <p:cNvPr id="4" name="Date Placeholder 3"/>
           <p:cNvSpPr>
             <a:spLocks noGrp="1"/>
           </p:cNvSpPr>
@@ -3150,23 +6267,17 @@
           <a:bodyPr/>
           <a:lstStyle/>
           <a:p>
-            <a:fld id="{055024CE-7EF5-4F52-A99A-A29A06139A9F}" type="datetimeFigureOut">
-              <a:rPr lang="fr-FR" smtClean="0"/>
-              <a:t>13/05/2023</a:t>
+            <a:fld id="{C764DE79-268F-4C1A-8933-263129D2AF90}" type="datetimeFigureOut">
+              <a:rPr lang="en-US" dirty="0"/>
+              <a:t>5/16/2023</a:t>
             </a:fld>
-            <a:endParaRPr lang="fr-FR"/>
-          </a:p>
-        </p:txBody>
-      </p:sp>
-      <p:sp>
-        <p:nvSpPr>
-          <p:cNvPr id="5" name="Espace réservé du pied de page 4">
-            <a:extLst>
-              <a:ext uri="{FF2B5EF4-FFF2-40B4-BE49-F238E27FC236}">
-                <a16:creationId xmlns:a16="http://schemas.microsoft.com/office/drawing/2014/main" id="{1E514E6A-2A39-C480-94C2-E838B4E3DAB4}"/>
-              </a:ext>
-            </a:extLst>
-          </p:cNvPr>
+            <a:endParaRPr lang="en-US" dirty="0"/>
+          </a:p>
+        </p:txBody>
+      </p:sp>
+      <p:sp>
+        <p:nvSpPr>
+          <p:cNvPr id="5" name="Footer Placeholder 4"/>
           <p:cNvSpPr>
             <a:spLocks noGrp="1"/>
           </p:cNvSpPr>
@@ -3179,19 +6290,13 @@
           <a:bodyPr/>
           <a:lstStyle/>
           <a:p>
-            <a:endParaRPr lang="fr-FR"/>
-          </a:p>
-        </p:txBody>
-      </p:sp>
-      <p:sp>
-        <p:nvSpPr>
-          <p:cNvPr id="6" name="Espace réservé du numéro de diapositive 5">
-            <a:extLst>
-              <a:ext uri="{FF2B5EF4-FFF2-40B4-BE49-F238E27FC236}">
-                <a16:creationId xmlns:a16="http://schemas.microsoft.com/office/drawing/2014/main" id="{90C06D60-1142-AB91-2B0F-367C6DB1B485}"/>
-              </a:ext>
-            </a:extLst>
-          </p:cNvPr>
+            <a:endParaRPr lang="en-US" dirty="0"/>
+          </a:p>
+        </p:txBody>
+      </p:sp>
+      <p:sp>
+        <p:nvSpPr>
+          <p:cNvPr id="6" name="Slide Number Placeholder 5"/>
           <p:cNvSpPr>
             <a:spLocks noGrp="1"/>
           </p:cNvSpPr>
@@ -3204,18 +6309,18 @@
           <a:bodyPr/>
           <a:lstStyle/>
           <a:p>
-            <a:fld id="{DA5CE7D3-1C9C-46D3-81A7-AF34BA20FBA8}" type="slidenum">
-              <a:rPr lang="fr-FR" smtClean="0"/>
-              <a:t>‹N°›</a:t>
+            <a:fld id="{48F63A3B-78C7-47BE-AE5E-E10140E04643}" type="slidenum">
+              <a:rPr lang="en-US" dirty="0"/>
+              <a:t>‹#›</a:t>
             </a:fld>
-            <a:endParaRPr lang="fr-FR"/>
+            <a:endParaRPr lang="en-US" dirty="0"/>
           </a:p>
         </p:txBody>
       </p:sp>
     </p:spTree>
     <p:extLst>
       <p:ext uri="{BB962C8B-B14F-4D97-AF65-F5344CB8AC3E}">
-        <p14:creationId xmlns:p14="http://schemas.microsoft.com/office/powerpoint/2010/main" val="359505066"/>
+        <p14:creationId xmlns:p14="http://schemas.microsoft.com/office/powerpoint/2010/main" val="3618645705"/>
       </p:ext>
     </p:extLst>
   </p:cSld>
@@ -3227,7 +6332,7 @@
 
 <file path=ppt/slideLayouts/slideLayout11.xml><?xml version="1.0" encoding="utf-8"?>
 <p:sldLayout xmlns:a="http://schemas.openxmlformats.org/drawingml/2006/main" xmlns:r="http://schemas.openxmlformats.org/officeDocument/2006/relationships" xmlns:p="http://schemas.openxmlformats.org/presentationml/2006/main" type="vertTitleAndTx" preserve="1">
-  <p:cSld name="Titre vertical et texte">
+  <p:cSld name="Vertical Title and Text">
     <p:spTree>
       <p:nvGrpSpPr>
         <p:cNvPr id="1" name=""/>
@@ -3244,13 +6349,7 @@
       </p:grpSpPr>
       <p:sp>
         <p:nvSpPr>
-          <p:cNvPr id="2" name="Titre vertical 1">
-            <a:extLst>
-              <a:ext uri="{FF2B5EF4-FFF2-40B4-BE49-F238E27FC236}">
-                <a16:creationId xmlns:a16="http://schemas.microsoft.com/office/drawing/2014/main" id="{8B1B031C-9065-F3DF-560B-4F909F5AC562}"/>
-              </a:ext>
-            </a:extLst>
-          </p:cNvPr>
+          <p:cNvPr id="2" name="Vertical Title 1"/>
           <p:cNvSpPr>
             <a:spLocks noGrp="1"/>
           </p:cNvSpPr>
@@ -3269,21 +6368,15 @@
           <a:lstStyle/>
           <a:p>
             <a:r>
-              <a:rPr lang="fr-FR"/>
-              <a:t>Modifiez le style du titre</a:t>
-            </a:r>
-          </a:p>
-        </p:txBody>
-      </p:sp>
-      <p:sp>
-        <p:nvSpPr>
-          <p:cNvPr id="3" name="Espace réservé du texte vertical 2">
-            <a:extLst>
-              <a:ext uri="{FF2B5EF4-FFF2-40B4-BE49-F238E27FC236}">
-                <a16:creationId xmlns:a16="http://schemas.microsoft.com/office/drawing/2014/main" id="{C1B0B340-D704-3632-6F18-738A8738EDA7}"/>
-              </a:ext>
-            </a:extLst>
-          </p:cNvPr>
+              <a:rPr lang="en-US" dirty="0"/>
+              <a:t>Click to edit Master title style</a:t>
+            </a:r>
+          </a:p>
+        </p:txBody>
+      </p:sp>
+      <p:sp>
+        <p:nvSpPr>
+          <p:cNvPr id="3" name="Vertical Text Placeholder 2"/>
           <p:cNvSpPr>
             <a:spLocks noGrp="1"/>
           </p:cNvSpPr>
@@ -3303,49 +6396,43 @@
           <a:p>
             <a:pPr lvl="0"/>
             <a:r>
-              <a:rPr lang="fr-FR"/>
-              <a:t>Cliquez pour modifier les styles du texte du masque</a:t>
+              <a:rPr lang="en-US" dirty="0"/>
+              <a:t>Click to edit Master text styles</a:t>
             </a:r>
           </a:p>
           <a:p>
             <a:pPr lvl="1"/>
             <a:r>
-              <a:rPr lang="fr-FR"/>
-              <a:t>Deuxième niveau</a:t>
+              <a:rPr lang="en-US" dirty="0"/>
+              <a:t>Second level</a:t>
             </a:r>
           </a:p>
           <a:p>
             <a:pPr lvl="2"/>
             <a:r>
-              <a:rPr lang="fr-FR"/>
-              <a:t>Troisième niveau</a:t>
+              <a:rPr lang="en-US" dirty="0"/>
+              <a:t>Third level</a:t>
             </a:r>
           </a:p>
           <a:p>
             <a:pPr lvl="3"/>
             <a:r>
-              <a:rPr lang="fr-FR"/>
-              <a:t>Quatrième niveau</a:t>
+              <a:rPr lang="en-US" dirty="0"/>
+              <a:t>Fourth level</a:t>
             </a:r>
           </a:p>
           <a:p>
             <a:pPr lvl="4"/>
             <a:r>
-              <a:rPr lang="fr-FR"/>
-              <a:t>Cinquième niveau</a:t>
-            </a:r>
-          </a:p>
-        </p:txBody>
-      </p:sp>
-      <p:sp>
-        <p:nvSpPr>
-          <p:cNvPr id="4" name="Espace réservé de la date 3">
-            <a:extLst>
-              <a:ext uri="{FF2B5EF4-FFF2-40B4-BE49-F238E27FC236}">
-                <a16:creationId xmlns:a16="http://schemas.microsoft.com/office/drawing/2014/main" id="{33E18757-3327-F335-95EA-7025029B8878}"/>
-              </a:ext>
-            </a:extLst>
-          </p:cNvPr>
+              <a:rPr lang="en-US" dirty="0"/>
+              <a:t>Fifth level</a:t>
+            </a:r>
+          </a:p>
+        </p:txBody>
+      </p:sp>
+      <p:sp>
+        <p:nvSpPr>
+          <p:cNvPr id="4" name="Date Placeholder 3"/>
           <p:cNvSpPr>
             <a:spLocks noGrp="1"/>
           </p:cNvSpPr>
@@ -3358,23 +6445,17 @@
           <a:bodyPr/>
           <a:lstStyle/>
           <a:p>
-            <a:fld id="{055024CE-7EF5-4F52-A99A-A29A06139A9F}" type="datetimeFigureOut">
-              <a:rPr lang="fr-FR" smtClean="0"/>
-              <a:t>13/05/2023</a:t>
+            <a:fld id="{C764DE79-268F-4C1A-8933-263129D2AF90}" type="datetimeFigureOut">
+              <a:rPr lang="en-US" dirty="0"/>
+              <a:t>5/16/2023</a:t>
             </a:fld>
-            <a:endParaRPr lang="fr-FR"/>
-          </a:p>
-        </p:txBody>
-      </p:sp>
-      <p:sp>
-        <p:nvSpPr>
-          <p:cNvPr id="5" name="Espace réservé du pied de page 4">
-            <a:extLst>
-              <a:ext uri="{FF2B5EF4-FFF2-40B4-BE49-F238E27FC236}">
-                <a16:creationId xmlns:a16="http://schemas.microsoft.com/office/drawing/2014/main" id="{71C8BE22-92A5-5D2C-481B-41E0DAD369A1}"/>
-              </a:ext>
-            </a:extLst>
-          </p:cNvPr>
+            <a:endParaRPr lang="en-US" dirty="0"/>
+          </a:p>
+        </p:txBody>
+      </p:sp>
+      <p:sp>
+        <p:nvSpPr>
+          <p:cNvPr id="5" name="Footer Placeholder 4"/>
           <p:cNvSpPr>
             <a:spLocks noGrp="1"/>
           </p:cNvSpPr>
@@ -3387,19 +6468,13 @@
           <a:bodyPr/>
           <a:lstStyle/>
           <a:p>
-            <a:endParaRPr lang="fr-FR"/>
-          </a:p>
-        </p:txBody>
-      </p:sp>
-      <p:sp>
-        <p:nvSpPr>
-          <p:cNvPr id="6" name="Espace réservé du numéro de diapositive 5">
-            <a:extLst>
-              <a:ext uri="{FF2B5EF4-FFF2-40B4-BE49-F238E27FC236}">
-                <a16:creationId xmlns:a16="http://schemas.microsoft.com/office/drawing/2014/main" id="{3155C92B-8726-4366-0244-88D8425CA218}"/>
-              </a:ext>
-            </a:extLst>
-          </p:cNvPr>
+            <a:endParaRPr lang="en-US" dirty="0"/>
+          </a:p>
+        </p:txBody>
+      </p:sp>
+      <p:sp>
+        <p:nvSpPr>
+          <p:cNvPr id="6" name="Slide Number Placeholder 5"/>
           <p:cNvSpPr>
             <a:spLocks noGrp="1"/>
           </p:cNvSpPr>
@@ -3412,18 +6487,18 @@
           <a:bodyPr/>
           <a:lstStyle/>
           <a:p>
-            <a:fld id="{DA5CE7D3-1C9C-46D3-81A7-AF34BA20FBA8}" type="slidenum">
-              <a:rPr lang="fr-FR" smtClean="0"/>
-              <a:t>‹N°›</a:t>
+            <a:fld id="{48F63A3B-78C7-47BE-AE5E-E10140E04643}" type="slidenum">
+              <a:rPr lang="en-US" dirty="0"/>
+              <a:t>‹#›</a:t>
             </a:fld>
-            <a:endParaRPr lang="fr-FR"/>
+            <a:endParaRPr lang="en-US" dirty="0"/>
           </a:p>
         </p:txBody>
       </p:sp>
     </p:spTree>
     <p:extLst>
       <p:ext uri="{BB962C8B-B14F-4D97-AF65-F5344CB8AC3E}">
-        <p14:creationId xmlns:p14="http://schemas.microsoft.com/office/powerpoint/2010/main" val="2797131886"/>
+        <p14:creationId xmlns:p14="http://schemas.microsoft.com/office/powerpoint/2010/main" val="1623943151"/>
       </p:ext>
     </p:extLst>
   </p:cSld>
@@ -3435,7 +6510,7 @@
 
 <file path=ppt/slideLayouts/slideLayout2.xml><?xml version="1.0" encoding="utf-8"?>
 <p:sldLayout xmlns:a="http://schemas.openxmlformats.org/drawingml/2006/main" xmlns:r="http://schemas.openxmlformats.org/officeDocument/2006/relationships" xmlns:p="http://schemas.openxmlformats.org/presentationml/2006/main" type="obj" preserve="1">
-  <p:cSld name="Titre et contenu">
+  <p:cSld name="Title and Content">
     <p:spTree>
       <p:nvGrpSpPr>
         <p:cNvPr id="1" name=""/>
@@ -3452,13 +6527,7 @@
       </p:grpSpPr>
       <p:sp>
         <p:nvSpPr>
-          <p:cNvPr id="2" name="Titre 1">
-            <a:extLst>
-              <a:ext uri="{FF2B5EF4-FFF2-40B4-BE49-F238E27FC236}">
-                <a16:creationId xmlns:a16="http://schemas.microsoft.com/office/drawing/2014/main" id="{5D641419-03E9-B4E8-27E5-2282E1DC0449}"/>
-              </a:ext>
-            </a:extLst>
-          </p:cNvPr>
+          <p:cNvPr id="2" name="Title 1"/>
           <p:cNvSpPr>
             <a:spLocks noGrp="1"/>
           </p:cNvSpPr>
@@ -3472,21 +6541,15 @@
           <a:lstStyle/>
           <a:p>
             <a:r>
-              <a:rPr lang="fr-FR"/>
-              <a:t>Modifiez le style du titre</a:t>
-            </a:r>
-          </a:p>
-        </p:txBody>
-      </p:sp>
-      <p:sp>
-        <p:nvSpPr>
-          <p:cNvPr id="3" name="Espace réservé du contenu 2">
-            <a:extLst>
-              <a:ext uri="{FF2B5EF4-FFF2-40B4-BE49-F238E27FC236}">
-                <a16:creationId xmlns:a16="http://schemas.microsoft.com/office/drawing/2014/main" id="{DD8822E1-D804-F163-FCC7-51003616913A}"/>
-              </a:ext>
-            </a:extLst>
-          </p:cNvPr>
+              <a:rPr lang="en-US" dirty="0"/>
+              <a:t>Click to edit Master title style</a:t>
+            </a:r>
+          </a:p>
+        </p:txBody>
+      </p:sp>
+      <p:sp>
+        <p:nvSpPr>
+          <p:cNvPr id="3" name="Content Placeholder 2"/>
           <p:cNvSpPr>
             <a:spLocks noGrp="1"/>
           </p:cNvSpPr>
@@ -3501,49 +6564,43 @@
           <a:p>
             <a:pPr lvl="0"/>
             <a:r>
-              <a:rPr lang="fr-FR"/>
-              <a:t>Cliquez pour modifier les styles du texte du masque</a:t>
+              <a:rPr lang="en-US" dirty="0"/>
+              <a:t>Click to edit Master text styles</a:t>
             </a:r>
           </a:p>
           <a:p>
             <a:pPr lvl="1"/>
             <a:r>
-              <a:rPr lang="fr-FR"/>
-              <a:t>Deuxième niveau</a:t>
+              <a:rPr lang="en-US" dirty="0"/>
+              <a:t>Second level</a:t>
             </a:r>
           </a:p>
           <a:p>
             <a:pPr lvl="2"/>
             <a:r>
-              <a:rPr lang="fr-FR"/>
-              <a:t>Troisième niveau</a:t>
+              <a:rPr lang="en-US" dirty="0"/>
+              <a:t>Third level</a:t>
             </a:r>
           </a:p>
           <a:p>
             <a:pPr lvl="3"/>
             <a:r>
-              <a:rPr lang="fr-FR"/>
-              <a:t>Quatrième niveau</a:t>
+              <a:rPr lang="en-US" dirty="0"/>
+              <a:t>Fourth level</a:t>
             </a:r>
           </a:p>
           <a:p>
             <a:pPr lvl="4"/>
             <a:r>
-              <a:rPr lang="fr-FR"/>
-              <a:t>Cinquième niveau</a:t>
-            </a:r>
-          </a:p>
-        </p:txBody>
-      </p:sp>
-      <p:sp>
-        <p:nvSpPr>
-          <p:cNvPr id="4" name="Espace réservé de la date 3">
-            <a:extLst>
-              <a:ext uri="{FF2B5EF4-FFF2-40B4-BE49-F238E27FC236}">
-                <a16:creationId xmlns:a16="http://schemas.microsoft.com/office/drawing/2014/main" id="{1ED7DCAF-C453-7ADC-41CD-DDA2434A63D0}"/>
-              </a:ext>
-            </a:extLst>
-          </p:cNvPr>
+              <a:rPr lang="en-US" dirty="0"/>
+              <a:t>Fifth level</a:t>
+            </a:r>
+          </a:p>
+        </p:txBody>
+      </p:sp>
+      <p:sp>
+        <p:nvSpPr>
+          <p:cNvPr id="4" name="Date Placeholder 3"/>
           <p:cNvSpPr>
             <a:spLocks noGrp="1"/>
           </p:cNvSpPr>
@@ -3556,23 +6613,17 @@
           <a:bodyPr/>
           <a:lstStyle/>
           <a:p>
-            <a:fld id="{055024CE-7EF5-4F52-A99A-A29A06139A9F}" type="datetimeFigureOut">
-              <a:rPr lang="fr-FR" smtClean="0"/>
-              <a:t>13/05/2023</a:t>
+            <a:fld id="{C764DE79-268F-4C1A-8933-263129D2AF90}" type="datetimeFigureOut">
+              <a:rPr lang="en-US" dirty="0"/>
+              <a:t>5/16/2023</a:t>
             </a:fld>
-            <a:endParaRPr lang="fr-FR"/>
-          </a:p>
-        </p:txBody>
-      </p:sp>
-      <p:sp>
-        <p:nvSpPr>
-          <p:cNvPr id="5" name="Espace réservé du pied de page 4">
-            <a:extLst>
-              <a:ext uri="{FF2B5EF4-FFF2-40B4-BE49-F238E27FC236}">
-                <a16:creationId xmlns:a16="http://schemas.microsoft.com/office/drawing/2014/main" id="{78825CE3-C8EC-7FEC-438E-16FF62494686}"/>
-              </a:ext>
-            </a:extLst>
-          </p:cNvPr>
+            <a:endParaRPr lang="en-US" dirty="0"/>
+          </a:p>
+        </p:txBody>
+      </p:sp>
+      <p:sp>
+        <p:nvSpPr>
+          <p:cNvPr id="5" name="Footer Placeholder 4"/>
           <p:cNvSpPr>
             <a:spLocks noGrp="1"/>
           </p:cNvSpPr>
@@ -3585,19 +6636,13 @@
           <a:bodyPr/>
           <a:lstStyle/>
           <a:p>
-            <a:endParaRPr lang="fr-FR"/>
-          </a:p>
-        </p:txBody>
-      </p:sp>
-      <p:sp>
-        <p:nvSpPr>
-          <p:cNvPr id="6" name="Espace réservé du numéro de diapositive 5">
-            <a:extLst>
-              <a:ext uri="{FF2B5EF4-FFF2-40B4-BE49-F238E27FC236}">
-                <a16:creationId xmlns:a16="http://schemas.microsoft.com/office/drawing/2014/main" id="{44B1927F-498B-E8A7-5F47-7E51B3342FDB}"/>
-              </a:ext>
-            </a:extLst>
-          </p:cNvPr>
+            <a:endParaRPr lang="en-US" dirty="0"/>
+          </a:p>
+        </p:txBody>
+      </p:sp>
+      <p:sp>
+        <p:nvSpPr>
+          <p:cNvPr id="6" name="Slide Number Placeholder 5"/>
           <p:cNvSpPr>
             <a:spLocks noGrp="1"/>
           </p:cNvSpPr>
@@ -3610,18 +6655,18 @@
           <a:bodyPr/>
           <a:lstStyle/>
           <a:p>
-            <a:fld id="{DA5CE7D3-1C9C-46D3-81A7-AF34BA20FBA8}" type="slidenum">
-              <a:rPr lang="fr-FR" smtClean="0"/>
-              <a:t>‹N°›</a:t>
+            <a:fld id="{48F63A3B-78C7-47BE-AE5E-E10140E04643}" type="slidenum">
+              <a:rPr lang="en-US" dirty="0"/>
+              <a:t>‹#›</a:t>
             </a:fld>
-            <a:endParaRPr lang="fr-FR"/>
+            <a:endParaRPr lang="en-US" dirty="0"/>
           </a:p>
         </p:txBody>
       </p:sp>
     </p:spTree>
     <p:extLst>
       <p:ext uri="{BB962C8B-B14F-4D97-AF65-F5344CB8AC3E}">
-        <p14:creationId xmlns:p14="http://schemas.microsoft.com/office/powerpoint/2010/main" val="1163591101"/>
+        <p14:creationId xmlns:p14="http://schemas.microsoft.com/office/powerpoint/2010/main" val="4084447022"/>
       </p:ext>
     </p:extLst>
   </p:cSld>
@@ -3633,7 +6678,7 @@
 
 <file path=ppt/slideLayouts/slideLayout3.xml><?xml version="1.0" encoding="utf-8"?>
 <p:sldLayout xmlns:a="http://schemas.openxmlformats.org/drawingml/2006/main" xmlns:r="http://schemas.openxmlformats.org/officeDocument/2006/relationships" xmlns:p="http://schemas.openxmlformats.org/presentationml/2006/main" type="secHead" preserve="1">
-  <p:cSld name="Titre de section">
+  <p:cSld name="Section Header">
     <p:spTree>
       <p:nvGrpSpPr>
         <p:cNvPr id="1" name=""/>
@@ -3650,13 +6695,7 @@
       </p:grpSpPr>
       <p:sp>
         <p:nvSpPr>
-          <p:cNvPr id="2" name="Titre 1">
-            <a:extLst>
-              <a:ext uri="{FF2B5EF4-FFF2-40B4-BE49-F238E27FC236}">
-                <a16:creationId xmlns:a16="http://schemas.microsoft.com/office/drawing/2014/main" id="{50A2BF96-FD59-4F6E-4A8F-55488A69A9CC}"/>
-              </a:ext>
-            </a:extLst>
-          </p:cNvPr>
+          <p:cNvPr id="2" name="Title 1"/>
           <p:cNvSpPr>
             <a:spLocks noGrp="1"/>
           </p:cNvSpPr>
@@ -3679,21 +6718,15 @@
           </a:lstStyle>
           <a:p>
             <a:r>
-              <a:rPr lang="fr-FR"/>
-              <a:t>Modifiez le style du titre</a:t>
-            </a:r>
-          </a:p>
-        </p:txBody>
-      </p:sp>
-      <p:sp>
-        <p:nvSpPr>
-          <p:cNvPr id="3" name="Espace réservé du texte 2">
-            <a:extLst>
-              <a:ext uri="{FF2B5EF4-FFF2-40B4-BE49-F238E27FC236}">
-                <a16:creationId xmlns:a16="http://schemas.microsoft.com/office/drawing/2014/main" id="{6CB4DF5F-89B8-2C16-9FC7-B8B40630263C}"/>
-              </a:ext>
-            </a:extLst>
-          </p:cNvPr>
+              <a:rPr lang="en-US" dirty="0"/>
+              <a:t>Click to edit Master title style</a:t>
+            </a:r>
+          </a:p>
+        </p:txBody>
+      </p:sp>
+      <p:sp>
+        <p:nvSpPr>
+          <p:cNvPr id="3" name="Text Placeholder 2"/>
           <p:cNvSpPr>
             <a:spLocks noGrp="1"/>
           </p:cNvSpPr>
@@ -3804,21 +6837,15 @@
           <a:p>
             <a:pPr lvl="0"/>
             <a:r>
-              <a:rPr lang="fr-FR"/>
-              <a:t>Cliquez pour modifier les styles du texte du masque</a:t>
-            </a:r>
-          </a:p>
-        </p:txBody>
-      </p:sp>
-      <p:sp>
-        <p:nvSpPr>
-          <p:cNvPr id="4" name="Espace réservé de la date 3">
-            <a:extLst>
-              <a:ext uri="{FF2B5EF4-FFF2-40B4-BE49-F238E27FC236}">
-                <a16:creationId xmlns:a16="http://schemas.microsoft.com/office/drawing/2014/main" id="{B38119C6-6BD4-BDD4-1C20-0617DB2CDF76}"/>
-              </a:ext>
-            </a:extLst>
-          </p:cNvPr>
+              <a:rPr lang="en-US" dirty="0"/>
+              <a:t>Click to edit Master text styles</a:t>
+            </a:r>
+          </a:p>
+        </p:txBody>
+      </p:sp>
+      <p:sp>
+        <p:nvSpPr>
+          <p:cNvPr id="4" name="Date Placeholder 3"/>
           <p:cNvSpPr>
             <a:spLocks noGrp="1"/>
           </p:cNvSpPr>
@@ -3831,23 +6858,17 @@
           <a:bodyPr/>
           <a:lstStyle/>
           <a:p>
-            <a:fld id="{055024CE-7EF5-4F52-A99A-A29A06139A9F}" type="datetimeFigureOut">
-              <a:rPr lang="fr-FR" smtClean="0"/>
-              <a:t>13/05/2023</a:t>
+            <a:fld id="{C764DE79-268F-4C1A-8933-263129D2AF90}" type="datetimeFigureOut">
+              <a:rPr lang="en-US" dirty="0"/>
+              <a:t>5/16/2023</a:t>
             </a:fld>
-            <a:endParaRPr lang="fr-FR"/>
-          </a:p>
-        </p:txBody>
-      </p:sp>
-      <p:sp>
-        <p:nvSpPr>
-          <p:cNvPr id="5" name="Espace réservé du pied de page 4">
-            <a:extLst>
-              <a:ext uri="{FF2B5EF4-FFF2-40B4-BE49-F238E27FC236}">
-                <a16:creationId xmlns:a16="http://schemas.microsoft.com/office/drawing/2014/main" id="{CCED4FEE-3EFA-5AB1-AF37-798611EDB1BF}"/>
-              </a:ext>
-            </a:extLst>
-          </p:cNvPr>
+            <a:endParaRPr lang="en-US" dirty="0"/>
+          </a:p>
+        </p:txBody>
+      </p:sp>
+      <p:sp>
+        <p:nvSpPr>
+          <p:cNvPr id="5" name="Footer Placeholder 4"/>
           <p:cNvSpPr>
             <a:spLocks noGrp="1"/>
           </p:cNvSpPr>
@@ -3860,19 +6881,13 @@
           <a:bodyPr/>
           <a:lstStyle/>
           <a:p>
-            <a:endParaRPr lang="fr-FR"/>
-          </a:p>
-        </p:txBody>
-      </p:sp>
-      <p:sp>
-        <p:nvSpPr>
-          <p:cNvPr id="6" name="Espace réservé du numéro de diapositive 5">
-            <a:extLst>
-              <a:ext uri="{FF2B5EF4-FFF2-40B4-BE49-F238E27FC236}">
-                <a16:creationId xmlns:a16="http://schemas.microsoft.com/office/drawing/2014/main" id="{42278EB0-4DDE-40CA-486F-CC9B118E058D}"/>
-              </a:ext>
-            </a:extLst>
-          </p:cNvPr>
+            <a:endParaRPr lang="en-US" dirty="0"/>
+          </a:p>
+        </p:txBody>
+      </p:sp>
+      <p:sp>
+        <p:nvSpPr>
+          <p:cNvPr id="6" name="Slide Number Placeholder 5"/>
           <p:cNvSpPr>
             <a:spLocks noGrp="1"/>
           </p:cNvSpPr>
@@ -3885,18 +6900,18 @@
           <a:bodyPr/>
           <a:lstStyle/>
           <a:p>
-            <a:fld id="{DA5CE7D3-1C9C-46D3-81A7-AF34BA20FBA8}" type="slidenum">
-              <a:rPr lang="fr-FR" smtClean="0"/>
-              <a:t>‹N°›</a:t>
+            <a:fld id="{48F63A3B-78C7-47BE-AE5E-E10140E04643}" type="slidenum">
+              <a:rPr lang="en-US" dirty="0"/>
+              <a:t>‹#›</a:t>
             </a:fld>
-            <a:endParaRPr lang="fr-FR"/>
+            <a:endParaRPr lang="en-US" dirty="0"/>
           </a:p>
         </p:txBody>
       </p:sp>
     </p:spTree>
     <p:extLst>
       <p:ext uri="{BB962C8B-B14F-4D97-AF65-F5344CB8AC3E}">
-        <p14:creationId xmlns:p14="http://schemas.microsoft.com/office/powerpoint/2010/main" val="146743286"/>
+        <p14:creationId xmlns:p14="http://schemas.microsoft.com/office/powerpoint/2010/main" val="1361508616"/>
       </p:ext>
     </p:extLst>
   </p:cSld>
@@ -3908,7 +6923,7 @@
 
 <file path=ppt/slideLayouts/slideLayout4.xml><?xml version="1.0" encoding="utf-8"?>
 <p:sldLayout xmlns:a="http://schemas.openxmlformats.org/drawingml/2006/main" xmlns:r="http://schemas.openxmlformats.org/officeDocument/2006/relationships" xmlns:p="http://schemas.openxmlformats.org/presentationml/2006/main" type="twoObj" preserve="1">
-  <p:cSld name="Deux contenus">
+  <p:cSld name="Two Content">
     <p:spTree>
       <p:nvGrpSpPr>
         <p:cNvPr id="1" name=""/>
@@ -3925,13 +6940,7 @@
       </p:grpSpPr>
       <p:sp>
         <p:nvSpPr>
-          <p:cNvPr id="2" name="Titre 1">
-            <a:extLst>
-              <a:ext uri="{FF2B5EF4-FFF2-40B4-BE49-F238E27FC236}">
-                <a16:creationId xmlns:a16="http://schemas.microsoft.com/office/drawing/2014/main" id="{E3965E8E-8AE0-DC98-5D43-30BEA27D82F8}"/>
-              </a:ext>
-            </a:extLst>
-          </p:cNvPr>
+          <p:cNvPr id="2" name="Title 1"/>
           <p:cNvSpPr>
             <a:spLocks noGrp="1"/>
           </p:cNvSpPr>
@@ -3945,21 +6954,15 @@
           <a:lstStyle/>
           <a:p>
             <a:r>
-              <a:rPr lang="fr-FR"/>
-              <a:t>Modifiez le style du titre</a:t>
-            </a:r>
-          </a:p>
-        </p:txBody>
-      </p:sp>
-      <p:sp>
-        <p:nvSpPr>
-          <p:cNvPr id="3" name="Espace réservé du contenu 2">
-            <a:extLst>
-              <a:ext uri="{FF2B5EF4-FFF2-40B4-BE49-F238E27FC236}">
-                <a16:creationId xmlns:a16="http://schemas.microsoft.com/office/drawing/2014/main" id="{5AA1BC15-DE0F-91EB-D142-5EBEC1C7C57A}"/>
-              </a:ext>
-            </a:extLst>
-          </p:cNvPr>
+              <a:rPr lang="en-US" dirty="0"/>
+              <a:t>Click to edit Master title style</a:t>
+            </a:r>
+          </a:p>
+        </p:txBody>
+      </p:sp>
+      <p:sp>
+        <p:nvSpPr>
+          <p:cNvPr id="3" name="Content Placeholder 2"/>
           <p:cNvSpPr>
             <a:spLocks noGrp="1"/>
           </p:cNvSpPr>
@@ -3979,49 +6982,43 @@
           <a:p>
             <a:pPr lvl="0"/>
             <a:r>
-              <a:rPr lang="fr-FR"/>
-              <a:t>Cliquez pour modifier les styles du texte du masque</a:t>
+              <a:rPr lang="en-US" dirty="0"/>
+              <a:t>Click to edit Master text styles</a:t>
             </a:r>
           </a:p>
           <a:p>
             <a:pPr lvl="1"/>
             <a:r>
-              <a:rPr lang="fr-FR"/>
-              <a:t>Deuxième niveau</a:t>
+              <a:rPr lang="en-US" dirty="0"/>
+              <a:t>Second level</a:t>
             </a:r>
           </a:p>
           <a:p>
             <a:pPr lvl="2"/>
             <a:r>
-              <a:rPr lang="fr-FR"/>
-              <a:t>Troisième niveau</a:t>
+              <a:rPr lang="en-US" dirty="0"/>
+              <a:t>Third level</a:t>
             </a:r>
           </a:p>
           <a:p>
             <a:pPr lvl="3"/>
             <a:r>
-              <a:rPr lang="fr-FR"/>
-              <a:t>Quatrième niveau</a:t>
+              <a:rPr lang="en-US" dirty="0"/>
+              <a:t>Fourth level</a:t>
             </a:r>
           </a:p>
           <a:p>
             <a:pPr lvl="4"/>
             <a:r>
-              <a:rPr lang="fr-FR"/>
-              <a:t>Cinquième niveau</a:t>
-            </a:r>
-          </a:p>
-        </p:txBody>
-      </p:sp>
-      <p:sp>
-        <p:nvSpPr>
-          <p:cNvPr id="4" name="Espace réservé du contenu 3">
-            <a:extLst>
-              <a:ext uri="{FF2B5EF4-FFF2-40B4-BE49-F238E27FC236}">
-                <a16:creationId xmlns:a16="http://schemas.microsoft.com/office/drawing/2014/main" id="{39817DDA-1AD0-332F-0BB6-5F7754A1189D}"/>
-              </a:ext>
-            </a:extLst>
-          </p:cNvPr>
+              <a:rPr lang="en-US" dirty="0"/>
+              <a:t>Fifth level</a:t>
+            </a:r>
+          </a:p>
+        </p:txBody>
+      </p:sp>
+      <p:sp>
+        <p:nvSpPr>
+          <p:cNvPr id="4" name="Content Placeholder 3"/>
           <p:cNvSpPr>
             <a:spLocks noGrp="1"/>
           </p:cNvSpPr>
@@ -4041,49 +7038,43 @@
           <a:p>
             <a:pPr lvl="0"/>
             <a:r>
-              <a:rPr lang="fr-FR"/>
-              <a:t>Cliquez pour modifier les styles du texte du masque</a:t>
+              <a:rPr lang="en-US" dirty="0"/>
+              <a:t>Click to edit Master text styles</a:t>
             </a:r>
           </a:p>
           <a:p>
             <a:pPr lvl="1"/>
             <a:r>
-              <a:rPr lang="fr-FR"/>
-              <a:t>Deuxième niveau</a:t>
+              <a:rPr lang="en-US" dirty="0"/>
+              <a:t>Second level</a:t>
             </a:r>
           </a:p>
           <a:p>
             <a:pPr lvl="2"/>
             <a:r>
-              <a:rPr lang="fr-FR"/>
-              <a:t>Troisième niveau</a:t>
+              <a:rPr lang="en-US" dirty="0"/>
+              <a:t>Third level</a:t>
             </a:r>
           </a:p>
           <a:p>
             <a:pPr lvl="3"/>
             <a:r>
-              <a:rPr lang="fr-FR"/>
-              <a:t>Quatrième niveau</a:t>
+              <a:rPr lang="en-US" dirty="0"/>
+              <a:t>Fourth level</a:t>
             </a:r>
           </a:p>
           <a:p>
             <a:pPr lvl="4"/>
             <a:r>
-              <a:rPr lang="fr-FR"/>
-              <a:t>Cinquième niveau</a:t>
-            </a:r>
-          </a:p>
-        </p:txBody>
-      </p:sp>
-      <p:sp>
-        <p:nvSpPr>
-          <p:cNvPr id="5" name="Espace réservé de la date 4">
-            <a:extLst>
-              <a:ext uri="{FF2B5EF4-FFF2-40B4-BE49-F238E27FC236}">
-                <a16:creationId xmlns:a16="http://schemas.microsoft.com/office/drawing/2014/main" id="{FD32FF34-5A64-B614-8FF7-BEF43A3C44AE}"/>
-              </a:ext>
-            </a:extLst>
-          </p:cNvPr>
+              <a:rPr lang="en-US" dirty="0"/>
+              <a:t>Fifth level</a:t>
+            </a:r>
+          </a:p>
+        </p:txBody>
+      </p:sp>
+      <p:sp>
+        <p:nvSpPr>
+          <p:cNvPr id="5" name="Date Placeholder 4"/>
           <p:cNvSpPr>
             <a:spLocks noGrp="1"/>
           </p:cNvSpPr>
@@ -4096,23 +7087,17 @@
           <a:bodyPr/>
           <a:lstStyle/>
           <a:p>
-            <a:fld id="{055024CE-7EF5-4F52-A99A-A29A06139A9F}" type="datetimeFigureOut">
-              <a:rPr lang="fr-FR" smtClean="0"/>
-              <a:t>13/05/2023</a:t>
+            <a:fld id="{C764DE79-268F-4C1A-8933-263129D2AF90}" type="datetimeFigureOut">
+              <a:rPr lang="en-US" dirty="0"/>
+              <a:t>5/16/2023</a:t>
             </a:fld>
-            <a:endParaRPr lang="fr-FR"/>
-          </a:p>
-        </p:txBody>
-      </p:sp>
-      <p:sp>
-        <p:nvSpPr>
-          <p:cNvPr id="6" name="Espace réservé du pied de page 5">
-            <a:extLst>
-              <a:ext uri="{FF2B5EF4-FFF2-40B4-BE49-F238E27FC236}">
-                <a16:creationId xmlns:a16="http://schemas.microsoft.com/office/drawing/2014/main" id="{43FE8604-A987-BD8D-D494-E3AF8D9ADA0F}"/>
-              </a:ext>
-            </a:extLst>
-          </p:cNvPr>
+            <a:endParaRPr lang="en-US" dirty="0"/>
+          </a:p>
+        </p:txBody>
+      </p:sp>
+      <p:sp>
+        <p:nvSpPr>
+          <p:cNvPr id="6" name="Footer Placeholder 5"/>
           <p:cNvSpPr>
             <a:spLocks noGrp="1"/>
           </p:cNvSpPr>
@@ -4125,19 +7110,13 @@
           <a:bodyPr/>
           <a:lstStyle/>
           <a:p>
-            <a:endParaRPr lang="fr-FR"/>
-          </a:p>
-        </p:txBody>
-      </p:sp>
-      <p:sp>
-        <p:nvSpPr>
-          <p:cNvPr id="7" name="Espace réservé du numéro de diapositive 6">
-            <a:extLst>
-              <a:ext uri="{FF2B5EF4-FFF2-40B4-BE49-F238E27FC236}">
-                <a16:creationId xmlns:a16="http://schemas.microsoft.com/office/drawing/2014/main" id="{88685DF2-869A-7AE5-F1D8-F1E6423CA390}"/>
-              </a:ext>
-            </a:extLst>
-          </p:cNvPr>
+            <a:endParaRPr lang="en-US" dirty="0"/>
+          </a:p>
+        </p:txBody>
+      </p:sp>
+      <p:sp>
+        <p:nvSpPr>
+          <p:cNvPr id="7" name="Slide Number Placeholder 6"/>
           <p:cNvSpPr>
             <a:spLocks noGrp="1"/>
           </p:cNvSpPr>
@@ -4150,18 +7129,18 @@
           <a:bodyPr/>
           <a:lstStyle/>
           <a:p>
-            <a:fld id="{DA5CE7D3-1C9C-46D3-81A7-AF34BA20FBA8}" type="slidenum">
-              <a:rPr lang="fr-FR" smtClean="0"/>
-              <a:t>‹N°›</a:t>
+            <a:fld id="{48F63A3B-78C7-47BE-AE5E-E10140E04643}" type="slidenum">
+              <a:rPr lang="en-US" dirty="0"/>
+              <a:t>‹#›</a:t>
             </a:fld>
-            <a:endParaRPr lang="fr-FR"/>
+            <a:endParaRPr lang="en-US" dirty="0"/>
           </a:p>
         </p:txBody>
       </p:sp>
     </p:spTree>
     <p:extLst>
       <p:ext uri="{BB962C8B-B14F-4D97-AF65-F5344CB8AC3E}">
-        <p14:creationId xmlns:p14="http://schemas.microsoft.com/office/powerpoint/2010/main" val="497464882"/>
+        <p14:creationId xmlns:p14="http://schemas.microsoft.com/office/powerpoint/2010/main" val="2641878124"/>
       </p:ext>
     </p:extLst>
   </p:cSld>
@@ -4173,7 +7152,7 @@
 
 <file path=ppt/slideLayouts/slideLayout5.xml><?xml version="1.0" encoding="utf-8"?>
 <p:sldLayout xmlns:a="http://schemas.openxmlformats.org/drawingml/2006/main" xmlns:r="http://schemas.openxmlformats.org/officeDocument/2006/relationships" xmlns:p="http://schemas.openxmlformats.org/presentationml/2006/main" type="twoTxTwoObj" preserve="1">
-  <p:cSld name="Comparaison">
+  <p:cSld name="Comparison">
     <p:spTree>
       <p:nvGrpSpPr>
         <p:cNvPr id="1" name=""/>
@@ -4190,13 +7169,7 @@
       </p:grpSpPr>
       <p:sp>
         <p:nvSpPr>
-          <p:cNvPr id="2" name="Titre 1">
-            <a:extLst>
-              <a:ext uri="{FF2B5EF4-FFF2-40B4-BE49-F238E27FC236}">
-                <a16:creationId xmlns:a16="http://schemas.microsoft.com/office/drawing/2014/main" id="{67175248-7C87-AD4D-BB93-31A8E2661C6A}"/>
-              </a:ext>
-            </a:extLst>
-          </p:cNvPr>
+          <p:cNvPr id="2" name="Title 1"/>
           <p:cNvSpPr>
             <a:spLocks noGrp="1"/>
           </p:cNvSpPr>
@@ -4215,21 +7188,15 @@
           <a:lstStyle/>
           <a:p>
             <a:r>
-              <a:rPr lang="fr-FR"/>
-              <a:t>Modifiez le style du titre</a:t>
-            </a:r>
-          </a:p>
-        </p:txBody>
-      </p:sp>
-      <p:sp>
-        <p:nvSpPr>
-          <p:cNvPr id="3" name="Espace réservé du texte 2">
-            <a:extLst>
-              <a:ext uri="{FF2B5EF4-FFF2-40B4-BE49-F238E27FC236}">
-                <a16:creationId xmlns:a16="http://schemas.microsoft.com/office/drawing/2014/main" id="{82808377-8F25-FB9B-90AC-7568D0775FEC}"/>
-              </a:ext>
-            </a:extLst>
-          </p:cNvPr>
+              <a:rPr lang="en-US" dirty="0"/>
+              <a:t>Click to edit Master title style</a:t>
+            </a:r>
+          </a:p>
+        </p:txBody>
+      </p:sp>
+      <p:sp>
+        <p:nvSpPr>
+          <p:cNvPr id="3" name="Text Placeholder 2"/>
           <p:cNvSpPr>
             <a:spLocks noGrp="1"/>
           </p:cNvSpPr>
@@ -4286,21 +7253,15 @@
           <a:p>
             <a:pPr lvl="0"/>
             <a:r>
-              <a:rPr lang="fr-FR"/>
-              <a:t>Cliquez pour modifier les styles du texte du masque</a:t>
-            </a:r>
-          </a:p>
-        </p:txBody>
-      </p:sp>
-      <p:sp>
-        <p:nvSpPr>
-          <p:cNvPr id="4" name="Espace réservé du contenu 3">
-            <a:extLst>
-              <a:ext uri="{FF2B5EF4-FFF2-40B4-BE49-F238E27FC236}">
-                <a16:creationId xmlns:a16="http://schemas.microsoft.com/office/drawing/2014/main" id="{5EBA188A-32FA-E9AA-3295-C17C557EE7A5}"/>
-              </a:ext>
-            </a:extLst>
-          </p:cNvPr>
+              <a:rPr lang="en-US" dirty="0"/>
+              <a:t>Click to edit Master text styles</a:t>
+            </a:r>
+          </a:p>
+        </p:txBody>
+      </p:sp>
+      <p:sp>
+        <p:nvSpPr>
+          <p:cNvPr id="4" name="Content Placeholder 3"/>
           <p:cNvSpPr>
             <a:spLocks noGrp="1"/>
           </p:cNvSpPr>
@@ -4320,49 +7281,43 @@
           <a:p>
             <a:pPr lvl="0"/>
             <a:r>
-              <a:rPr lang="fr-FR"/>
-              <a:t>Cliquez pour modifier les styles du texte du masque</a:t>
+              <a:rPr lang="en-US" dirty="0"/>
+              <a:t>Click to edit Master text styles</a:t>
             </a:r>
           </a:p>
           <a:p>
             <a:pPr lvl="1"/>
             <a:r>
-              <a:rPr lang="fr-FR"/>
-              <a:t>Deuxième niveau</a:t>
+              <a:rPr lang="en-US" dirty="0"/>
+              <a:t>Second level</a:t>
             </a:r>
           </a:p>
           <a:p>
             <a:pPr lvl="2"/>
             <a:r>
-              <a:rPr lang="fr-FR"/>
-              <a:t>Troisième niveau</a:t>
+              <a:rPr lang="en-US" dirty="0"/>
+              <a:t>Third level</a:t>
             </a:r>
           </a:p>
           <a:p>
             <a:pPr lvl="3"/>
             <a:r>
-              <a:rPr lang="fr-FR"/>
-              <a:t>Quatrième niveau</a:t>
+              <a:rPr lang="en-US" dirty="0"/>
+              <a:t>Fourth level</a:t>
             </a:r>
           </a:p>
           <a:p>
             <a:pPr lvl="4"/>
             <a:r>
-              <a:rPr lang="fr-FR"/>
-              <a:t>Cinquième niveau</a:t>
-            </a:r>
-          </a:p>
-        </p:txBody>
-      </p:sp>
-      <p:sp>
-        <p:nvSpPr>
-          <p:cNvPr id="5" name="Espace réservé du texte 4">
-            <a:extLst>
-              <a:ext uri="{FF2B5EF4-FFF2-40B4-BE49-F238E27FC236}">
-                <a16:creationId xmlns:a16="http://schemas.microsoft.com/office/drawing/2014/main" id="{14388E18-4666-CE15-96BE-039FB5906B64}"/>
-              </a:ext>
-            </a:extLst>
-          </p:cNvPr>
+              <a:rPr lang="en-US" dirty="0"/>
+              <a:t>Fifth level</a:t>
+            </a:r>
+          </a:p>
+        </p:txBody>
+      </p:sp>
+      <p:sp>
+        <p:nvSpPr>
+          <p:cNvPr id="5" name="Text Placeholder 4"/>
           <p:cNvSpPr>
             <a:spLocks noGrp="1"/>
           </p:cNvSpPr>
@@ -4419,21 +7374,15 @@
           <a:p>
             <a:pPr lvl="0"/>
             <a:r>
-              <a:rPr lang="fr-FR"/>
-              <a:t>Cliquez pour modifier les styles du texte du masque</a:t>
-            </a:r>
-          </a:p>
-        </p:txBody>
-      </p:sp>
-      <p:sp>
-        <p:nvSpPr>
-          <p:cNvPr id="6" name="Espace réservé du contenu 5">
-            <a:extLst>
-              <a:ext uri="{FF2B5EF4-FFF2-40B4-BE49-F238E27FC236}">
-                <a16:creationId xmlns:a16="http://schemas.microsoft.com/office/drawing/2014/main" id="{991A3278-0077-33B9-C08A-4A4AA405363E}"/>
-              </a:ext>
-            </a:extLst>
-          </p:cNvPr>
+              <a:rPr lang="en-US" dirty="0"/>
+              <a:t>Click to edit Master text styles</a:t>
+            </a:r>
+          </a:p>
+        </p:txBody>
+      </p:sp>
+      <p:sp>
+        <p:nvSpPr>
+          <p:cNvPr id="6" name="Content Placeholder 5"/>
           <p:cNvSpPr>
             <a:spLocks noGrp="1"/>
           </p:cNvSpPr>
@@ -4453,49 +7402,43 @@
           <a:p>
             <a:pPr lvl="0"/>
             <a:r>
-              <a:rPr lang="fr-FR"/>
-              <a:t>Cliquez pour modifier les styles du texte du masque</a:t>
+              <a:rPr lang="en-US" dirty="0"/>
+              <a:t>Click to edit Master text styles</a:t>
             </a:r>
           </a:p>
           <a:p>
             <a:pPr lvl="1"/>
             <a:r>
-              <a:rPr lang="fr-FR"/>
-              <a:t>Deuxième niveau</a:t>
+              <a:rPr lang="en-US" dirty="0"/>
+              <a:t>Second level</a:t>
             </a:r>
           </a:p>
           <a:p>
             <a:pPr lvl="2"/>
             <a:r>
-              <a:rPr lang="fr-FR"/>
-              <a:t>Troisième niveau</a:t>
+              <a:rPr lang="en-US" dirty="0"/>
+              <a:t>Third level</a:t>
             </a:r>
           </a:p>
           <a:p>
             <a:pPr lvl="3"/>
             <a:r>
-              <a:rPr lang="fr-FR"/>
-              <a:t>Quatrième niveau</a:t>
+              <a:rPr lang="en-US" dirty="0"/>
+              <a:t>Fourth level</a:t>
             </a:r>
           </a:p>
           <a:p>
             <a:pPr lvl="4"/>
             <a:r>
-              <a:rPr lang="fr-FR"/>
-              <a:t>Cinquième niveau</a:t>
-            </a:r>
-          </a:p>
-        </p:txBody>
-      </p:sp>
-      <p:sp>
-        <p:nvSpPr>
-          <p:cNvPr id="7" name="Espace réservé de la date 6">
-            <a:extLst>
-              <a:ext uri="{FF2B5EF4-FFF2-40B4-BE49-F238E27FC236}">
-                <a16:creationId xmlns:a16="http://schemas.microsoft.com/office/drawing/2014/main" id="{DF32CA6C-6317-B0D0-F48B-52F7F9DD4D12}"/>
-              </a:ext>
-            </a:extLst>
-          </p:cNvPr>
+              <a:rPr lang="en-US" dirty="0"/>
+              <a:t>Fifth level</a:t>
+            </a:r>
+          </a:p>
+        </p:txBody>
+      </p:sp>
+      <p:sp>
+        <p:nvSpPr>
+          <p:cNvPr id="7" name="Date Placeholder 6"/>
           <p:cNvSpPr>
             <a:spLocks noGrp="1"/>
           </p:cNvSpPr>
@@ -4508,23 +7451,17 @@
           <a:bodyPr/>
           <a:lstStyle/>
           <a:p>
-            <a:fld id="{055024CE-7EF5-4F52-A99A-A29A06139A9F}" type="datetimeFigureOut">
-              <a:rPr lang="fr-FR" smtClean="0"/>
-              <a:t>13/05/2023</a:t>
+            <a:fld id="{C764DE79-268F-4C1A-8933-263129D2AF90}" type="datetimeFigureOut">
+              <a:rPr lang="en-US" dirty="0"/>
+              <a:t>5/16/2023</a:t>
             </a:fld>
-            <a:endParaRPr lang="fr-FR"/>
-          </a:p>
-        </p:txBody>
-      </p:sp>
-      <p:sp>
-        <p:nvSpPr>
-          <p:cNvPr id="8" name="Espace réservé du pied de page 7">
-            <a:extLst>
-              <a:ext uri="{FF2B5EF4-FFF2-40B4-BE49-F238E27FC236}">
-                <a16:creationId xmlns:a16="http://schemas.microsoft.com/office/drawing/2014/main" id="{23EBBDBA-84AF-C333-4F8B-58709B5EBD9A}"/>
-              </a:ext>
-            </a:extLst>
-          </p:cNvPr>
+            <a:endParaRPr lang="en-US" dirty="0"/>
+          </a:p>
+        </p:txBody>
+      </p:sp>
+      <p:sp>
+        <p:nvSpPr>
+          <p:cNvPr id="8" name="Footer Placeholder 7"/>
           <p:cNvSpPr>
             <a:spLocks noGrp="1"/>
           </p:cNvSpPr>
@@ -4537,19 +7474,13 @@
           <a:bodyPr/>
           <a:lstStyle/>
           <a:p>
-            <a:endParaRPr lang="fr-FR"/>
-          </a:p>
-        </p:txBody>
-      </p:sp>
-      <p:sp>
-        <p:nvSpPr>
-          <p:cNvPr id="9" name="Espace réservé du numéro de diapositive 8">
-            <a:extLst>
-              <a:ext uri="{FF2B5EF4-FFF2-40B4-BE49-F238E27FC236}">
-                <a16:creationId xmlns:a16="http://schemas.microsoft.com/office/drawing/2014/main" id="{3C76AF5E-FEE6-C7FA-CB9C-CE4F0BBABBE4}"/>
-              </a:ext>
-            </a:extLst>
-          </p:cNvPr>
+            <a:endParaRPr lang="en-US" dirty="0"/>
+          </a:p>
+        </p:txBody>
+      </p:sp>
+      <p:sp>
+        <p:nvSpPr>
+          <p:cNvPr id="9" name="Slide Number Placeholder 8"/>
           <p:cNvSpPr>
             <a:spLocks noGrp="1"/>
           </p:cNvSpPr>
@@ -4562,18 +7493,18 @@
           <a:bodyPr/>
           <a:lstStyle/>
           <a:p>
-            <a:fld id="{DA5CE7D3-1C9C-46D3-81A7-AF34BA20FBA8}" type="slidenum">
-              <a:rPr lang="fr-FR" smtClean="0"/>
-              <a:t>‹N°›</a:t>
+            <a:fld id="{48F63A3B-78C7-47BE-AE5E-E10140E04643}" type="slidenum">
+              <a:rPr lang="en-US" dirty="0"/>
+              <a:t>‹#›</a:t>
             </a:fld>
-            <a:endParaRPr lang="fr-FR"/>
+            <a:endParaRPr lang="en-US" dirty="0"/>
           </a:p>
         </p:txBody>
       </p:sp>
     </p:spTree>
     <p:extLst>
       <p:ext uri="{BB962C8B-B14F-4D97-AF65-F5344CB8AC3E}">
-        <p14:creationId xmlns:p14="http://schemas.microsoft.com/office/powerpoint/2010/main" val="387652510"/>
+        <p14:creationId xmlns:p14="http://schemas.microsoft.com/office/powerpoint/2010/main" val="941020206"/>
       </p:ext>
     </p:extLst>
   </p:cSld>
@@ -4585,7 +7516,7 @@
 
 <file path=ppt/slideLayouts/slideLayout6.xml><?xml version="1.0" encoding="utf-8"?>
 <p:sldLayout xmlns:a="http://schemas.openxmlformats.org/drawingml/2006/main" xmlns:r="http://schemas.openxmlformats.org/officeDocument/2006/relationships" xmlns:p="http://schemas.openxmlformats.org/presentationml/2006/main" type="titleOnly" preserve="1">
-  <p:cSld name="Titre seul">
+  <p:cSld name="Title Only">
     <p:spTree>
       <p:nvGrpSpPr>
         <p:cNvPr id="1" name=""/>
@@ -4602,13 +7533,7 @@
       </p:grpSpPr>
       <p:sp>
         <p:nvSpPr>
-          <p:cNvPr id="2" name="Titre 1">
-            <a:extLst>
-              <a:ext uri="{FF2B5EF4-FFF2-40B4-BE49-F238E27FC236}">
-                <a16:creationId xmlns:a16="http://schemas.microsoft.com/office/drawing/2014/main" id="{265C0973-A135-C86A-00F7-9BBCC096D8CC}"/>
-              </a:ext>
-            </a:extLst>
-          </p:cNvPr>
+          <p:cNvPr id="2" name="Title 1"/>
           <p:cNvSpPr>
             <a:spLocks noGrp="1"/>
           </p:cNvSpPr>
@@ -4622,21 +7547,15 @@
           <a:lstStyle/>
           <a:p>
             <a:r>
-              <a:rPr lang="fr-FR"/>
-              <a:t>Modifiez le style du titre</a:t>
-            </a:r>
-          </a:p>
-        </p:txBody>
-      </p:sp>
-      <p:sp>
-        <p:nvSpPr>
-          <p:cNvPr id="3" name="Espace réservé de la date 2">
-            <a:extLst>
-              <a:ext uri="{FF2B5EF4-FFF2-40B4-BE49-F238E27FC236}">
-                <a16:creationId xmlns:a16="http://schemas.microsoft.com/office/drawing/2014/main" id="{819AF2A8-63A2-E3D2-85CC-195BCC0DFA13}"/>
-              </a:ext>
-            </a:extLst>
-          </p:cNvPr>
+              <a:rPr lang="en-US" dirty="0"/>
+              <a:t>Click to edit Master title style</a:t>
+            </a:r>
+          </a:p>
+        </p:txBody>
+      </p:sp>
+      <p:sp>
+        <p:nvSpPr>
+          <p:cNvPr id="3" name="Date Placeholder 2"/>
           <p:cNvSpPr>
             <a:spLocks noGrp="1"/>
           </p:cNvSpPr>
@@ -4649,23 +7568,17 @@
           <a:bodyPr/>
           <a:lstStyle/>
           <a:p>
-            <a:fld id="{055024CE-7EF5-4F52-A99A-A29A06139A9F}" type="datetimeFigureOut">
-              <a:rPr lang="fr-FR" smtClean="0"/>
-              <a:t>13/05/2023</a:t>
+            <a:fld id="{C764DE79-268F-4C1A-8933-263129D2AF90}" type="datetimeFigureOut">
+              <a:rPr lang="en-US" dirty="0"/>
+              <a:t>5/16/2023</a:t>
             </a:fld>
-            <a:endParaRPr lang="fr-FR"/>
-          </a:p>
-        </p:txBody>
-      </p:sp>
-      <p:sp>
-        <p:nvSpPr>
-          <p:cNvPr id="4" name="Espace réservé du pied de page 3">
-            <a:extLst>
-              <a:ext uri="{FF2B5EF4-FFF2-40B4-BE49-F238E27FC236}">
-                <a16:creationId xmlns:a16="http://schemas.microsoft.com/office/drawing/2014/main" id="{F6FE1ADA-89C6-0962-0D2D-DEF69EC3DE17}"/>
-              </a:ext>
-            </a:extLst>
-          </p:cNvPr>
+            <a:endParaRPr lang="en-US" dirty="0"/>
+          </a:p>
+        </p:txBody>
+      </p:sp>
+      <p:sp>
+        <p:nvSpPr>
+          <p:cNvPr id="4" name="Footer Placeholder 3"/>
           <p:cNvSpPr>
             <a:spLocks noGrp="1"/>
           </p:cNvSpPr>
@@ -4678,19 +7591,13 @@
           <a:bodyPr/>
           <a:lstStyle/>
           <a:p>
-            <a:endParaRPr lang="fr-FR"/>
-          </a:p>
-        </p:txBody>
-      </p:sp>
-      <p:sp>
-        <p:nvSpPr>
-          <p:cNvPr id="5" name="Espace réservé du numéro de diapositive 4">
-            <a:extLst>
-              <a:ext uri="{FF2B5EF4-FFF2-40B4-BE49-F238E27FC236}">
-                <a16:creationId xmlns:a16="http://schemas.microsoft.com/office/drawing/2014/main" id="{1256E8E7-782D-EBF6-D5B1-B69A07E73B27}"/>
-              </a:ext>
-            </a:extLst>
-          </p:cNvPr>
+            <a:endParaRPr lang="en-US" dirty="0"/>
+          </a:p>
+        </p:txBody>
+      </p:sp>
+      <p:sp>
+        <p:nvSpPr>
+          <p:cNvPr id="5" name="Slide Number Placeholder 4"/>
           <p:cNvSpPr>
             <a:spLocks noGrp="1"/>
           </p:cNvSpPr>
@@ -4703,18 +7610,18 @@
           <a:bodyPr/>
           <a:lstStyle/>
           <a:p>
-            <a:fld id="{DA5CE7D3-1C9C-46D3-81A7-AF34BA20FBA8}" type="slidenum">
-              <a:rPr lang="fr-FR" smtClean="0"/>
-              <a:t>‹N°›</a:t>
+            <a:fld id="{48F63A3B-78C7-47BE-AE5E-E10140E04643}" type="slidenum">
+              <a:rPr lang="en-US" dirty="0"/>
+              <a:t>‹#›</a:t>
             </a:fld>
-            <a:endParaRPr lang="fr-FR"/>
+            <a:endParaRPr lang="en-US" dirty="0"/>
           </a:p>
         </p:txBody>
       </p:sp>
     </p:spTree>
     <p:extLst>
       <p:ext uri="{BB962C8B-B14F-4D97-AF65-F5344CB8AC3E}">
-        <p14:creationId xmlns:p14="http://schemas.microsoft.com/office/powerpoint/2010/main" val="252203435"/>
+        <p14:creationId xmlns:p14="http://schemas.microsoft.com/office/powerpoint/2010/main" val="640733755"/>
       </p:ext>
     </p:extLst>
   </p:cSld>
@@ -4726,7 +7633,7 @@
 
 <file path=ppt/slideLayouts/slideLayout7.xml><?xml version="1.0" encoding="utf-8"?>
 <p:sldLayout xmlns:a="http://schemas.openxmlformats.org/drawingml/2006/main" xmlns:r="http://schemas.openxmlformats.org/officeDocument/2006/relationships" xmlns:p="http://schemas.openxmlformats.org/presentationml/2006/main" type="blank" preserve="1">
-  <p:cSld name="Vide">
+  <p:cSld name="Blank">
     <p:spTree>
       <p:nvGrpSpPr>
         <p:cNvPr id="1" name=""/>
@@ -4743,13 +7650,7 @@
       </p:grpSpPr>
       <p:sp>
         <p:nvSpPr>
-          <p:cNvPr id="2" name="Espace réservé de la date 1">
-            <a:extLst>
-              <a:ext uri="{FF2B5EF4-FFF2-40B4-BE49-F238E27FC236}">
-                <a16:creationId xmlns:a16="http://schemas.microsoft.com/office/drawing/2014/main" id="{2ECF1711-0355-8EB0-C917-6C0F963AF943}"/>
-              </a:ext>
-            </a:extLst>
-          </p:cNvPr>
+          <p:cNvPr id="2" name="Date Placeholder 1"/>
           <p:cNvSpPr>
             <a:spLocks noGrp="1"/>
           </p:cNvSpPr>
@@ -4762,23 +7663,17 @@
           <a:bodyPr/>
           <a:lstStyle/>
           <a:p>
-            <a:fld id="{055024CE-7EF5-4F52-A99A-A29A06139A9F}" type="datetimeFigureOut">
-              <a:rPr lang="fr-FR" smtClean="0"/>
-              <a:t>13/05/2023</a:t>
+            <a:fld id="{C764DE79-268F-4C1A-8933-263129D2AF90}" type="datetimeFigureOut">
+              <a:rPr lang="en-US" dirty="0"/>
+              <a:t>5/16/2023</a:t>
             </a:fld>
-            <a:endParaRPr lang="fr-FR"/>
-          </a:p>
-        </p:txBody>
-      </p:sp>
-      <p:sp>
-        <p:nvSpPr>
-          <p:cNvPr id="3" name="Espace réservé du pied de page 2">
-            <a:extLst>
-              <a:ext uri="{FF2B5EF4-FFF2-40B4-BE49-F238E27FC236}">
-                <a16:creationId xmlns:a16="http://schemas.microsoft.com/office/drawing/2014/main" id="{9A27FA41-3E92-6551-1AE9-96B9AC4AE22A}"/>
-              </a:ext>
-            </a:extLst>
-          </p:cNvPr>
+            <a:endParaRPr lang="en-US" dirty="0"/>
+          </a:p>
+        </p:txBody>
+      </p:sp>
+      <p:sp>
+        <p:nvSpPr>
+          <p:cNvPr id="3" name="Footer Placeholder 2"/>
           <p:cNvSpPr>
             <a:spLocks noGrp="1"/>
           </p:cNvSpPr>
@@ -4791,19 +7686,13 @@
           <a:bodyPr/>
           <a:lstStyle/>
           <a:p>
-            <a:endParaRPr lang="fr-FR"/>
-          </a:p>
-        </p:txBody>
-      </p:sp>
-      <p:sp>
-        <p:nvSpPr>
-          <p:cNvPr id="4" name="Espace réservé du numéro de diapositive 3">
-            <a:extLst>
-              <a:ext uri="{FF2B5EF4-FFF2-40B4-BE49-F238E27FC236}">
-                <a16:creationId xmlns:a16="http://schemas.microsoft.com/office/drawing/2014/main" id="{629B9802-2D5D-03C4-D709-FD16BF839158}"/>
-              </a:ext>
-            </a:extLst>
-          </p:cNvPr>
+            <a:endParaRPr lang="en-US" dirty="0"/>
+          </a:p>
+        </p:txBody>
+      </p:sp>
+      <p:sp>
+        <p:nvSpPr>
+          <p:cNvPr id="4" name="Slide Number Placeholder 3"/>
           <p:cNvSpPr>
             <a:spLocks noGrp="1"/>
           </p:cNvSpPr>
@@ -4816,18 +7705,18 @@
           <a:bodyPr/>
           <a:lstStyle/>
           <a:p>
-            <a:fld id="{DA5CE7D3-1C9C-46D3-81A7-AF34BA20FBA8}" type="slidenum">
-              <a:rPr lang="fr-FR" smtClean="0"/>
-              <a:t>‹N°›</a:t>
+            <a:fld id="{48F63A3B-78C7-47BE-AE5E-E10140E04643}" type="slidenum">
+              <a:rPr lang="en-US" dirty="0"/>
+              <a:t>‹#›</a:t>
             </a:fld>
-            <a:endParaRPr lang="fr-FR"/>
+            <a:endParaRPr lang="en-US" dirty="0"/>
           </a:p>
         </p:txBody>
       </p:sp>
     </p:spTree>
     <p:extLst>
       <p:ext uri="{BB962C8B-B14F-4D97-AF65-F5344CB8AC3E}">
-        <p14:creationId xmlns:p14="http://schemas.microsoft.com/office/powerpoint/2010/main" val="671025485"/>
+        <p14:creationId xmlns:p14="http://schemas.microsoft.com/office/powerpoint/2010/main" val="2015094121"/>
       </p:ext>
     </p:extLst>
   </p:cSld>
@@ -4839,7 +7728,7 @@
 
 <file path=ppt/slideLayouts/slideLayout8.xml><?xml version="1.0" encoding="utf-8"?>
 <p:sldLayout xmlns:a="http://schemas.openxmlformats.org/drawingml/2006/main" xmlns:r="http://schemas.openxmlformats.org/officeDocument/2006/relationships" xmlns:p="http://schemas.openxmlformats.org/presentationml/2006/main" type="objTx" preserve="1">
-  <p:cSld name="Contenu avec légende">
+  <p:cSld name="Content with Caption">
     <p:spTree>
       <p:nvGrpSpPr>
         <p:cNvPr id="1" name=""/>
@@ -4856,13 +7745,7 @@
       </p:grpSpPr>
       <p:sp>
         <p:nvSpPr>
-          <p:cNvPr id="2" name="Titre 1">
-            <a:extLst>
-              <a:ext uri="{FF2B5EF4-FFF2-40B4-BE49-F238E27FC236}">
-                <a16:creationId xmlns:a16="http://schemas.microsoft.com/office/drawing/2014/main" id="{0AA3DFBA-CB7F-2FDF-ED46-9ED91D763D16}"/>
-              </a:ext>
-            </a:extLst>
-          </p:cNvPr>
+          <p:cNvPr id="2" name="Title 1"/>
           <p:cNvSpPr>
             <a:spLocks noGrp="1"/>
           </p:cNvSpPr>
@@ -4885,21 +7768,15 @@
           </a:lstStyle>
           <a:p>
             <a:r>
-              <a:rPr lang="fr-FR"/>
-              <a:t>Modifiez le style du titre</a:t>
-            </a:r>
-          </a:p>
-        </p:txBody>
-      </p:sp>
-      <p:sp>
-        <p:nvSpPr>
-          <p:cNvPr id="3" name="Espace réservé du contenu 2">
-            <a:extLst>
-              <a:ext uri="{FF2B5EF4-FFF2-40B4-BE49-F238E27FC236}">
-                <a16:creationId xmlns:a16="http://schemas.microsoft.com/office/drawing/2014/main" id="{37D57A30-C8CD-1E55-6891-C3028D44E7D7}"/>
-              </a:ext>
-            </a:extLst>
-          </p:cNvPr>
+              <a:rPr lang="en-US" dirty="0"/>
+              <a:t>Click to edit Master title style</a:t>
+            </a:r>
+          </a:p>
+        </p:txBody>
+      </p:sp>
+      <p:sp>
+        <p:nvSpPr>
+          <p:cNvPr id="3" name="Content Placeholder 2"/>
           <p:cNvSpPr>
             <a:spLocks noGrp="1"/>
           </p:cNvSpPr>
@@ -4947,49 +7824,43 @@
           <a:p>
             <a:pPr lvl="0"/>
             <a:r>
-              <a:rPr lang="fr-FR"/>
-              <a:t>Cliquez pour modifier les styles du texte du masque</a:t>
+              <a:rPr lang="en-US" dirty="0"/>
+              <a:t>Click to edit Master text styles</a:t>
             </a:r>
           </a:p>
           <a:p>
             <a:pPr lvl="1"/>
             <a:r>
-              <a:rPr lang="fr-FR"/>
-              <a:t>Deuxième niveau</a:t>
+              <a:rPr lang="en-US" dirty="0"/>
+              <a:t>Second level</a:t>
             </a:r>
           </a:p>
           <a:p>
             <a:pPr lvl="2"/>
             <a:r>
-              <a:rPr lang="fr-FR"/>
-              <a:t>Troisième niveau</a:t>
+              <a:rPr lang="en-US" dirty="0"/>
+              <a:t>Third level</a:t>
             </a:r>
           </a:p>
           <a:p>
             <a:pPr lvl="3"/>
             <a:r>
-              <a:rPr lang="fr-FR"/>
-              <a:t>Quatrième niveau</a:t>
+              <a:rPr lang="en-US" dirty="0"/>
+              <a:t>Fourth level</a:t>
             </a:r>
           </a:p>
           <a:p>
             <a:pPr lvl="4"/>
             <a:r>
-              <a:rPr lang="fr-FR"/>
-              <a:t>Cinquième niveau</a:t>
-            </a:r>
-          </a:p>
-        </p:txBody>
-      </p:sp>
-      <p:sp>
-        <p:nvSpPr>
-          <p:cNvPr id="4" name="Espace réservé du texte 3">
-            <a:extLst>
-              <a:ext uri="{FF2B5EF4-FFF2-40B4-BE49-F238E27FC236}">
-                <a16:creationId xmlns:a16="http://schemas.microsoft.com/office/drawing/2014/main" id="{BEDF564B-C24B-F69D-F5C2-30B4724F4751}"/>
-              </a:ext>
-            </a:extLst>
-          </p:cNvPr>
+              <a:rPr lang="en-US" dirty="0"/>
+              <a:t>Fifth level</a:t>
+            </a:r>
+          </a:p>
+        </p:txBody>
+      </p:sp>
+      <p:sp>
+        <p:nvSpPr>
+          <p:cNvPr id="4" name="Text Placeholder 3"/>
           <p:cNvSpPr>
             <a:spLocks noGrp="1"/>
           </p:cNvSpPr>
@@ -5046,21 +7917,15 @@
           <a:p>
             <a:pPr lvl="0"/>
             <a:r>
-              <a:rPr lang="fr-FR"/>
-              <a:t>Cliquez pour modifier les styles du texte du masque</a:t>
-            </a:r>
-          </a:p>
-        </p:txBody>
-      </p:sp>
-      <p:sp>
-        <p:nvSpPr>
-          <p:cNvPr id="5" name="Espace réservé de la date 4">
-            <a:extLst>
-              <a:ext uri="{FF2B5EF4-FFF2-40B4-BE49-F238E27FC236}">
-                <a16:creationId xmlns:a16="http://schemas.microsoft.com/office/drawing/2014/main" id="{6B586134-872F-33EB-F5FA-D9B53C3D65CF}"/>
-              </a:ext>
-            </a:extLst>
-          </p:cNvPr>
+              <a:rPr lang="en-US" dirty="0"/>
+              <a:t>Click to edit Master text styles</a:t>
+            </a:r>
+          </a:p>
+        </p:txBody>
+      </p:sp>
+      <p:sp>
+        <p:nvSpPr>
+          <p:cNvPr id="5" name="Date Placeholder 4"/>
           <p:cNvSpPr>
             <a:spLocks noGrp="1"/>
           </p:cNvSpPr>
@@ -5073,23 +7938,17 @@
           <a:bodyPr/>
           <a:lstStyle/>
           <a:p>
-            <a:fld id="{055024CE-7EF5-4F52-A99A-A29A06139A9F}" type="datetimeFigureOut">
-              <a:rPr lang="fr-FR" smtClean="0"/>
-              <a:t>13/05/2023</a:t>
+            <a:fld id="{C764DE79-268F-4C1A-8933-263129D2AF90}" type="datetimeFigureOut">
+              <a:rPr lang="en-US" dirty="0"/>
+              <a:t>5/16/2023</a:t>
             </a:fld>
-            <a:endParaRPr lang="fr-FR"/>
-          </a:p>
-        </p:txBody>
-      </p:sp>
-      <p:sp>
-        <p:nvSpPr>
-          <p:cNvPr id="6" name="Espace réservé du pied de page 5">
-            <a:extLst>
-              <a:ext uri="{FF2B5EF4-FFF2-40B4-BE49-F238E27FC236}">
-                <a16:creationId xmlns:a16="http://schemas.microsoft.com/office/drawing/2014/main" id="{31B6050C-873C-77C8-5481-B66BB59D39B8}"/>
-              </a:ext>
-            </a:extLst>
-          </p:cNvPr>
+            <a:endParaRPr lang="en-US" dirty="0"/>
+          </a:p>
+        </p:txBody>
+      </p:sp>
+      <p:sp>
+        <p:nvSpPr>
+          <p:cNvPr id="6" name="Footer Placeholder 5"/>
           <p:cNvSpPr>
             <a:spLocks noGrp="1"/>
           </p:cNvSpPr>
@@ -5102,19 +7961,13 @@
           <a:bodyPr/>
           <a:lstStyle/>
           <a:p>
-            <a:endParaRPr lang="fr-FR"/>
-          </a:p>
-        </p:txBody>
-      </p:sp>
-      <p:sp>
-        <p:nvSpPr>
-          <p:cNvPr id="7" name="Espace réservé du numéro de diapositive 6">
-            <a:extLst>
-              <a:ext uri="{FF2B5EF4-FFF2-40B4-BE49-F238E27FC236}">
-                <a16:creationId xmlns:a16="http://schemas.microsoft.com/office/drawing/2014/main" id="{8A8E9A44-9146-1EC2-D826-FB4D9A9DB747}"/>
-              </a:ext>
-            </a:extLst>
-          </p:cNvPr>
+            <a:endParaRPr lang="en-US" dirty="0"/>
+          </a:p>
+        </p:txBody>
+      </p:sp>
+      <p:sp>
+        <p:nvSpPr>
+          <p:cNvPr id="7" name="Slide Number Placeholder 6"/>
           <p:cNvSpPr>
             <a:spLocks noGrp="1"/>
           </p:cNvSpPr>
@@ -5127,18 +7980,18 @@
           <a:bodyPr/>
           <a:lstStyle/>
           <a:p>
-            <a:fld id="{DA5CE7D3-1C9C-46D3-81A7-AF34BA20FBA8}" type="slidenum">
-              <a:rPr lang="fr-FR" smtClean="0"/>
-              <a:t>‹N°›</a:t>
+            <a:fld id="{48F63A3B-78C7-47BE-AE5E-E10140E04643}" type="slidenum">
+              <a:rPr lang="en-US" dirty="0"/>
+              <a:t>‹#›</a:t>
             </a:fld>
-            <a:endParaRPr lang="fr-FR"/>
+            <a:endParaRPr lang="en-US" dirty="0"/>
           </a:p>
         </p:txBody>
       </p:sp>
     </p:spTree>
     <p:extLst>
       <p:ext uri="{BB962C8B-B14F-4D97-AF65-F5344CB8AC3E}">
-        <p14:creationId xmlns:p14="http://schemas.microsoft.com/office/powerpoint/2010/main" val="434032447"/>
+        <p14:creationId xmlns:p14="http://schemas.microsoft.com/office/powerpoint/2010/main" val="3952236134"/>
       </p:ext>
     </p:extLst>
   </p:cSld>
@@ -5150,7 +8003,7 @@
 
 <file path=ppt/slideLayouts/slideLayout9.xml><?xml version="1.0" encoding="utf-8"?>
 <p:sldLayout xmlns:a="http://schemas.openxmlformats.org/drawingml/2006/main" xmlns:r="http://schemas.openxmlformats.org/officeDocument/2006/relationships" xmlns:p="http://schemas.openxmlformats.org/presentationml/2006/main" type="picTx" preserve="1">
-  <p:cSld name="Image avec légende">
+  <p:cSld name="Picture with Caption">
     <p:spTree>
       <p:nvGrpSpPr>
         <p:cNvPr id="1" name=""/>
@@ -5167,13 +8020,7 @@
       </p:grpSpPr>
       <p:sp>
         <p:nvSpPr>
-          <p:cNvPr id="2" name="Titre 1">
-            <a:extLst>
-              <a:ext uri="{FF2B5EF4-FFF2-40B4-BE49-F238E27FC236}">
-                <a16:creationId xmlns:a16="http://schemas.microsoft.com/office/drawing/2014/main" id="{3980BA4F-1CD2-0BE5-9A2C-4F94F98A22FD}"/>
-              </a:ext>
-            </a:extLst>
-          </p:cNvPr>
+          <p:cNvPr id="2" name="Title 1"/>
           <p:cNvSpPr>
             <a:spLocks noGrp="1"/>
           </p:cNvSpPr>
@@ -5196,23 +8043,17 @@
           </a:lstStyle>
           <a:p>
             <a:r>
-              <a:rPr lang="fr-FR"/>
-              <a:t>Modifiez le style du titre</a:t>
-            </a:r>
-          </a:p>
-        </p:txBody>
-      </p:sp>
-      <p:sp>
-        <p:nvSpPr>
-          <p:cNvPr id="3" name="Espace réservé pour une image  2">
-            <a:extLst>
-              <a:ext uri="{FF2B5EF4-FFF2-40B4-BE49-F238E27FC236}">
-                <a16:creationId xmlns:a16="http://schemas.microsoft.com/office/drawing/2014/main" id="{D76D0DEB-955B-6B7F-810B-14FA731F2201}"/>
-              </a:ext>
-            </a:extLst>
-          </p:cNvPr>
+              <a:rPr lang="en-US" dirty="0"/>
+              <a:t>Click to edit Master title style</a:t>
+            </a:r>
+          </a:p>
+        </p:txBody>
+      </p:sp>
+      <p:sp>
+        <p:nvSpPr>
+          <p:cNvPr id="3" name="Picture Placeholder 2"/>
           <p:cNvSpPr>
-            <a:spLocks noGrp="1"/>
+            <a:spLocks noGrp="1" noChangeAspect="1"/>
           </p:cNvSpPr>
           <p:nvPr>
             <p:ph type="pic" idx="1"/>
@@ -5225,7 +8066,7 @@
           </a:xfrm>
         </p:spPr>
         <p:txBody>
-          <a:bodyPr/>
+          <a:bodyPr anchor="t"/>
           <a:lstStyle>
             <a:lvl1pPr marL="0" indent="0">
               <a:buNone/>
@@ -5265,19 +8106,13 @@
             </a:lvl9pPr>
           </a:lstStyle>
           <a:p>
-            <a:endParaRPr lang="fr-FR"/>
-          </a:p>
-        </p:txBody>
-      </p:sp>
-      <p:sp>
-        <p:nvSpPr>
-          <p:cNvPr id="4" name="Espace réservé du texte 3">
-            <a:extLst>
-              <a:ext uri="{FF2B5EF4-FFF2-40B4-BE49-F238E27FC236}">
-                <a16:creationId xmlns:a16="http://schemas.microsoft.com/office/drawing/2014/main" id="{5B703D4D-A72F-C996-68BA-BF3B45DFD52C}"/>
-              </a:ext>
-            </a:extLst>
-          </p:cNvPr>
+            <a:endParaRPr lang="en-US" dirty="0"/>
+          </a:p>
+        </p:txBody>
+      </p:sp>
+      <p:sp>
+        <p:nvSpPr>
+          <p:cNvPr id="4" name="Text Placeholder 3"/>
           <p:cNvSpPr>
             <a:spLocks noGrp="1"/>
           </p:cNvSpPr>
@@ -5334,21 +8169,15 @@
           <a:p>
             <a:pPr lvl="0"/>
             <a:r>
-              <a:rPr lang="fr-FR"/>
-              <a:t>Cliquez pour modifier les styles du texte du masque</a:t>
-            </a:r>
-          </a:p>
-        </p:txBody>
-      </p:sp>
-      <p:sp>
-        <p:nvSpPr>
-          <p:cNvPr id="5" name="Espace réservé de la date 4">
-            <a:extLst>
-              <a:ext uri="{FF2B5EF4-FFF2-40B4-BE49-F238E27FC236}">
-                <a16:creationId xmlns:a16="http://schemas.microsoft.com/office/drawing/2014/main" id="{BD809AD3-CECA-DC9E-910A-FFC583ED99E9}"/>
-              </a:ext>
-            </a:extLst>
-          </p:cNvPr>
+              <a:rPr lang="en-US" dirty="0"/>
+              <a:t>Click to edit Master text styles</a:t>
+            </a:r>
+          </a:p>
+        </p:txBody>
+      </p:sp>
+      <p:sp>
+        <p:nvSpPr>
+          <p:cNvPr id="5" name="Date Placeholder 4"/>
           <p:cNvSpPr>
             <a:spLocks noGrp="1"/>
           </p:cNvSpPr>
@@ -5361,23 +8190,17 @@
           <a:bodyPr/>
           <a:lstStyle/>
           <a:p>
-            <a:fld id="{055024CE-7EF5-4F52-A99A-A29A06139A9F}" type="datetimeFigureOut">
-              <a:rPr lang="fr-FR" smtClean="0"/>
-              <a:t>13/05/2023</a:t>
+            <a:fld id="{C764DE79-268F-4C1A-8933-263129D2AF90}" type="datetimeFigureOut">
+              <a:rPr lang="en-US" dirty="0"/>
+              <a:t>5/16/2023</a:t>
             </a:fld>
-            <a:endParaRPr lang="fr-FR"/>
-          </a:p>
-        </p:txBody>
-      </p:sp>
-      <p:sp>
-        <p:nvSpPr>
-          <p:cNvPr id="6" name="Espace réservé du pied de page 5">
-            <a:extLst>
-              <a:ext uri="{FF2B5EF4-FFF2-40B4-BE49-F238E27FC236}">
-                <a16:creationId xmlns:a16="http://schemas.microsoft.com/office/drawing/2014/main" id="{755CBB57-2085-7D31-0CC8-8B06C5B926B2}"/>
-              </a:ext>
-            </a:extLst>
-          </p:cNvPr>
+            <a:endParaRPr lang="en-US" dirty="0"/>
+          </a:p>
+        </p:txBody>
+      </p:sp>
+      <p:sp>
+        <p:nvSpPr>
+          <p:cNvPr id="6" name="Footer Placeholder 5"/>
           <p:cNvSpPr>
             <a:spLocks noGrp="1"/>
           </p:cNvSpPr>
@@ -5390,19 +8213,13 @@
           <a:bodyPr/>
           <a:lstStyle/>
           <a:p>
-            <a:endParaRPr lang="fr-FR"/>
-          </a:p>
-        </p:txBody>
-      </p:sp>
-      <p:sp>
-        <p:nvSpPr>
-          <p:cNvPr id="7" name="Espace réservé du numéro de diapositive 6">
-            <a:extLst>
-              <a:ext uri="{FF2B5EF4-FFF2-40B4-BE49-F238E27FC236}">
-                <a16:creationId xmlns:a16="http://schemas.microsoft.com/office/drawing/2014/main" id="{84F2137F-517D-0B60-22B2-1728BF588965}"/>
-              </a:ext>
-            </a:extLst>
-          </p:cNvPr>
+            <a:endParaRPr lang="en-US" dirty="0"/>
+          </a:p>
+        </p:txBody>
+      </p:sp>
+      <p:sp>
+        <p:nvSpPr>
+          <p:cNvPr id="7" name="Slide Number Placeholder 6"/>
           <p:cNvSpPr>
             <a:spLocks noGrp="1"/>
           </p:cNvSpPr>
@@ -5415,18 +8232,18 @@
           <a:bodyPr/>
           <a:lstStyle/>
           <a:p>
-            <a:fld id="{DA5CE7D3-1C9C-46D3-81A7-AF34BA20FBA8}" type="slidenum">
-              <a:rPr lang="fr-FR" smtClean="0"/>
-              <a:t>‹N°›</a:t>
+            <a:fld id="{48F63A3B-78C7-47BE-AE5E-E10140E04643}" type="slidenum">
+              <a:rPr lang="en-US" dirty="0"/>
+              <a:t>‹#›</a:t>
             </a:fld>
-            <a:endParaRPr lang="fr-FR"/>
+            <a:endParaRPr lang="en-US" dirty="0"/>
           </a:p>
         </p:txBody>
       </p:sp>
     </p:spTree>
     <p:extLst>
       <p:ext uri="{BB962C8B-B14F-4D97-AF65-F5344CB8AC3E}">
-        <p14:creationId xmlns:p14="http://schemas.microsoft.com/office/powerpoint/2010/main" val="4272385172"/>
+        <p14:creationId xmlns:p14="http://schemas.microsoft.com/office/powerpoint/2010/main" val="4290828316"/>
       </p:ext>
     </p:extLst>
   </p:cSld>
@@ -5460,13 +8277,7 @@
       </p:grpSpPr>
       <p:sp>
         <p:nvSpPr>
-          <p:cNvPr id="2" name="Espace réservé du titre 1">
-            <a:extLst>
-              <a:ext uri="{FF2B5EF4-FFF2-40B4-BE49-F238E27FC236}">
-                <a16:creationId xmlns:a16="http://schemas.microsoft.com/office/drawing/2014/main" id="{8568335D-DBCC-6CD4-A35F-83A789BBEE87}"/>
-              </a:ext>
-            </a:extLst>
-          </p:cNvPr>
+          <p:cNvPr id="2" name="Title Placeholder 1"/>
           <p:cNvSpPr>
             <a:spLocks noGrp="1"/>
           </p:cNvSpPr>
@@ -5490,21 +8301,15 @@
           <a:lstStyle/>
           <a:p>
             <a:r>
-              <a:rPr lang="fr-FR"/>
-              <a:t>Modifiez le style du titre</a:t>
-            </a:r>
-          </a:p>
-        </p:txBody>
-      </p:sp>
-      <p:sp>
-        <p:nvSpPr>
-          <p:cNvPr id="3" name="Espace réservé du texte 2">
-            <a:extLst>
-              <a:ext uri="{FF2B5EF4-FFF2-40B4-BE49-F238E27FC236}">
-                <a16:creationId xmlns:a16="http://schemas.microsoft.com/office/drawing/2014/main" id="{73E084F1-1335-F6CE-C4E5-CF9C69F4D29E}"/>
-              </a:ext>
-            </a:extLst>
-          </p:cNvPr>
+              <a:rPr lang="en-US" dirty="0"/>
+              <a:t>Click to edit Master title style</a:t>
+            </a:r>
+          </a:p>
+        </p:txBody>
+      </p:sp>
+      <p:sp>
+        <p:nvSpPr>
+          <p:cNvPr id="3" name="Text Placeholder 2"/>
           <p:cNvSpPr>
             <a:spLocks noGrp="1"/>
           </p:cNvSpPr>
@@ -5529,49 +8334,43 @@
           <a:p>
             <a:pPr lvl="0"/>
             <a:r>
-              <a:rPr lang="fr-FR"/>
-              <a:t>Cliquez pour modifier les styles du texte du masque</a:t>
+              <a:rPr lang="en-US" dirty="0"/>
+              <a:t>Click to edit Master text styles</a:t>
             </a:r>
           </a:p>
           <a:p>
             <a:pPr lvl="1"/>
             <a:r>
-              <a:rPr lang="fr-FR"/>
-              <a:t>Deuxième niveau</a:t>
+              <a:rPr lang="en-US" dirty="0"/>
+              <a:t>Second level</a:t>
             </a:r>
           </a:p>
           <a:p>
             <a:pPr lvl="2"/>
             <a:r>
-              <a:rPr lang="fr-FR"/>
-              <a:t>Troisième niveau</a:t>
+              <a:rPr lang="en-US" dirty="0"/>
+              <a:t>Third level</a:t>
             </a:r>
           </a:p>
           <a:p>
             <a:pPr lvl="3"/>
             <a:r>
-              <a:rPr lang="fr-FR"/>
-              <a:t>Quatrième niveau</a:t>
+              <a:rPr lang="en-US" dirty="0"/>
+              <a:t>Fourth level</a:t>
             </a:r>
           </a:p>
           <a:p>
             <a:pPr lvl="4"/>
             <a:r>
-              <a:rPr lang="fr-FR"/>
-              <a:t>Cinquième niveau</a:t>
-            </a:r>
-          </a:p>
-        </p:txBody>
-      </p:sp>
-      <p:sp>
-        <p:nvSpPr>
-          <p:cNvPr id="4" name="Espace réservé de la date 3">
-            <a:extLst>
-              <a:ext uri="{FF2B5EF4-FFF2-40B4-BE49-F238E27FC236}">
-                <a16:creationId xmlns:a16="http://schemas.microsoft.com/office/drawing/2014/main" id="{3622068B-7349-D847-1BCA-88E1E566AFFD}"/>
-              </a:ext>
-            </a:extLst>
-          </p:cNvPr>
+              <a:rPr lang="en-US" dirty="0"/>
+              <a:t>Fifth level</a:t>
+            </a:r>
+          </a:p>
+        </p:txBody>
+      </p:sp>
+      <p:sp>
+        <p:nvSpPr>
+          <p:cNvPr id="4" name="Date Placeholder 3"/>
           <p:cNvSpPr>
             <a:spLocks noGrp="1"/>
           </p:cNvSpPr>
@@ -5602,23 +8401,17 @@
             </a:lvl1pPr>
           </a:lstStyle>
           <a:p>
-            <a:fld id="{055024CE-7EF5-4F52-A99A-A29A06139A9F}" type="datetimeFigureOut">
-              <a:rPr lang="fr-FR" smtClean="0"/>
-              <a:t>13/05/2023</a:t>
+            <a:fld id="{C764DE79-268F-4C1A-8933-263129D2AF90}" type="datetimeFigureOut">
+              <a:rPr lang="en-US" dirty="0"/>
+              <a:t>5/16/2023</a:t>
             </a:fld>
-            <a:endParaRPr lang="fr-FR"/>
-          </a:p>
-        </p:txBody>
-      </p:sp>
-      <p:sp>
-        <p:nvSpPr>
-          <p:cNvPr id="5" name="Espace réservé du pied de page 4">
-            <a:extLst>
-              <a:ext uri="{FF2B5EF4-FFF2-40B4-BE49-F238E27FC236}">
-                <a16:creationId xmlns:a16="http://schemas.microsoft.com/office/drawing/2014/main" id="{2BF829D7-BC4D-A2B2-D7CD-7AD48F52878B}"/>
-              </a:ext>
-            </a:extLst>
-          </p:cNvPr>
+            <a:endParaRPr lang="en-US" dirty="0"/>
+          </a:p>
+        </p:txBody>
+      </p:sp>
+      <p:sp>
+        <p:nvSpPr>
+          <p:cNvPr id="5" name="Footer Placeholder 4"/>
           <p:cNvSpPr>
             <a:spLocks noGrp="1"/>
           </p:cNvSpPr>
@@ -5649,19 +8442,13 @@
             </a:lvl1pPr>
           </a:lstStyle>
           <a:p>
-            <a:endParaRPr lang="fr-FR"/>
-          </a:p>
-        </p:txBody>
-      </p:sp>
-      <p:sp>
-        <p:nvSpPr>
-          <p:cNvPr id="6" name="Espace réservé du numéro de diapositive 5">
-            <a:extLst>
-              <a:ext uri="{FF2B5EF4-FFF2-40B4-BE49-F238E27FC236}">
-                <a16:creationId xmlns:a16="http://schemas.microsoft.com/office/drawing/2014/main" id="{0236659A-DDA9-6BF8-69F4-7A052EB0AA8A}"/>
-              </a:ext>
-            </a:extLst>
-          </p:cNvPr>
+            <a:endParaRPr lang="en-US" dirty="0"/>
+          </a:p>
+        </p:txBody>
+      </p:sp>
+      <p:sp>
+        <p:nvSpPr>
+          <p:cNvPr id="6" name="Slide Number Placeholder 5"/>
           <p:cNvSpPr>
             <a:spLocks noGrp="1"/>
           </p:cNvSpPr>
@@ -5692,34 +8479,34 @@
             </a:lvl1pPr>
           </a:lstStyle>
           <a:p>
-            <a:fld id="{DA5CE7D3-1C9C-46D3-81A7-AF34BA20FBA8}" type="slidenum">
-              <a:rPr lang="fr-FR" smtClean="0"/>
-              <a:t>‹N°›</a:t>
+            <a:fld id="{48F63A3B-78C7-47BE-AE5E-E10140E04643}" type="slidenum">
+              <a:rPr lang="en-US" dirty="0"/>
+              <a:t>‹#›</a:t>
             </a:fld>
-            <a:endParaRPr lang="fr-FR"/>
+            <a:endParaRPr lang="en-US" dirty="0"/>
           </a:p>
         </p:txBody>
       </p:sp>
     </p:spTree>
     <p:extLst>
       <p:ext uri="{BB962C8B-B14F-4D97-AF65-F5344CB8AC3E}">
-        <p14:creationId xmlns:p14="http://schemas.microsoft.com/office/powerpoint/2010/main" val="833599419"/>
+        <p14:creationId xmlns:p14="http://schemas.microsoft.com/office/powerpoint/2010/main" val="2237237994"/>
       </p:ext>
     </p:extLst>
   </p:cSld>
   <p:clrMap bg1="lt1" tx1="dk1" bg2="lt2" tx2="dk2" accent1="accent1" accent2="accent2" accent3="accent3" accent4="accent4" accent5="accent5" accent6="accent6" hlink="hlink" folHlink="folHlink"/>
   <p:sldLayoutIdLst>
-    <p:sldLayoutId id="2147483649" r:id="rId1"/>
-    <p:sldLayoutId id="2147483650" r:id="rId2"/>
-    <p:sldLayoutId id="2147483651" r:id="rId3"/>
-    <p:sldLayoutId id="2147483652" r:id="rId4"/>
-    <p:sldLayoutId id="2147483653" r:id="rId5"/>
-    <p:sldLayoutId id="2147483654" r:id="rId6"/>
-    <p:sldLayoutId id="2147483655" r:id="rId7"/>
-    <p:sldLayoutId id="2147483656" r:id="rId8"/>
-    <p:sldLayoutId id="2147483657" r:id="rId9"/>
-    <p:sldLayoutId id="2147483658" r:id="rId10"/>
-    <p:sldLayoutId id="2147483659" r:id="rId11"/>
+    <p:sldLayoutId id="2147483697" r:id="rId1"/>
+    <p:sldLayoutId id="2147483698" r:id="rId2"/>
+    <p:sldLayoutId id="2147483699" r:id="rId3"/>
+    <p:sldLayoutId id="2147483700" r:id="rId4"/>
+    <p:sldLayoutId id="2147483701" r:id="rId5"/>
+    <p:sldLayoutId id="2147483702" r:id="rId6"/>
+    <p:sldLayoutId id="2147483703" r:id="rId7"/>
+    <p:sldLayoutId id="2147483704" r:id="rId8"/>
+    <p:sldLayoutId id="2147483705" r:id="rId9"/>
+    <p:sldLayoutId id="2147483706" r:id="rId10"/>
+    <p:sldLayoutId id="2147483707" r:id="rId11"/>
   </p:sldLayoutIdLst>
   <p:txStyles>
     <p:titleStyle>
@@ -5907,7 +8694,7 @@
     </p:bodyStyle>
     <p:otherStyle>
       <a:defPPr>
-        <a:defRPr lang="fr-FR"/>
+        <a:defRPr lang="en-US"/>
       </a:defPPr>
       <a:lvl1pPr marL="0" algn="l" defTabSz="914400" rtl="0" eaLnBrk="1" latinLnBrk="0" hangingPunct="1">
         <a:defRPr sz="1800" kern="1200">
@@ -6374,7 +9161,7 @@
         </p:blipFill>
         <p:spPr>
           <a:xfrm>
-            <a:off x="805675" y="1579583"/>
+            <a:off x="829865" y="1579583"/>
             <a:ext cx="10580649" cy="4237904"/>
           </a:xfrm>
           <a:prstGeom prst="rect">
@@ -6874,53 +9661,6 @@
           <a:chExt cx="0" cy="0"/>
         </a:xfrm>
       </p:grpSpPr>
-      <p:sp>
-        <p:nvSpPr>
-          <p:cNvPr id="4" name="ZoneTexte 3">
-            <a:extLst>
-              <a:ext uri="{FF2B5EF4-FFF2-40B4-BE49-F238E27FC236}">
-                <a16:creationId xmlns:a16="http://schemas.microsoft.com/office/drawing/2014/main" id="{DD536388-DDE5-966B-22D9-E4373B6FD96C}"/>
-              </a:ext>
-            </a:extLst>
-          </p:cNvPr>
-          <p:cNvSpPr txBox="1"/>
-          <p:nvPr/>
-        </p:nvSpPr>
-        <p:spPr>
-          <a:xfrm>
-            <a:off x="3599391" y="225200"/>
-            <a:ext cx="4993217" cy="523220"/>
-          </a:xfrm>
-          <a:prstGeom prst="rect">
-            <a:avLst/>
-          </a:prstGeom>
-          <a:noFill/>
-        </p:spPr>
-        <p:txBody>
-          <a:bodyPr wrap="square" rtlCol="0">
-            <a:spAutoFit/>
-          </a:bodyPr>
-          <a:lstStyle/>
-          <a:p>
-            <a:r>
-              <a:rPr lang="fr-FR" sz="2800" dirty="0" err="1"/>
-              <a:t>Generalized</a:t>
-            </a:r>
-            <a:r>
-              <a:rPr lang="fr-FR" sz="2800" dirty="0"/>
-              <a:t> </a:t>
-            </a:r>
-            <a:r>
-              <a:rPr lang="fr-FR" sz="2800" dirty="0" err="1"/>
-              <a:t>Linear</a:t>
-            </a:r>
-            <a:r>
-              <a:rPr lang="fr-FR" sz="2800" dirty="0"/>
-              <a:t> Model (GLM)</a:t>
-            </a:r>
-          </a:p>
-        </p:txBody>
-      </p:sp>
       <p:pic>
         <p:nvPicPr>
           <p:cNvPr id="3" name="Image 2">
@@ -6943,7 +9683,7 @@
         </p:blipFill>
         <p:spPr>
           <a:xfrm>
-            <a:off x="2451313" y="803547"/>
+            <a:off x="265673" y="903908"/>
             <a:ext cx="7289374" cy="5829253"/>
           </a:xfrm>
           <a:prstGeom prst="rect">
@@ -6951,6 +9691,191 @@
           </a:prstGeom>
         </p:spPr>
       </p:pic>
+      <p:pic>
+        <p:nvPicPr>
+          <p:cNvPr id="11" name="Image 10">
+            <a:extLst>
+              <a:ext uri="{FF2B5EF4-FFF2-40B4-BE49-F238E27FC236}">
+                <a16:creationId xmlns:a16="http://schemas.microsoft.com/office/drawing/2014/main" id="{40308E53-8579-340A-7B2A-98447DF03651}"/>
+              </a:ext>
+            </a:extLst>
+          </p:cNvPr>
+          <p:cNvPicPr>
+            <a:picLocks noChangeAspect="1"/>
+          </p:cNvPicPr>
+          <p:nvPr/>
+        </p:nvPicPr>
+        <p:blipFill>
+          <a:blip r:embed="rId4"/>
+          <a:stretch>
+            <a:fillRect/>
+          </a:stretch>
+        </p:blipFill>
+        <p:spPr>
+          <a:xfrm>
+            <a:off x="6286162" y="4572000"/>
+            <a:ext cx="5706351" cy="1790454"/>
+          </a:xfrm>
+          <a:prstGeom prst="rect">
+            <a:avLst/>
+          </a:prstGeom>
+        </p:spPr>
+      </p:pic>
+      <p:sp>
+        <p:nvSpPr>
+          <p:cNvPr id="4" name="ZoneTexte 3">
+            <a:extLst>
+              <a:ext uri="{FF2B5EF4-FFF2-40B4-BE49-F238E27FC236}">
+                <a16:creationId xmlns:a16="http://schemas.microsoft.com/office/drawing/2014/main" id="{DD536388-DDE5-966B-22D9-E4373B6FD96C}"/>
+              </a:ext>
+            </a:extLst>
+          </p:cNvPr>
+          <p:cNvSpPr txBox="1"/>
+          <p:nvPr/>
+        </p:nvSpPr>
+        <p:spPr>
+          <a:xfrm>
+            <a:off x="3599391" y="225200"/>
+            <a:ext cx="4993217" cy="523220"/>
+          </a:xfrm>
+          <a:prstGeom prst="rect">
+            <a:avLst/>
+          </a:prstGeom>
+          <a:noFill/>
+        </p:spPr>
+        <p:txBody>
+          <a:bodyPr wrap="square" rtlCol="0">
+            <a:spAutoFit/>
+          </a:bodyPr>
+          <a:lstStyle/>
+          <a:p>
+            <a:r>
+              <a:rPr lang="fr-FR" sz="2800" dirty="0" err="1"/>
+              <a:t>Generalized</a:t>
+            </a:r>
+            <a:r>
+              <a:rPr lang="fr-FR" sz="2800" dirty="0"/>
+              <a:t> </a:t>
+            </a:r>
+            <a:r>
+              <a:rPr lang="fr-FR" sz="2800" dirty="0" err="1"/>
+              <a:t>Linear</a:t>
+            </a:r>
+            <a:r>
+              <a:rPr lang="fr-FR" sz="2800" dirty="0"/>
+              <a:t> Model (GLM)</a:t>
+            </a:r>
+          </a:p>
+        </p:txBody>
+      </p:sp>
+      <p:sp>
+        <p:nvSpPr>
+          <p:cNvPr id="8" name="Rectangle 7">
+            <a:extLst>
+              <a:ext uri="{FF2B5EF4-FFF2-40B4-BE49-F238E27FC236}">
+                <a16:creationId xmlns:a16="http://schemas.microsoft.com/office/drawing/2014/main" id="{EF822112-73BF-4C78-EF1F-D69BFDD6A088}"/>
+              </a:ext>
+            </a:extLst>
+          </p:cNvPr>
+          <p:cNvSpPr/>
+          <p:nvPr/>
+        </p:nvSpPr>
+        <p:spPr>
+          <a:xfrm>
+            <a:off x="6556918" y="5954092"/>
+            <a:ext cx="1918010" cy="450250"/>
+          </a:xfrm>
+          <a:prstGeom prst="rect">
+            <a:avLst/>
+          </a:prstGeom>
+          <a:solidFill>
+            <a:srgbClr val="FFFF00">
+              <a:alpha val="20000"/>
+            </a:srgbClr>
+          </a:solidFill>
+          <a:ln>
+            <a:noFill/>
+          </a:ln>
+        </p:spPr>
+        <p:style>
+          <a:lnRef idx="2">
+            <a:schemeClr val="accent1">
+              <a:shade val="50000"/>
+            </a:schemeClr>
+          </a:lnRef>
+          <a:fillRef idx="1">
+            <a:schemeClr val="accent1"/>
+          </a:fillRef>
+          <a:effectRef idx="0">
+            <a:schemeClr val="accent1"/>
+          </a:effectRef>
+          <a:fontRef idx="minor">
+            <a:schemeClr val="lt1"/>
+          </a:fontRef>
+        </p:style>
+        <p:txBody>
+          <a:bodyPr rtlCol="0" anchor="ctr"/>
+          <a:lstStyle/>
+          <a:p>
+            <a:pPr algn="ctr"/>
+            <a:endParaRPr lang="fr-FR"/>
+          </a:p>
+        </p:txBody>
+      </p:sp>
+      <p:sp>
+        <p:nvSpPr>
+          <p:cNvPr id="9" name="Rectangle 8">
+            <a:extLst>
+              <a:ext uri="{FF2B5EF4-FFF2-40B4-BE49-F238E27FC236}">
+                <a16:creationId xmlns:a16="http://schemas.microsoft.com/office/drawing/2014/main" id="{BBBF6BD2-7F1F-0EEC-EB63-ED6E937D7BD8}"/>
+              </a:ext>
+            </a:extLst>
+          </p:cNvPr>
+          <p:cNvSpPr/>
+          <p:nvPr/>
+        </p:nvSpPr>
+        <p:spPr>
+          <a:xfrm>
+            <a:off x="265674" y="6115237"/>
+            <a:ext cx="1150532" cy="247217"/>
+          </a:xfrm>
+          <a:prstGeom prst="rect">
+            <a:avLst/>
+          </a:prstGeom>
+          <a:solidFill>
+            <a:srgbClr val="FFFF00">
+              <a:alpha val="20000"/>
+            </a:srgbClr>
+          </a:solidFill>
+          <a:ln>
+            <a:noFill/>
+          </a:ln>
+        </p:spPr>
+        <p:style>
+          <a:lnRef idx="2">
+            <a:schemeClr val="accent1">
+              <a:shade val="50000"/>
+            </a:schemeClr>
+          </a:lnRef>
+          <a:fillRef idx="1">
+            <a:schemeClr val="accent1"/>
+          </a:fillRef>
+          <a:effectRef idx="0">
+            <a:schemeClr val="accent1"/>
+          </a:effectRef>
+          <a:fontRef idx="minor">
+            <a:schemeClr val="lt1"/>
+          </a:fontRef>
+        </p:style>
+        <p:txBody>
+          <a:bodyPr rtlCol="0" anchor="ctr"/>
+          <a:lstStyle/>
+          <a:p>
+            <a:pPr algn="ctr"/>
+            <a:endParaRPr lang="fr-FR"/>
+          </a:p>
+        </p:txBody>
+      </p:sp>
     </p:spTree>
     <p:extLst>
       <p:ext uri="{BB962C8B-B14F-4D97-AF65-F5344CB8AC3E}">
@@ -6981,101 +9906,36 @@
           <a:chExt cx="0" cy="0"/>
         </a:xfrm>
       </p:grpSpPr>
-      <p:sp>
-        <p:nvSpPr>
-          <p:cNvPr id="4" name="ZoneTexte 3">
+      <p:pic>
+        <p:nvPicPr>
+          <p:cNvPr id="3" name="Image 2">
             <a:extLst>
               <a:ext uri="{FF2B5EF4-FFF2-40B4-BE49-F238E27FC236}">
-                <a16:creationId xmlns:a16="http://schemas.microsoft.com/office/drawing/2014/main" id="{17417F23-6F3D-6911-A917-DD4B2C3D4146}"/>
+                <a16:creationId xmlns:a16="http://schemas.microsoft.com/office/drawing/2014/main" id="{D301E334-B98E-044B-4D00-E9BAAC48FD67}"/>
               </a:ext>
             </a:extLst>
           </p:cNvPr>
-          <p:cNvSpPr txBox="1"/>
+          <p:cNvPicPr>
+            <a:picLocks noChangeAspect="1"/>
+          </p:cNvPicPr>
           <p:nvPr/>
-        </p:nvSpPr>
+        </p:nvPicPr>
+        <p:blipFill>
+          <a:blip r:embed="rId3"/>
+          <a:stretch>
+            <a:fillRect/>
+          </a:stretch>
+        </p:blipFill>
         <p:spPr>
           <a:xfrm>
-            <a:off x="3144060" y="269445"/>
-            <a:ext cx="5903879" cy="523220"/>
+            <a:off x="2107580" y="53299"/>
+            <a:ext cx="7571679" cy="6804701"/>
           </a:xfrm>
           <a:prstGeom prst="rect">
             <a:avLst/>
           </a:prstGeom>
-          <a:noFill/>
         </p:spPr>
-        <p:txBody>
-          <a:bodyPr wrap="square" rtlCol="0">
-            <a:spAutoFit/>
-          </a:bodyPr>
-          <a:lstStyle/>
-          <a:p>
-            <a:r>
-              <a:rPr lang="fr-FR" sz="2800" dirty="0" err="1"/>
-              <a:t>Response</a:t>
-            </a:r>
-            <a:r>
-              <a:rPr lang="fr-FR" sz="2800" dirty="0"/>
-              <a:t> </a:t>
-            </a:r>
-            <a:r>
-              <a:rPr lang="fr-FR" sz="2800" dirty="0" err="1"/>
-              <a:t>curve</a:t>
-            </a:r>
-            <a:r>
-              <a:rPr lang="fr-FR" sz="2800" dirty="0"/>
-              <a:t> (3 </a:t>
-            </a:r>
-            <a:r>
-              <a:rPr lang="fr-FR" sz="2800" dirty="0" err="1"/>
-              <a:t>dimensional</a:t>
-            </a:r>
-            <a:r>
-              <a:rPr lang="fr-FR" sz="2800" dirty="0"/>
-              <a:t> niche)</a:t>
-            </a:r>
-          </a:p>
-        </p:txBody>
-      </p:sp>
-      <p:sp>
-        <p:nvSpPr>
-          <p:cNvPr id="5" name="ZoneTexte 4">
-            <a:extLst>
-              <a:ext uri="{FF2B5EF4-FFF2-40B4-BE49-F238E27FC236}">
-                <a16:creationId xmlns:a16="http://schemas.microsoft.com/office/drawing/2014/main" id="{58B4D034-FE87-741F-1B50-763DB3939746}"/>
-              </a:ext>
-            </a:extLst>
-          </p:cNvPr>
-          <p:cNvSpPr txBox="1"/>
-          <p:nvPr/>
-        </p:nvSpPr>
-        <p:spPr>
-          <a:xfrm>
-            <a:off x="5515244" y="2436842"/>
-            <a:ext cx="1161510" cy="369332"/>
-          </a:xfrm>
-          <a:prstGeom prst="rect">
-            <a:avLst/>
-          </a:prstGeom>
-          <a:noFill/>
-        </p:spPr>
-        <p:txBody>
-          <a:bodyPr wrap="square">
-            <a:spAutoFit/>
-          </a:bodyPr>
-          <a:lstStyle/>
-          <a:p>
-            <a:r>
-              <a:rPr lang="en-US" dirty="0">
-                <a:latin typeface="Calibri" panose="020F0502020204030204" pitchFamily="34" charset="0"/>
-                <a:ea typeface="Calibri" panose="020F0502020204030204" pitchFamily="34" charset="0"/>
-                <a:cs typeface="Times New Roman" panose="02020603050405020304" pitchFamily="18" charset="0"/>
-              </a:rPr>
-              <a:t>R output</a:t>
-            </a:r>
-            <a:endParaRPr lang="fr-FR" dirty="0"/>
-          </a:p>
-        </p:txBody>
-      </p:sp>
+      </p:pic>
     </p:spTree>
     <p:extLst>
       <p:ext uri="{BB962C8B-B14F-4D97-AF65-F5344CB8AC3E}">
@@ -7121,7 +9981,7 @@
           <p:nvPr/>
         </p:nvPicPr>
         <p:blipFill rotWithShape="1">
-          <a:blip r:embed="rId2"/>
+          <a:blip r:embed="rId3"/>
           <a:srcRect t="1" b="-125"/>
           <a:stretch/>
         </p:blipFill>
@@ -7228,7 +10088,7 @@
                 <a:latin typeface="Calibri" panose="020F0502020204030204" pitchFamily="34" charset="0"/>
                 <a:ea typeface="Calibri" panose="020F0502020204030204" pitchFamily="34" charset="0"/>
                 <a:cs typeface="Times New Roman" panose="02020603050405020304" pitchFamily="18" charset="0"/>
-                <a:hlinkClick r:id="rId3"/>
+                <a:hlinkClick r:id="rId4"/>
               </a:rPr>
               <a:t>(Cutler et al., 2007)</a:t>
             </a:r>
@@ -7280,7 +10140,7 @@
         </p:nvSpPr>
         <p:spPr>
           <a:xfrm>
-            <a:off x="5158733" y="221457"/>
+            <a:off x="5158732" y="316707"/>
             <a:ext cx="1874533" cy="523220"/>
           </a:xfrm>
           <a:prstGeom prst="rect">
@@ -7297,6 +10157,74 @@
             <a:r>
               <a:rPr lang="fr-FR" sz="2800" dirty="0"/>
               <a:t>Conclusion</a:t>
+            </a:r>
+          </a:p>
+        </p:txBody>
+      </p:sp>
+      <p:sp>
+        <p:nvSpPr>
+          <p:cNvPr id="2" name="ZoneTexte 1">
+            <a:extLst>
+              <a:ext uri="{FF2B5EF4-FFF2-40B4-BE49-F238E27FC236}">
+                <a16:creationId xmlns:a16="http://schemas.microsoft.com/office/drawing/2014/main" id="{3FBAF58C-7762-E90B-822E-3DA22A4BAD44}"/>
+              </a:ext>
+            </a:extLst>
+          </p:cNvPr>
+          <p:cNvSpPr txBox="1"/>
+          <p:nvPr/>
+        </p:nvSpPr>
+        <p:spPr>
+          <a:xfrm>
+            <a:off x="2930223" y="2459504"/>
+            <a:ext cx="6331552" cy="1938992"/>
+          </a:xfrm>
+          <a:prstGeom prst="rect">
+            <a:avLst/>
+          </a:prstGeom>
+          <a:noFill/>
+        </p:spPr>
+        <p:txBody>
+          <a:bodyPr wrap="square">
+            <a:spAutoFit/>
+          </a:bodyPr>
+          <a:lstStyle/>
+          <a:p>
+            <a:pPr marL="285750" indent="-285750">
+              <a:buFont typeface="Arial" panose="020B0604020202020204" pitchFamily="34" charset="0"/>
+              <a:buChar char="•"/>
+            </a:pPr>
+            <a:r>
+              <a:rPr lang="en-US" sz="4000" b="1" dirty="0">
+                <a:latin typeface="Calibri" panose="020F0502020204030204" pitchFamily="34" charset="0"/>
+                <a:ea typeface="Calibri" panose="020F0502020204030204" pitchFamily="34" charset="0"/>
+                <a:cs typeface="Times New Roman" panose="02020603050405020304" pitchFamily="18" charset="0"/>
+              </a:rPr>
+              <a:t>Complementary studies</a:t>
+            </a:r>
+          </a:p>
+          <a:p>
+            <a:pPr marL="285750" indent="-285750">
+              <a:buFont typeface="Arial" panose="020B0604020202020204" pitchFamily="34" charset="0"/>
+              <a:buChar char="•"/>
+            </a:pPr>
+            <a:endParaRPr lang="en-US" sz="4000" b="1" dirty="0">
+              <a:latin typeface="Calibri" panose="020F0502020204030204" pitchFamily="34" charset="0"/>
+              <a:ea typeface="Calibri" panose="020F0502020204030204" pitchFamily="34" charset="0"/>
+              <a:cs typeface="Times New Roman" panose="02020603050405020304" pitchFamily="18" charset="0"/>
+            </a:endParaRPr>
+          </a:p>
+          <a:p>
+            <a:pPr marL="285750" indent="-285750">
+              <a:buFont typeface="Arial" panose="020B0604020202020204" pitchFamily="34" charset="0"/>
+              <a:buChar char="•"/>
+            </a:pPr>
+            <a:r>
+              <a:rPr lang="en-US" sz="4000" b="1" dirty="0">
+                <a:latin typeface="Calibri" panose="020F0502020204030204" pitchFamily="34" charset="0"/>
+                <a:ea typeface="Calibri" panose="020F0502020204030204" pitchFamily="34" charset="0"/>
+                <a:cs typeface="Times New Roman" panose="02020603050405020304" pitchFamily="18" charset="0"/>
+              </a:rPr>
+              <a:t>Personal experience</a:t>
             </a:r>
           </a:p>
         </p:txBody>
@@ -7496,7 +10424,7 @@
         <p:spPr>
           <a:xfrm>
             <a:off x="5280230" y="283863"/>
-            <a:ext cx="1631540" cy="523220"/>
+            <a:ext cx="1991758" cy="523220"/>
           </a:xfrm>
           <a:prstGeom prst="rect">
             <a:avLst/>
@@ -7504,16 +10432,15 @@
           <a:noFill/>
         </p:spPr>
         <p:txBody>
-          <a:bodyPr wrap="square" rtlCol="0">
+          <a:bodyPr wrap="square" lIns="91440" tIns="45720" rIns="91440" bIns="45720" rtlCol="0" anchor="t">
             <a:spAutoFit/>
           </a:bodyPr>
           <a:lstStyle/>
           <a:p>
             <a:r>
-              <a:rPr lang="fr-FR" sz="2800" dirty="0" err="1"/>
-              <a:t>Overview</a:t>
-            </a:r>
-            <a:endParaRPr lang="fr-FR" sz="2800" dirty="0"/>
+              <a:rPr lang="fr-FR" sz="2800" dirty="0"/>
+              <a:t>Introduction</a:t>
+            </a:r>
           </a:p>
         </p:txBody>
       </p:sp>
@@ -7630,8 +10557,8 @@
         </p:blipFill>
         <p:spPr>
           <a:xfrm>
-            <a:off x="2456942" y="837838"/>
-            <a:ext cx="7278116" cy="5182323"/>
+            <a:off x="1739590" y="255808"/>
+            <a:ext cx="8151585" cy="5804269"/>
           </a:xfrm>
           <a:prstGeom prst="rect">
             <a:avLst/>
@@ -8978,7 +11905,7 @@
         </p:blipFill>
         <p:spPr>
           <a:xfrm>
-            <a:off x="6729597" y="0"/>
+            <a:off x="6692122" y="-12492"/>
             <a:ext cx="5217075" cy="6858000"/>
           </a:xfrm>
           <a:prstGeom prst="rect">
@@ -9060,9 +11987,9 @@
 </file>
 
 <file path=ppt/theme/theme1.xml><?xml version="1.0" encoding="utf-8"?>
-<a:theme xmlns:a="http://schemas.openxmlformats.org/drawingml/2006/main" name="Thème Office">
+<a:theme xmlns:a="http://schemas.openxmlformats.org/drawingml/2006/main" name="Office Theme">
   <a:themeElements>
-    <a:clrScheme name="Office">
+    <a:clrScheme name="Office Theme">
       <a:dk1>
         <a:sysClr val="windowText" lastClr="000000"/>
       </a:dk1>
@@ -9100,7 +12027,7 @@
         <a:srgbClr val="954F72"/>
       </a:folHlink>
     </a:clrScheme>
-    <a:fontScheme name="Office">
+    <a:fontScheme name="Office Theme">
       <a:majorFont>
         <a:latin typeface="Calibri Light" panose="020F0302020204030204"/>
         <a:ea typeface=""/>
@@ -9135,23 +12062,6 @@
         <a:font script="Viet" typeface="Times New Roman"/>
         <a:font script="Uigh" typeface="Microsoft Uighur"/>
         <a:font script="Geor" typeface="Sylfaen"/>
-        <a:font script="Armn" typeface="Arial"/>
-        <a:font script="Bugi" typeface="Leelawadee UI"/>
-        <a:font script="Bopo" typeface="Microsoft JhengHei"/>
-        <a:font script="Java" typeface="Javanese Text"/>
-        <a:font script="Lisu" typeface="Segoe UI"/>
-        <a:font script="Mymr" typeface="Myanmar Text"/>
-        <a:font script="Nkoo" typeface="Ebrima"/>
-        <a:font script="Olck" typeface="Nirmala UI"/>
-        <a:font script="Osma" typeface="Ebrima"/>
-        <a:font script="Phag" typeface="Phagspa"/>
-        <a:font script="Syrn" typeface="Estrangelo Edessa"/>
-        <a:font script="Syrj" typeface="Estrangelo Edessa"/>
-        <a:font script="Syre" typeface="Estrangelo Edessa"/>
-        <a:font script="Sora" typeface="Nirmala UI"/>
-        <a:font script="Tale" typeface="Microsoft Tai Le"/>
-        <a:font script="Talu" typeface="Microsoft New Tai Lue"/>
-        <a:font script="Tfng" typeface="Ebrima"/>
       </a:majorFont>
       <a:minorFont>
         <a:latin typeface="Calibri" panose="020F0502020204030204"/>
@@ -9187,26 +12097,9 @@
         <a:font script="Viet" typeface="Arial"/>
         <a:font script="Uigh" typeface="Microsoft Uighur"/>
         <a:font script="Geor" typeface="Sylfaen"/>
-        <a:font script="Armn" typeface="Arial"/>
-        <a:font script="Bugi" typeface="Leelawadee UI"/>
-        <a:font script="Bopo" typeface="Microsoft JhengHei"/>
-        <a:font script="Java" typeface="Javanese Text"/>
-        <a:font script="Lisu" typeface="Segoe UI"/>
-        <a:font script="Mymr" typeface="Myanmar Text"/>
-        <a:font script="Nkoo" typeface="Ebrima"/>
-        <a:font script="Olck" typeface="Nirmala UI"/>
-        <a:font script="Osma" typeface="Ebrima"/>
-        <a:font script="Phag" typeface="Phagspa"/>
-        <a:font script="Syrn" typeface="Estrangelo Edessa"/>
-        <a:font script="Syrj" typeface="Estrangelo Edessa"/>
-        <a:font script="Syre" typeface="Estrangelo Edessa"/>
-        <a:font script="Sora" typeface="Nirmala UI"/>
-        <a:font script="Tale" typeface="Microsoft Tai Le"/>
-        <a:font script="Talu" typeface="Microsoft New Tai Lue"/>
-        <a:font script="Tfng" typeface="Ebrima"/>
       </a:minorFont>
     </a:fontScheme>
-    <a:fmtScheme name="Office">
+    <a:fmtScheme name="Office Theme">
       <a:fillStyleLst>
         <a:solidFill>
           <a:schemeClr val="phClr"/>
